--- a/Stanford_march_2024/intro-to-multiverse.pptx
+++ b/Stanford_march_2024/intro-to-multiverse.pptx
@@ -5,7 +5,7 @@
     <p:sldMasterId id="2147483648" r:id="rId1"/>
   </p:sldMasterIdLst>
   <p:notesMasterIdLst>
-    <p:notesMasterId r:id="rId17"/>
+    <p:notesMasterId r:id="rId20"/>
   </p:notesMasterIdLst>
   <p:sldIdLst>
     <p:sldId id="263" r:id="rId2"/>
@@ -23,6 +23,9 @@
     <p:sldId id="315" r:id="rId14"/>
     <p:sldId id="310" r:id="rId15"/>
     <p:sldId id="317" r:id="rId16"/>
+    <p:sldId id="319" r:id="rId17"/>
+    <p:sldId id="320" r:id="rId18"/>
+    <p:sldId id="318" r:id="rId19"/>
   </p:sldIdLst>
   <p:sldSz cx="12192000" cy="6858000"/>
   <p:notesSz cx="6858000" cy="9144000"/>
@@ -2119,7 +2122,7 @@
           <a:p>
             <a:fld id="{CE00C91C-6305-47AE-8BC8-E346D574BCEC}" type="datetimeFigureOut">
               <a:rPr lang="LID4096" smtClean="0"/>
-              <a:t>03/04/2024</a:t>
+              <a:t>03/05/2024</a:t>
             </a:fld>
             <a:endParaRPr lang="LID4096"/>
           </a:p>
@@ -3068,6 +3071,90 @@
 </p:notes>
 </file>
 
+<file path=ppt/notesSlides/notesSlide8.xml><?xml version="1.0" encoding="utf-8"?>
+<p:notes xmlns:a="http://schemas.openxmlformats.org/drawingml/2006/main" xmlns:r="http://schemas.openxmlformats.org/officeDocument/2006/relationships" xmlns:p="http://schemas.openxmlformats.org/presentationml/2006/main">
+  <p:cSld>
+    <p:spTree>
+      <p:nvGrpSpPr>
+        <p:cNvPr id="1" name=""/>
+        <p:cNvGrpSpPr/>
+        <p:nvPr/>
+      </p:nvGrpSpPr>
+      <p:grpSpPr>
+        <a:xfrm>
+          <a:off x="0" y="0"/>
+          <a:ext cx="0" cy="0"/>
+          <a:chOff x="0" y="0"/>
+          <a:chExt cx="0" cy="0"/>
+        </a:xfrm>
+      </p:grpSpPr>
+      <p:sp>
+        <p:nvSpPr>
+          <p:cNvPr id="2" name="Slide Image Placeholder 1"/>
+          <p:cNvSpPr>
+            <a:spLocks noGrp="1" noRot="1" noChangeAspect="1"/>
+          </p:cNvSpPr>
+          <p:nvPr>
+            <p:ph type="sldImg"/>
+          </p:nvPr>
+        </p:nvSpPr>
+        <p:spPr/>
+      </p:sp>
+      <p:sp>
+        <p:nvSpPr>
+          <p:cNvPr id="3" name="Notes Placeholder 2"/>
+          <p:cNvSpPr>
+            <a:spLocks noGrp="1"/>
+          </p:cNvSpPr>
+          <p:nvPr>
+            <p:ph type="body" idx="1"/>
+          </p:nvPr>
+        </p:nvSpPr>
+        <p:spPr/>
+        <p:txBody>
+          <a:bodyPr/>
+          <a:lstStyle/>
+          <a:p>
+            <a:endParaRPr lang="LID4096" dirty="0"/>
+          </a:p>
+        </p:txBody>
+      </p:sp>
+      <p:sp>
+        <p:nvSpPr>
+          <p:cNvPr id="4" name="Slide Number Placeholder 3"/>
+          <p:cNvSpPr>
+            <a:spLocks noGrp="1"/>
+          </p:cNvSpPr>
+          <p:nvPr>
+            <p:ph type="sldNum" sz="quarter" idx="5"/>
+          </p:nvPr>
+        </p:nvSpPr>
+        <p:spPr/>
+        <p:txBody>
+          <a:bodyPr/>
+          <a:lstStyle/>
+          <a:p>
+            <a:fld id="{E8D7F4A6-703B-4430-9286-ACC01FFD187D}" type="slidenum">
+              <a:rPr lang="LID4096" smtClean="0"/>
+              <a:t>15</a:t>
+            </a:fld>
+            <a:endParaRPr lang="LID4096"/>
+          </a:p>
+        </p:txBody>
+      </p:sp>
+    </p:spTree>
+    <p:extLst>
+      <p:ext uri="{BB962C8B-B14F-4D97-AF65-F5344CB8AC3E}">
+        <p14:creationId xmlns:p14="http://schemas.microsoft.com/office/powerpoint/2010/main" val="1916909301"/>
+      </p:ext>
+    </p:extLst>
+  </p:cSld>
+  <p:clrMapOvr>
+    <a:masterClrMapping/>
+  </p:clrMapOvr>
+</p:notes>
+</file>
+
 <file path=ppt/slideLayouts/slideLayout1.xml><?xml version="1.0" encoding="utf-8"?>
 <p:sldLayout xmlns:a="http://schemas.openxmlformats.org/drawingml/2006/main" xmlns:r="http://schemas.openxmlformats.org/officeDocument/2006/relationships" xmlns:p="http://schemas.openxmlformats.org/presentationml/2006/main" type="title" preserve="1">
   <p:cSld name="Title Slide">
@@ -3217,7 +3304,7 @@
           <a:p>
             <a:fld id="{8504B452-D1EF-4AC8-B2B8-C1A5D3A94C8B}" type="datetimeFigureOut">
               <a:rPr lang="LID4096" smtClean="0"/>
-              <a:t>03/04/2024</a:t>
+              <a:t>03/05/2024</a:t>
             </a:fld>
             <a:endParaRPr lang="LID4096"/>
           </a:p>
@@ -3417,7 +3504,7 @@
           <a:p>
             <a:fld id="{8504B452-D1EF-4AC8-B2B8-C1A5D3A94C8B}" type="datetimeFigureOut">
               <a:rPr lang="LID4096" smtClean="0"/>
-              <a:t>03/04/2024</a:t>
+              <a:t>03/05/2024</a:t>
             </a:fld>
             <a:endParaRPr lang="LID4096"/>
           </a:p>
@@ -3627,7 +3714,7 @@
           <a:p>
             <a:fld id="{8504B452-D1EF-4AC8-B2B8-C1A5D3A94C8B}" type="datetimeFigureOut">
               <a:rPr lang="LID4096" smtClean="0"/>
-              <a:t>03/04/2024</a:t>
+              <a:t>03/05/2024</a:t>
             </a:fld>
             <a:endParaRPr lang="LID4096"/>
           </a:p>
@@ -3827,7 +3914,7 @@
           <a:p>
             <a:fld id="{8504B452-D1EF-4AC8-B2B8-C1A5D3A94C8B}" type="datetimeFigureOut">
               <a:rPr lang="LID4096" smtClean="0"/>
-              <a:t>03/04/2024</a:t>
+              <a:t>03/05/2024</a:t>
             </a:fld>
             <a:endParaRPr lang="LID4096"/>
           </a:p>
@@ -4103,7 +4190,7 @@
           <a:p>
             <a:fld id="{8504B452-D1EF-4AC8-B2B8-C1A5D3A94C8B}" type="datetimeFigureOut">
               <a:rPr lang="LID4096" smtClean="0"/>
-              <a:t>03/04/2024</a:t>
+              <a:t>03/05/2024</a:t>
             </a:fld>
             <a:endParaRPr lang="LID4096"/>
           </a:p>
@@ -4371,7 +4458,7 @@
           <a:p>
             <a:fld id="{8504B452-D1EF-4AC8-B2B8-C1A5D3A94C8B}" type="datetimeFigureOut">
               <a:rPr lang="LID4096" smtClean="0"/>
-              <a:t>03/04/2024</a:t>
+              <a:t>03/05/2024</a:t>
             </a:fld>
             <a:endParaRPr lang="LID4096"/>
           </a:p>
@@ -4786,7 +4873,7 @@
           <a:p>
             <a:fld id="{8504B452-D1EF-4AC8-B2B8-C1A5D3A94C8B}" type="datetimeFigureOut">
               <a:rPr lang="LID4096" smtClean="0"/>
-              <a:t>03/04/2024</a:t>
+              <a:t>03/05/2024</a:t>
             </a:fld>
             <a:endParaRPr lang="LID4096"/>
           </a:p>
@@ -4928,7 +5015,7 @@
           <a:p>
             <a:fld id="{8504B452-D1EF-4AC8-B2B8-C1A5D3A94C8B}" type="datetimeFigureOut">
               <a:rPr lang="LID4096" smtClean="0"/>
-              <a:t>03/04/2024</a:t>
+              <a:t>03/05/2024</a:t>
             </a:fld>
             <a:endParaRPr lang="LID4096"/>
           </a:p>
@@ -5041,7 +5128,7 @@
           <a:p>
             <a:fld id="{8504B452-D1EF-4AC8-B2B8-C1A5D3A94C8B}" type="datetimeFigureOut">
               <a:rPr lang="LID4096" smtClean="0"/>
-              <a:t>03/04/2024</a:t>
+              <a:t>03/05/2024</a:t>
             </a:fld>
             <a:endParaRPr lang="LID4096"/>
           </a:p>
@@ -5354,7 +5441,7 @@
           <a:p>
             <a:fld id="{8504B452-D1EF-4AC8-B2B8-C1A5D3A94C8B}" type="datetimeFigureOut">
               <a:rPr lang="LID4096" smtClean="0"/>
-              <a:t>03/04/2024</a:t>
+              <a:t>03/05/2024</a:t>
             </a:fld>
             <a:endParaRPr lang="LID4096"/>
           </a:p>
@@ -5643,7 +5730,7 @@
           <a:p>
             <a:fld id="{8504B452-D1EF-4AC8-B2B8-C1A5D3A94C8B}" type="datetimeFigureOut">
               <a:rPr lang="LID4096" smtClean="0"/>
-              <a:t>03/04/2024</a:t>
+              <a:t>03/05/2024</a:t>
             </a:fld>
             <a:endParaRPr lang="LID4096"/>
           </a:p>
@@ -5886,7 +5973,7 @@
           <a:p>
             <a:fld id="{8504B452-D1EF-4AC8-B2B8-C1A5D3A94C8B}" type="datetimeFigureOut">
               <a:rPr lang="LID4096" smtClean="0"/>
-              <a:t>03/04/2024</a:t>
+              <a:t>03/05/2024</a:t>
             </a:fld>
             <a:endParaRPr lang="LID4096"/>
           </a:p>
@@ -8076,7 +8163,7 @@
                 <a:latin typeface="Helvetica" panose="020B0604020202020204" pitchFamily="34" charset="0"/>
                 <a:cs typeface="Helvetica" panose="020B0604020202020204" pitchFamily="34" charset="0"/>
               </a:rPr>
-              <a:t>Identify the multiverse of decisions for your own project (present or past)</a:t>
+              <a:t>Creating a multiverse for your own project (present or past)</a:t>
             </a:r>
           </a:p>
           <a:p>
@@ -8420,12 +8507,1196 @@
           <a:chExt cx="0" cy="0"/>
         </a:xfrm>
       </p:grpSpPr>
+      <p:pic>
+        <p:nvPicPr>
+          <p:cNvPr id="7" name="Picture 6">
+            <a:extLst>
+              <a:ext uri="{FF2B5EF4-FFF2-40B4-BE49-F238E27FC236}">
+                <a16:creationId xmlns:a16="http://schemas.microsoft.com/office/drawing/2014/main" id="{7075AAB5-C72C-A829-7689-043D24F3252C}"/>
+              </a:ext>
+            </a:extLst>
+          </p:cNvPr>
+          <p:cNvPicPr>
+            <a:picLocks noChangeAspect="1"/>
+          </p:cNvPicPr>
+          <p:nvPr/>
+        </p:nvPicPr>
+        <p:blipFill>
+          <a:blip r:embed="rId3"/>
+          <a:stretch>
+            <a:fillRect/>
+          </a:stretch>
+        </p:blipFill>
+        <p:spPr>
+          <a:xfrm>
+            <a:off x="717290" y="711200"/>
+            <a:ext cx="10509510" cy="5268730"/>
+          </a:xfrm>
+          <a:prstGeom prst="rect">
+            <a:avLst/>
+          </a:prstGeom>
+        </p:spPr>
+      </p:pic>
+      <p:sp>
+        <p:nvSpPr>
+          <p:cNvPr id="8" name="Oval 7">
+            <a:extLst>
+              <a:ext uri="{FF2B5EF4-FFF2-40B4-BE49-F238E27FC236}">
+                <a16:creationId xmlns:a16="http://schemas.microsoft.com/office/drawing/2014/main" id="{4C2173C3-3DCE-03B4-83E2-91A065840B1A}"/>
+              </a:ext>
+            </a:extLst>
+          </p:cNvPr>
+          <p:cNvSpPr/>
+          <p:nvPr/>
+        </p:nvSpPr>
+        <p:spPr>
+          <a:xfrm>
+            <a:off x="4561840" y="2072640"/>
+            <a:ext cx="1330960" cy="406400"/>
+          </a:xfrm>
+          <a:prstGeom prst="ellipse">
+            <a:avLst/>
+          </a:prstGeom>
+          <a:noFill/>
+          <a:ln w="57150">
+            <a:solidFill>
+              <a:srgbClr val="FF0000"/>
+            </a:solidFill>
+          </a:ln>
+        </p:spPr>
+        <p:style>
+          <a:lnRef idx="2">
+            <a:schemeClr val="accent1">
+              <a:shade val="15000"/>
+            </a:schemeClr>
+          </a:lnRef>
+          <a:fillRef idx="1">
+            <a:schemeClr val="accent1"/>
+          </a:fillRef>
+          <a:effectRef idx="0">
+            <a:schemeClr val="accent1"/>
+          </a:effectRef>
+          <a:fontRef idx="minor">
+            <a:schemeClr val="lt1"/>
+          </a:fontRef>
+        </p:style>
+        <p:txBody>
+          <a:bodyPr rtlCol="0" anchor="ctr"/>
+          <a:lstStyle/>
+          <a:p>
+            <a:pPr algn="ctr"/>
+            <a:endParaRPr lang="LID4096"/>
+          </a:p>
+        </p:txBody>
+      </p:sp>
+      <p:cxnSp>
+        <p:nvCxnSpPr>
+          <p:cNvPr id="10" name="Straight Arrow Connector 9">
+            <a:extLst>
+              <a:ext uri="{FF2B5EF4-FFF2-40B4-BE49-F238E27FC236}">
+                <a16:creationId xmlns:a16="http://schemas.microsoft.com/office/drawing/2014/main" id="{96D80D17-CD7A-DCDB-EBE1-94825A87E44E}"/>
+              </a:ext>
+            </a:extLst>
+          </p:cNvPr>
+          <p:cNvCxnSpPr>
+            <a:stCxn id="8" idx="2"/>
+          </p:cNvCxnSpPr>
+          <p:nvPr/>
+        </p:nvCxnSpPr>
+        <p:spPr>
+          <a:xfrm flipH="1" flipV="1">
+            <a:off x="4003040" y="2235200"/>
+            <a:ext cx="558800" cy="40640"/>
+          </a:xfrm>
+          <a:prstGeom prst="straightConnector1">
+            <a:avLst/>
+          </a:prstGeom>
+          <a:ln w="57150">
+            <a:solidFill>
+              <a:srgbClr val="FF0000"/>
+            </a:solidFill>
+            <a:tailEnd type="triangle"/>
+          </a:ln>
+        </p:spPr>
+        <p:style>
+          <a:lnRef idx="1">
+            <a:schemeClr val="accent1"/>
+          </a:lnRef>
+          <a:fillRef idx="0">
+            <a:schemeClr val="accent1"/>
+          </a:fillRef>
+          <a:effectRef idx="0">
+            <a:schemeClr val="accent1"/>
+          </a:effectRef>
+          <a:fontRef idx="minor">
+            <a:schemeClr val="tx1"/>
+          </a:fontRef>
+        </p:style>
+      </p:cxnSp>
+      <p:sp>
+        <p:nvSpPr>
+          <p:cNvPr id="11" name="TextBox 10">
+            <a:extLst>
+              <a:ext uri="{FF2B5EF4-FFF2-40B4-BE49-F238E27FC236}">
+                <a16:creationId xmlns:a16="http://schemas.microsoft.com/office/drawing/2014/main" id="{32FF8AB5-2750-3E52-5011-E4FAB0706F25}"/>
+              </a:ext>
+            </a:extLst>
+          </p:cNvPr>
+          <p:cNvSpPr txBox="1"/>
+          <p:nvPr/>
+        </p:nvSpPr>
+        <p:spPr>
+          <a:xfrm>
+            <a:off x="2611120" y="1737231"/>
+            <a:ext cx="1394934" cy="1077218"/>
+          </a:xfrm>
+          <a:prstGeom prst="rect">
+            <a:avLst/>
+          </a:prstGeom>
+          <a:noFill/>
+        </p:spPr>
+        <p:txBody>
+          <a:bodyPr wrap="none" rtlCol="0">
+            <a:spAutoFit/>
+          </a:bodyPr>
+          <a:lstStyle/>
+          <a:p>
+            <a:r>
+              <a:rPr lang="en-GB" sz="3200" b="1" dirty="0">
+                <a:solidFill>
+                  <a:srgbClr val="FF0000"/>
+                </a:solidFill>
+              </a:rPr>
+              <a:t>Nested</a:t>
+            </a:r>
+          </a:p>
+          <a:p>
+            <a:r>
+              <a:rPr lang="en-GB" sz="3200" b="1" dirty="0" err="1">
+                <a:solidFill>
+                  <a:srgbClr val="FF0000"/>
+                </a:solidFill>
+              </a:rPr>
+              <a:t>tibble</a:t>
+            </a:r>
+            <a:endParaRPr lang="LID4096" sz="3200" b="1" dirty="0">
+              <a:solidFill>
+                <a:srgbClr val="FF0000"/>
+              </a:solidFill>
+            </a:endParaRPr>
+          </a:p>
+        </p:txBody>
+      </p:sp>
+    </p:spTree>
+    <p:extLst>
+      <p:ext uri="{BB962C8B-B14F-4D97-AF65-F5344CB8AC3E}">
+        <p14:creationId xmlns:p14="http://schemas.microsoft.com/office/powerpoint/2010/main" val="1747237854"/>
+      </p:ext>
+    </p:extLst>
+  </p:cSld>
+  <p:clrMapOvr>
+    <a:masterClrMapping/>
+  </p:clrMapOvr>
+</p:sld>
+</file>
+
+<file path=ppt/slides/slide16.xml><?xml version="1.0" encoding="utf-8"?>
+<p:sld xmlns:a="http://schemas.openxmlformats.org/drawingml/2006/main" xmlns:r="http://schemas.openxmlformats.org/officeDocument/2006/relationships" xmlns:p="http://schemas.openxmlformats.org/presentationml/2006/main">
+  <p:cSld>
+    <p:spTree>
+      <p:nvGrpSpPr>
+        <p:cNvPr id="1" name="">
+          <a:extLst>
+            <a:ext uri="{FF2B5EF4-FFF2-40B4-BE49-F238E27FC236}">
+              <a16:creationId xmlns:a16="http://schemas.microsoft.com/office/drawing/2014/main" id="{49EF8F1B-AA92-4AA1-037C-1A80B6EB694B}"/>
+            </a:ext>
+          </a:extLst>
+        </p:cNvPr>
+        <p:cNvGrpSpPr/>
+        <p:nvPr/>
+      </p:nvGrpSpPr>
+      <p:grpSpPr>
+        <a:xfrm>
+          <a:off x="0" y="0"/>
+          <a:ext cx="0" cy="0"/>
+          <a:chOff x="0" y="0"/>
+          <a:chExt cx="0" cy="0"/>
+        </a:xfrm>
+      </p:grpSpPr>
+      <p:pic>
+        <p:nvPicPr>
+          <p:cNvPr id="7" name="Picture 6">
+            <a:extLst>
+              <a:ext uri="{FF2B5EF4-FFF2-40B4-BE49-F238E27FC236}">
+                <a16:creationId xmlns:a16="http://schemas.microsoft.com/office/drawing/2014/main" id="{498CB341-BAF9-6503-EC14-398B3C3D8E07}"/>
+              </a:ext>
+            </a:extLst>
+          </p:cNvPr>
+          <p:cNvPicPr>
+            <a:picLocks noChangeAspect="1"/>
+          </p:cNvPicPr>
+          <p:nvPr/>
+        </p:nvPicPr>
+        <p:blipFill rotWithShape="1">
+          <a:blip r:embed="rId2"/>
+          <a:srcRect b="66832"/>
+          <a:stretch/>
+        </p:blipFill>
+        <p:spPr>
+          <a:xfrm>
+            <a:off x="717290" y="711200"/>
+            <a:ext cx="10509510" cy="1747520"/>
+          </a:xfrm>
+          <a:prstGeom prst="rect">
+            <a:avLst/>
+          </a:prstGeom>
+        </p:spPr>
+      </p:pic>
+      <p:sp>
+        <p:nvSpPr>
+          <p:cNvPr id="3" name="TextBox 2">
+            <a:extLst>
+              <a:ext uri="{FF2B5EF4-FFF2-40B4-BE49-F238E27FC236}">
+                <a16:creationId xmlns:a16="http://schemas.microsoft.com/office/drawing/2014/main" id="{83AC8363-029C-1EC9-3ED5-89C07AF56CA3}"/>
+              </a:ext>
+            </a:extLst>
+          </p:cNvPr>
+          <p:cNvSpPr txBox="1"/>
+          <p:nvPr/>
+        </p:nvSpPr>
+        <p:spPr>
+          <a:xfrm>
+            <a:off x="6829593" y="2763520"/>
+            <a:ext cx="1672253" cy="461665"/>
+          </a:xfrm>
+          <a:prstGeom prst="rect">
+            <a:avLst/>
+          </a:prstGeom>
+          <a:noFill/>
+        </p:spPr>
+        <p:txBody>
+          <a:bodyPr wrap="none" rtlCol="0">
+            <a:spAutoFit/>
+          </a:bodyPr>
+          <a:lstStyle/>
+          <a:p>
+            <a:r>
+              <a:rPr lang="en-GB" sz="2400" dirty="0">
+                <a:latin typeface="Lucida Console" panose="020B0609040504020204" pitchFamily="49" charset="0"/>
+              </a:rPr>
+              <a:t>Unnest()</a:t>
+            </a:r>
+            <a:endParaRPr lang="LID4096" sz="2400" dirty="0">
+              <a:latin typeface="Lucida Console" panose="020B0609040504020204" pitchFamily="49" charset="0"/>
+            </a:endParaRPr>
+          </a:p>
+        </p:txBody>
+      </p:sp>
+      <p:sp>
+        <p:nvSpPr>
+          <p:cNvPr id="4" name="Oval 3">
+            <a:extLst>
+              <a:ext uri="{FF2B5EF4-FFF2-40B4-BE49-F238E27FC236}">
+                <a16:creationId xmlns:a16="http://schemas.microsoft.com/office/drawing/2014/main" id="{1D9CA87D-38BD-ACEA-446D-223632632EE6}"/>
+              </a:ext>
+            </a:extLst>
+          </p:cNvPr>
+          <p:cNvSpPr/>
+          <p:nvPr/>
+        </p:nvSpPr>
+        <p:spPr>
+          <a:xfrm>
+            <a:off x="7000240" y="2052320"/>
+            <a:ext cx="1330960" cy="406400"/>
+          </a:xfrm>
+          <a:prstGeom prst="ellipse">
+            <a:avLst/>
+          </a:prstGeom>
+          <a:noFill/>
+          <a:ln w="57150">
+            <a:solidFill>
+              <a:srgbClr val="FF0000"/>
+            </a:solidFill>
+          </a:ln>
+        </p:spPr>
+        <p:style>
+          <a:lnRef idx="2">
+            <a:schemeClr val="accent1">
+              <a:shade val="15000"/>
+            </a:schemeClr>
+          </a:lnRef>
+          <a:fillRef idx="1">
+            <a:schemeClr val="accent1"/>
+          </a:fillRef>
+          <a:effectRef idx="0">
+            <a:schemeClr val="accent1"/>
+          </a:effectRef>
+          <a:fontRef idx="minor">
+            <a:schemeClr val="lt1"/>
+          </a:fontRef>
+        </p:style>
+        <p:txBody>
+          <a:bodyPr rtlCol="0" anchor="ctr"/>
+          <a:lstStyle/>
+          <a:p>
+            <a:pPr algn="ctr"/>
+            <a:endParaRPr lang="LID4096"/>
+          </a:p>
+        </p:txBody>
+      </p:sp>
+      <p:cxnSp>
+        <p:nvCxnSpPr>
+          <p:cNvPr id="5" name="Straight Arrow Connector 4">
+            <a:extLst>
+              <a:ext uri="{FF2B5EF4-FFF2-40B4-BE49-F238E27FC236}">
+                <a16:creationId xmlns:a16="http://schemas.microsoft.com/office/drawing/2014/main" id="{AA3E78E6-C79F-D6A6-F918-D2100E573F17}"/>
+              </a:ext>
+            </a:extLst>
+          </p:cNvPr>
+          <p:cNvCxnSpPr>
+            <a:cxnSpLocks/>
+            <a:stCxn id="4" idx="4"/>
+            <a:endCxn id="3" idx="0"/>
+          </p:cNvCxnSpPr>
+          <p:nvPr/>
+        </p:nvCxnSpPr>
+        <p:spPr>
+          <a:xfrm>
+            <a:off x="7665720" y="2458720"/>
+            <a:ext cx="0" cy="304800"/>
+          </a:xfrm>
+          <a:prstGeom prst="straightConnector1">
+            <a:avLst/>
+          </a:prstGeom>
+          <a:ln w="57150">
+            <a:solidFill>
+              <a:srgbClr val="FF0000"/>
+            </a:solidFill>
+            <a:tailEnd type="triangle"/>
+          </a:ln>
+        </p:spPr>
+        <p:style>
+          <a:lnRef idx="1">
+            <a:schemeClr val="accent1"/>
+          </a:lnRef>
+          <a:fillRef idx="0">
+            <a:schemeClr val="accent1"/>
+          </a:fillRef>
+          <a:effectRef idx="0">
+            <a:schemeClr val="accent1"/>
+          </a:effectRef>
+          <a:fontRef idx="minor">
+            <a:schemeClr val="tx1"/>
+          </a:fontRef>
+        </p:style>
+      </p:cxnSp>
+      <p:pic>
+        <p:nvPicPr>
+          <p:cNvPr id="12" name="Picture 11">
+            <a:extLst>
+              <a:ext uri="{FF2B5EF4-FFF2-40B4-BE49-F238E27FC236}">
+                <a16:creationId xmlns:a16="http://schemas.microsoft.com/office/drawing/2014/main" id="{B6D8AD39-7349-FA1F-C3A8-BE7153E4139D}"/>
+              </a:ext>
+            </a:extLst>
+          </p:cNvPr>
+          <p:cNvPicPr>
+            <a:picLocks noChangeAspect="1"/>
+          </p:cNvPicPr>
+          <p:nvPr/>
+        </p:nvPicPr>
+        <p:blipFill>
+          <a:blip r:embed="rId3"/>
+          <a:stretch>
+            <a:fillRect/>
+          </a:stretch>
+        </p:blipFill>
+        <p:spPr>
+          <a:xfrm>
+            <a:off x="294640" y="3429000"/>
+            <a:ext cx="11785599" cy="739110"/>
+          </a:xfrm>
+          <a:prstGeom prst="rect">
+            <a:avLst/>
+          </a:prstGeom>
+        </p:spPr>
+      </p:pic>
+      <p:pic>
+        <p:nvPicPr>
+          <p:cNvPr id="14" name="Picture 13">
+            <a:extLst>
+              <a:ext uri="{FF2B5EF4-FFF2-40B4-BE49-F238E27FC236}">
+                <a16:creationId xmlns:a16="http://schemas.microsoft.com/office/drawing/2014/main" id="{BD4140C1-543E-D601-5E5D-DFD042707149}"/>
+              </a:ext>
+            </a:extLst>
+          </p:cNvPr>
+          <p:cNvPicPr>
+            <a:picLocks noChangeAspect="1"/>
+          </p:cNvPicPr>
+          <p:nvPr/>
+        </p:nvPicPr>
+        <p:blipFill>
+          <a:blip r:embed="rId4"/>
+          <a:stretch>
+            <a:fillRect/>
+          </a:stretch>
+        </p:blipFill>
+        <p:spPr>
+          <a:xfrm>
+            <a:off x="294640" y="5265669"/>
+            <a:ext cx="11785599" cy="982731"/>
+          </a:xfrm>
+          <a:prstGeom prst="rect">
+            <a:avLst/>
+          </a:prstGeom>
+        </p:spPr>
+      </p:pic>
+      <p:sp>
+        <p:nvSpPr>
+          <p:cNvPr id="15" name="Oval 14">
+            <a:extLst>
+              <a:ext uri="{FF2B5EF4-FFF2-40B4-BE49-F238E27FC236}">
+                <a16:creationId xmlns:a16="http://schemas.microsoft.com/office/drawing/2014/main" id="{AFCA1923-C987-B0C0-8F71-0C22AB65A231}"/>
+              </a:ext>
+            </a:extLst>
+          </p:cNvPr>
+          <p:cNvSpPr/>
+          <p:nvPr/>
+        </p:nvSpPr>
+        <p:spPr>
+          <a:xfrm>
+            <a:off x="3982720" y="3881119"/>
+            <a:ext cx="1971040" cy="323835"/>
+          </a:xfrm>
+          <a:prstGeom prst="ellipse">
+            <a:avLst/>
+          </a:prstGeom>
+          <a:noFill/>
+          <a:ln w="57150">
+            <a:solidFill>
+              <a:srgbClr val="FF0000"/>
+            </a:solidFill>
+          </a:ln>
+        </p:spPr>
+        <p:style>
+          <a:lnRef idx="2">
+            <a:schemeClr val="accent1">
+              <a:shade val="15000"/>
+            </a:schemeClr>
+          </a:lnRef>
+          <a:fillRef idx="1">
+            <a:schemeClr val="accent1"/>
+          </a:fillRef>
+          <a:effectRef idx="0">
+            <a:schemeClr val="accent1"/>
+          </a:effectRef>
+          <a:fontRef idx="minor">
+            <a:schemeClr val="lt1"/>
+          </a:fontRef>
+        </p:style>
+        <p:txBody>
+          <a:bodyPr rtlCol="0" anchor="ctr"/>
+          <a:lstStyle/>
+          <a:p>
+            <a:pPr algn="ctr"/>
+            <a:endParaRPr lang="LID4096"/>
+          </a:p>
+        </p:txBody>
+      </p:sp>
+      <p:sp>
+        <p:nvSpPr>
+          <p:cNvPr id="16" name="TextBox 15">
+            <a:extLst>
+              <a:ext uri="{FF2B5EF4-FFF2-40B4-BE49-F238E27FC236}">
+                <a16:creationId xmlns:a16="http://schemas.microsoft.com/office/drawing/2014/main" id="{7506B83F-55A9-AA26-C46A-79878D8502E8}"/>
+              </a:ext>
+            </a:extLst>
+          </p:cNvPr>
+          <p:cNvSpPr txBox="1"/>
+          <p:nvPr/>
+        </p:nvSpPr>
+        <p:spPr>
+          <a:xfrm>
+            <a:off x="4132113" y="4583473"/>
+            <a:ext cx="1672253" cy="461665"/>
+          </a:xfrm>
+          <a:prstGeom prst="rect">
+            <a:avLst/>
+          </a:prstGeom>
+          <a:noFill/>
+        </p:spPr>
+        <p:txBody>
+          <a:bodyPr wrap="none" rtlCol="0">
+            <a:spAutoFit/>
+          </a:bodyPr>
+          <a:lstStyle/>
+          <a:p>
+            <a:r>
+              <a:rPr lang="en-GB" sz="2400" dirty="0">
+                <a:latin typeface="Lucida Console" panose="020B0609040504020204" pitchFamily="49" charset="0"/>
+              </a:rPr>
+              <a:t>Unnest()</a:t>
+            </a:r>
+            <a:endParaRPr lang="LID4096" sz="2400" dirty="0">
+              <a:latin typeface="Lucida Console" panose="020B0609040504020204" pitchFamily="49" charset="0"/>
+            </a:endParaRPr>
+          </a:p>
+        </p:txBody>
+      </p:sp>
+      <p:cxnSp>
+        <p:nvCxnSpPr>
+          <p:cNvPr id="17" name="Straight Arrow Connector 16">
+            <a:extLst>
+              <a:ext uri="{FF2B5EF4-FFF2-40B4-BE49-F238E27FC236}">
+                <a16:creationId xmlns:a16="http://schemas.microsoft.com/office/drawing/2014/main" id="{442C7200-B82B-FA0D-89C0-61EEC390F95B}"/>
+              </a:ext>
+            </a:extLst>
+          </p:cNvPr>
+          <p:cNvCxnSpPr>
+            <a:cxnSpLocks/>
+            <a:stCxn id="15" idx="4"/>
+            <a:endCxn id="16" idx="0"/>
+          </p:cNvCxnSpPr>
+          <p:nvPr/>
+        </p:nvCxnSpPr>
+        <p:spPr>
+          <a:xfrm>
+            <a:off x="4968240" y="4204954"/>
+            <a:ext cx="0" cy="378519"/>
+          </a:xfrm>
+          <a:prstGeom prst="straightConnector1">
+            <a:avLst/>
+          </a:prstGeom>
+          <a:ln w="57150">
+            <a:solidFill>
+              <a:srgbClr val="FF0000"/>
+            </a:solidFill>
+            <a:tailEnd type="triangle"/>
+          </a:ln>
+        </p:spPr>
+        <p:style>
+          <a:lnRef idx="1">
+            <a:schemeClr val="accent1"/>
+          </a:lnRef>
+          <a:fillRef idx="0">
+            <a:schemeClr val="accent1"/>
+          </a:fillRef>
+          <a:effectRef idx="0">
+            <a:schemeClr val="accent1"/>
+          </a:effectRef>
+          <a:fontRef idx="minor">
+            <a:schemeClr val="tx1"/>
+          </a:fontRef>
+        </p:style>
+      </p:cxnSp>
+    </p:spTree>
+    <p:extLst>
+      <p:ext uri="{BB962C8B-B14F-4D97-AF65-F5344CB8AC3E}">
+        <p14:creationId xmlns:p14="http://schemas.microsoft.com/office/powerpoint/2010/main" val="2603233367"/>
+      </p:ext>
+    </p:extLst>
+  </p:cSld>
+  <p:clrMapOvr>
+    <a:masterClrMapping/>
+  </p:clrMapOvr>
+  <p:timing>
+    <p:tnLst>
+      <p:par>
+        <p:cTn id="1" dur="indefinite" restart="never" nodeType="tmRoot">
+          <p:childTnLst>
+            <p:seq concurrent="1" nextAc="seek">
+              <p:cTn id="2" dur="indefinite" nodeType="mainSeq">
+                <p:childTnLst>
+                  <p:par>
+                    <p:cTn id="3" fill="hold">
+                      <p:stCondLst>
+                        <p:cond delay="indefinite"/>
+                      </p:stCondLst>
+                      <p:childTnLst>
+                        <p:par>
+                          <p:cTn id="4" fill="hold">
+                            <p:stCondLst>
+                              <p:cond delay="0"/>
+                            </p:stCondLst>
+                            <p:childTnLst>
+                              <p:par>
+                                <p:cTn id="5" presetID="10" presetClass="entr" presetSubtype="0" fill="hold" nodeType="clickEffect">
+                                  <p:stCondLst>
+                                    <p:cond delay="0"/>
+                                  </p:stCondLst>
+                                  <p:childTnLst>
+                                    <p:set>
+                                      <p:cBhvr>
+                                        <p:cTn id="6" dur="1" fill="hold">
+                                          <p:stCondLst>
+                                            <p:cond delay="0"/>
+                                          </p:stCondLst>
+                                        </p:cTn>
+                                        <p:tgtEl>
+                                          <p:spTgt spid="5"/>
+                                        </p:tgtEl>
+                                        <p:attrNameLst>
+                                          <p:attrName>style.visibility</p:attrName>
+                                        </p:attrNameLst>
+                                      </p:cBhvr>
+                                      <p:to>
+                                        <p:strVal val="visible"/>
+                                      </p:to>
+                                    </p:set>
+                                    <p:animEffect transition="in" filter="fade">
+                                      <p:cBhvr>
+                                        <p:cTn id="7" dur="500"/>
+                                        <p:tgtEl>
+                                          <p:spTgt spid="5"/>
+                                        </p:tgtEl>
+                                      </p:cBhvr>
+                                    </p:animEffect>
+                                  </p:childTnLst>
+                                </p:cTn>
+                              </p:par>
+                              <p:par>
+                                <p:cTn id="8" presetID="10" presetClass="entr" presetSubtype="0" fill="hold" grpId="0" nodeType="withEffect">
+                                  <p:stCondLst>
+                                    <p:cond delay="0"/>
+                                  </p:stCondLst>
+                                  <p:childTnLst>
+                                    <p:set>
+                                      <p:cBhvr>
+                                        <p:cTn id="9" dur="1" fill="hold">
+                                          <p:stCondLst>
+                                            <p:cond delay="0"/>
+                                          </p:stCondLst>
+                                        </p:cTn>
+                                        <p:tgtEl>
+                                          <p:spTgt spid="3"/>
+                                        </p:tgtEl>
+                                        <p:attrNameLst>
+                                          <p:attrName>style.visibility</p:attrName>
+                                        </p:attrNameLst>
+                                      </p:cBhvr>
+                                      <p:to>
+                                        <p:strVal val="visible"/>
+                                      </p:to>
+                                    </p:set>
+                                    <p:animEffect transition="in" filter="fade">
+                                      <p:cBhvr>
+                                        <p:cTn id="10" dur="500"/>
+                                        <p:tgtEl>
+                                          <p:spTgt spid="3"/>
+                                        </p:tgtEl>
+                                      </p:cBhvr>
+                                    </p:animEffect>
+                                  </p:childTnLst>
+                                </p:cTn>
+                              </p:par>
+                              <p:par>
+                                <p:cTn id="11" presetID="10" presetClass="entr" presetSubtype="0" fill="hold" nodeType="withEffect">
+                                  <p:stCondLst>
+                                    <p:cond delay="0"/>
+                                  </p:stCondLst>
+                                  <p:childTnLst>
+                                    <p:set>
+                                      <p:cBhvr>
+                                        <p:cTn id="12" dur="1" fill="hold">
+                                          <p:stCondLst>
+                                            <p:cond delay="0"/>
+                                          </p:stCondLst>
+                                        </p:cTn>
+                                        <p:tgtEl>
+                                          <p:spTgt spid="12"/>
+                                        </p:tgtEl>
+                                        <p:attrNameLst>
+                                          <p:attrName>style.visibility</p:attrName>
+                                        </p:attrNameLst>
+                                      </p:cBhvr>
+                                      <p:to>
+                                        <p:strVal val="visible"/>
+                                      </p:to>
+                                    </p:set>
+                                    <p:animEffect transition="in" filter="fade">
+                                      <p:cBhvr>
+                                        <p:cTn id="13" dur="500"/>
+                                        <p:tgtEl>
+                                          <p:spTgt spid="12"/>
+                                        </p:tgtEl>
+                                      </p:cBhvr>
+                                    </p:animEffect>
+                                  </p:childTnLst>
+                                </p:cTn>
+                              </p:par>
+                            </p:childTnLst>
+                          </p:cTn>
+                        </p:par>
+                      </p:childTnLst>
+                    </p:cTn>
+                  </p:par>
+                  <p:par>
+                    <p:cTn id="14" fill="hold">
+                      <p:stCondLst>
+                        <p:cond delay="indefinite"/>
+                      </p:stCondLst>
+                      <p:childTnLst>
+                        <p:par>
+                          <p:cTn id="15" fill="hold">
+                            <p:stCondLst>
+                              <p:cond delay="0"/>
+                            </p:stCondLst>
+                            <p:childTnLst>
+                              <p:par>
+                                <p:cTn id="16" presetID="10" presetClass="entr" presetSubtype="0" fill="hold" grpId="0" nodeType="clickEffect">
+                                  <p:stCondLst>
+                                    <p:cond delay="0"/>
+                                  </p:stCondLst>
+                                  <p:childTnLst>
+                                    <p:set>
+                                      <p:cBhvr>
+                                        <p:cTn id="17" dur="1" fill="hold">
+                                          <p:stCondLst>
+                                            <p:cond delay="0"/>
+                                          </p:stCondLst>
+                                        </p:cTn>
+                                        <p:tgtEl>
+                                          <p:spTgt spid="15"/>
+                                        </p:tgtEl>
+                                        <p:attrNameLst>
+                                          <p:attrName>style.visibility</p:attrName>
+                                        </p:attrNameLst>
+                                      </p:cBhvr>
+                                      <p:to>
+                                        <p:strVal val="visible"/>
+                                      </p:to>
+                                    </p:set>
+                                    <p:animEffect transition="in" filter="fade">
+                                      <p:cBhvr>
+                                        <p:cTn id="18" dur="500"/>
+                                        <p:tgtEl>
+                                          <p:spTgt spid="15"/>
+                                        </p:tgtEl>
+                                      </p:cBhvr>
+                                    </p:animEffect>
+                                  </p:childTnLst>
+                                </p:cTn>
+                              </p:par>
+                              <p:par>
+                                <p:cTn id="19" presetID="10" presetClass="entr" presetSubtype="0" fill="hold" nodeType="withEffect">
+                                  <p:stCondLst>
+                                    <p:cond delay="0"/>
+                                  </p:stCondLst>
+                                  <p:childTnLst>
+                                    <p:set>
+                                      <p:cBhvr>
+                                        <p:cTn id="20" dur="1" fill="hold">
+                                          <p:stCondLst>
+                                            <p:cond delay="0"/>
+                                          </p:stCondLst>
+                                        </p:cTn>
+                                        <p:tgtEl>
+                                          <p:spTgt spid="17"/>
+                                        </p:tgtEl>
+                                        <p:attrNameLst>
+                                          <p:attrName>style.visibility</p:attrName>
+                                        </p:attrNameLst>
+                                      </p:cBhvr>
+                                      <p:to>
+                                        <p:strVal val="visible"/>
+                                      </p:to>
+                                    </p:set>
+                                    <p:animEffect transition="in" filter="fade">
+                                      <p:cBhvr>
+                                        <p:cTn id="21" dur="500"/>
+                                        <p:tgtEl>
+                                          <p:spTgt spid="17"/>
+                                        </p:tgtEl>
+                                      </p:cBhvr>
+                                    </p:animEffect>
+                                  </p:childTnLst>
+                                </p:cTn>
+                              </p:par>
+                              <p:par>
+                                <p:cTn id="22" presetID="10" presetClass="entr" presetSubtype="0" fill="hold" grpId="0" nodeType="withEffect">
+                                  <p:stCondLst>
+                                    <p:cond delay="0"/>
+                                  </p:stCondLst>
+                                  <p:childTnLst>
+                                    <p:set>
+                                      <p:cBhvr>
+                                        <p:cTn id="23" dur="1" fill="hold">
+                                          <p:stCondLst>
+                                            <p:cond delay="0"/>
+                                          </p:stCondLst>
+                                        </p:cTn>
+                                        <p:tgtEl>
+                                          <p:spTgt spid="16"/>
+                                        </p:tgtEl>
+                                        <p:attrNameLst>
+                                          <p:attrName>style.visibility</p:attrName>
+                                        </p:attrNameLst>
+                                      </p:cBhvr>
+                                      <p:to>
+                                        <p:strVal val="visible"/>
+                                      </p:to>
+                                    </p:set>
+                                    <p:animEffect transition="in" filter="fade">
+                                      <p:cBhvr>
+                                        <p:cTn id="24" dur="500"/>
+                                        <p:tgtEl>
+                                          <p:spTgt spid="16"/>
+                                        </p:tgtEl>
+                                      </p:cBhvr>
+                                    </p:animEffect>
+                                  </p:childTnLst>
+                                </p:cTn>
+                              </p:par>
+                              <p:par>
+                                <p:cTn id="25" presetID="10" presetClass="entr" presetSubtype="0" fill="hold" nodeType="withEffect">
+                                  <p:stCondLst>
+                                    <p:cond delay="0"/>
+                                  </p:stCondLst>
+                                  <p:childTnLst>
+                                    <p:set>
+                                      <p:cBhvr>
+                                        <p:cTn id="26" dur="1" fill="hold">
+                                          <p:stCondLst>
+                                            <p:cond delay="0"/>
+                                          </p:stCondLst>
+                                        </p:cTn>
+                                        <p:tgtEl>
+                                          <p:spTgt spid="14"/>
+                                        </p:tgtEl>
+                                        <p:attrNameLst>
+                                          <p:attrName>style.visibility</p:attrName>
+                                        </p:attrNameLst>
+                                      </p:cBhvr>
+                                      <p:to>
+                                        <p:strVal val="visible"/>
+                                      </p:to>
+                                    </p:set>
+                                    <p:animEffect transition="in" filter="fade">
+                                      <p:cBhvr>
+                                        <p:cTn id="27" dur="500"/>
+                                        <p:tgtEl>
+                                          <p:spTgt spid="14"/>
+                                        </p:tgtEl>
+                                      </p:cBhvr>
+                                    </p:animEffect>
+                                  </p:childTnLst>
+                                </p:cTn>
+                              </p:par>
+                            </p:childTnLst>
+                          </p:cTn>
+                        </p:par>
+                      </p:childTnLst>
+                    </p:cTn>
+                  </p:par>
+                </p:childTnLst>
+              </p:cTn>
+              <p:prevCondLst>
+                <p:cond evt="onPrev" delay="0">
+                  <p:tgtEl>
+                    <p:sldTgt/>
+                  </p:tgtEl>
+                </p:cond>
+              </p:prevCondLst>
+              <p:nextCondLst>
+                <p:cond evt="onNext" delay="0">
+                  <p:tgtEl>
+                    <p:sldTgt/>
+                  </p:tgtEl>
+                </p:cond>
+              </p:nextCondLst>
+            </p:seq>
+          </p:childTnLst>
+        </p:cTn>
+      </p:par>
+    </p:tnLst>
+    <p:bldLst>
+      <p:bldP spid="3" grpId="0"/>
+      <p:bldP spid="15" grpId="0" animBg="1"/>
+      <p:bldP spid="16" grpId="0"/>
+    </p:bldLst>
+  </p:timing>
+</p:sld>
+</file>
+
+<file path=ppt/slides/slide17.xml><?xml version="1.0" encoding="utf-8"?>
+<p:sld xmlns:a="http://schemas.openxmlformats.org/drawingml/2006/main" xmlns:r="http://schemas.openxmlformats.org/officeDocument/2006/relationships" xmlns:p="http://schemas.openxmlformats.org/presentationml/2006/main">
+  <p:cSld>
+    <p:spTree>
+      <p:nvGrpSpPr>
+        <p:cNvPr id="1" name="">
+          <a:extLst>
+            <a:ext uri="{FF2B5EF4-FFF2-40B4-BE49-F238E27FC236}">
+              <a16:creationId xmlns:a16="http://schemas.microsoft.com/office/drawing/2014/main" id="{9D166F15-22D9-89F7-BB11-2222FF1F43C7}"/>
+            </a:ext>
+          </a:extLst>
+        </p:cNvPr>
+        <p:cNvGrpSpPr/>
+        <p:nvPr/>
+      </p:nvGrpSpPr>
+      <p:grpSpPr>
+        <a:xfrm>
+          <a:off x="0" y="0"/>
+          <a:ext cx="0" cy="0"/>
+          <a:chOff x="0" y="0"/>
+          <a:chExt cx="0" cy="0"/>
+        </a:xfrm>
+      </p:grpSpPr>
+      <p:pic>
+        <p:nvPicPr>
+          <p:cNvPr id="7" name="Picture 6">
+            <a:extLst>
+              <a:ext uri="{FF2B5EF4-FFF2-40B4-BE49-F238E27FC236}">
+                <a16:creationId xmlns:a16="http://schemas.microsoft.com/office/drawing/2014/main" id="{3FC4C531-FE01-2499-798C-C4DCA3FDC543}"/>
+              </a:ext>
+            </a:extLst>
+          </p:cNvPr>
+          <p:cNvPicPr>
+            <a:picLocks noChangeAspect="1"/>
+          </p:cNvPicPr>
+          <p:nvPr/>
+        </p:nvPicPr>
+        <p:blipFill rotWithShape="1">
+          <a:blip r:embed="rId2"/>
+          <a:srcRect b="66832"/>
+          <a:stretch/>
+        </p:blipFill>
+        <p:spPr>
+          <a:xfrm>
+            <a:off x="717290" y="711200"/>
+            <a:ext cx="10509510" cy="1747520"/>
+          </a:xfrm>
+          <a:prstGeom prst="rect">
+            <a:avLst/>
+          </a:prstGeom>
+        </p:spPr>
+      </p:pic>
+      <p:sp>
+        <p:nvSpPr>
+          <p:cNvPr id="3" name="TextBox 2">
+            <a:extLst>
+              <a:ext uri="{FF2B5EF4-FFF2-40B4-BE49-F238E27FC236}">
+                <a16:creationId xmlns:a16="http://schemas.microsoft.com/office/drawing/2014/main" id="{8D30983C-27A4-6D0B-BB0E-325CF255F7E8}"/>
+              </a:ext>
+            </a:extLst>
+          </p:cNvPr>
+          <p:cNvSpPr txBox="1"/>
+          <p:nvPr/>
+        </p:nvSpPr>
+        <p:spPr>
+          <a:xfrm>
+            <a:off x="4226317" y="3656762"/>
+            <a:ext cx="6878806" cy="461665"/>
+          </a:xfrm>
+          <a:prstGeom prst="rect">
+            <a:avLst/>
+          </a:prstGeom>
+          <a:noFill/>
+        </p:spPr>
+        <p:txBody>
+          <a:bodyPr wrap="none" rtlCol="0">
+            <a:spAutoFit/>
+          </a:bodyPr>
+          <a:lstStyle/>
+          <a:p>
+            <a:r>
+              <a:rPr lang="en-GB" sz="2400" dirty="0">
+                <a:latin typeface="Lucida Console" panose="020B0609040504020204" pitchFamily="49" charset="0"/>
+              </a:rPr>
+              <a:t>Multitool::</a:t>
+            </a:r>
+            <a:r>
+              <a:rPr lang="en-GB" sz="2400" dirty="0" err="1">
+                <a:latin typeface="Lucida Console" panose="020B0609040504020204" pitchFamily="49" charset="0"/>
+              </a:rPr>
+              <a:t>reveal_model_parameters</a:t>
+            </a:r>
+            <a:r>
+              <a:rPr lang="en-GB" sz="2400" dirty="0">
+                <a:latin typeface="Lucida Console" panose="020B0609040504020204" pitchFamily="49" charset="0"/>
+              </a:rPr>
+              <a:t>()</a:t>
+            </a:r>
+            <a:endParaRPr lang="LID4096" sz="2400" dirty="0">
+              <a:latin typeface="Lucida Console" panose="020B0609040504020204" pitchFamily="49" charset="0"/>
+            </a:endParaRPr>
+          </a:p>
+        </p:txBody>
+      </p:sp>
+      <p:sp>
+        <p:nvSpPr>
+          <p:cNvPr id="4" name="Oval 3">
+            <a:extLst>
+              <a:ext uri="{FF2B5EF4-FFF2-40B4-BE49-F238E27FC236}">
+                <a16:creationId xmlns:a16="http://schemas.microsoft.com/office/drawing/2014/main" id="{3236908B-F3AB-03DE-7B5C-EF6573A82950}"/>
+              </a:ext>
+            </a:extLst>
+          </p:cNvPr>
+          <p:cNvSpPr/>
+          <p:nvPr/>
+        </p:nvSpPr>
+        <p:spPr>
+          <a:xfrm>
+            <a:off x="7000240" y="2052320"/>
+            <a:ext cx="1330960" cy="406400"/>
+          </a:xfrm>
+          <a:prstGeom prst="ellipse">
+            <a:avLst/>
+          </a:prstGeom>
+          <a:noFill/>
+          <a:ln w="57150">
+            <a:solidFill>
+              <a:srgbClr val="FF0000"/>
+            </a:solidFill>
+          </a:ln>
+        </p:spPr>
+        <p:style>
+          <a:lnRef idx="2">
+            <a:schemeClr val="accent1">
+              <a:shade val="15000"/>
+            </a:schemeClr>
+          </a:lnRef>
+          <a:fillRef idx="1">
+            <a:schemeClr val="accent1"/>
+          </a:fillRef>
+          <a:effectRef idx="0">
+            <a:schemeClr val="accent1"/>
+          </a:effectRef>
+          <a:fontRef idx="minor">
+            <a:schemeClr val="lt1"/>
+          </a:fontRef>
+        </p:style>
+        <p:txBody>
+          <a:bodyPr rtlCol="0" anchor="ctr"/>
+          <a:lstStyle/>
+          <a:p>
+            <a:pPr algn="ctr"/>
+            <a:endParaRPr lang="LID4096"/>
+          </a:p>
+        </p:txBody>
+      </p:sp>
+      <p:cxnSp>
+        <p:nvCxnSpPr>
+          <p:cNvPr id="5" name="Straight Arrow Connector 4">
+            <a:extLst>
+              <a:ext uri="{FF2B5EF4-FFF2-40B4-BE49-F238E27FC236}">
+                <a16:creationId xmlns:a16="http://schemas.microsoft.com/office/drawing/2014/main" id="{B3C0CBD9-D5FA-B5A7-651A-A62BE0A4270D}"/>
+              </a:ext>
+            </a:extLst>
+          </p:cNvPr>
+          <p:cNvCxnSpPr>
+            <a:cxnSpLocks/>
+            <a:stCxn id="4" idx="4"/>
+            <a:endCxn id="3" idx="0"/>
+          </p:cNvCxnSpPr>
+          <p:nvPr/>
+        </p:nvCxnSpPr>
+        <p:spPr>
+          <a:xfrm>
+            <a:off x="7665720" y="2458720"/>
+            <a:ext cx="0" cy="1198042"/>
+          </a:xfrm>
+          <a:prstGeom prst="straightConnector1">
+            <a:avLst/>
+          </a:prstGeom>
+          <a:ln w="57150">
+            <a:solidFill>
+              <a:srgbClr val="FF0000"/>
+            </a:solidFill>
+            <a:tailEnd type="triangle"/>
+          </a:ln>
+        </p:spPr>
+        <p:style>
+          <a:lnRef idx="1">
+            <a:schemeClr val="accent1"/>
+          </a:lnRef>
+          <a:fillRef idx="0">
+            <a:schemeClr val="accent1"/>
+          </a:fillRef>
+          <a:effectRef idx="0">
+            <a:schemeClr val="accent1"/>
+          </a:effectRef>
+          <a:fontRef idx="minor">
+            <a:schemeClr val="tx1"/>
+          </a:fontRef>
+        </p:style>
+      </p:cxnSp>
+      <p:pic>
+        <p:nvPicPr>
+          <p:cNvPr id="14" name="Picture 13">
+            <a:extLst>
+              <a:ext uri="{FF2B5EF4-FFF2-40B4-BE49-F238E27FC236}">
+                <a16:creationId xmlns:a16="http://schemas.microsoft.com/office/drawing/2014/main" id="{9DCAE95D-A343-C5C0-AAD6-0CCF71D97808}"/>
+              </a:ext>
+            </a:extLst>
+          </p:cNvPr>
+          <p:cNvPicPr>
+            <a:picLocks noChangeAspect="1"/>
+          </p:cNvPicPr>
+          <p:nvPr/>
+        </p:nvPicPr>
+        <p:blipFill>
+          <a:blip r:embed="rId3"/>
+          <a:stretch>
+            <a:fillRect/>
+          </a:stretch>
+        </p:blipFill>
+        <p:spPr>
+          <a:xfrm>
+            <a:off x="294640" y="5265669"/>
+            <a:ext cx="11785599" cy="982731"/>
+          </a:xfrm>
+          <a:prstGeom prst="rect">
+            <a:avLst/>
+          </a:prstGeom>
+        </p:spPr>
+      </p:pic>
+    </p:spTree>
+    <p:extLst>
+      <p:ext uri="{BB962C8B-B14F-4D97-AF65-F5344CB8AC3E}">
+        <p14:creationId xmlns:p14="http://schemas.microsoft.com/office/powerpoint/2010/main" val="3025622795"/>
+      </p:ext>
+    </p:extLst>
+  </p:cSld>
+  <p:clrMapOvr>
+    <a:masterClrMapping/>
+  </p:clrMapOvr>
+  <mc:AlternateContent xmlns:mc="http://schemas.openxmlformats.org/markup-compatibility/2006">
+    <mc:Choice xmlns:p14="http://schemas.microsoft.com/office/powerpoint/2010/main" Requires="p14">
+      <p:transition spd="med" p14:dur="700">
+        <p:fade/>
+      </p:transition>
+    </mc:Choice>
+    <mc:Fallback>
+      <p:transition spd="med">
+        <p:fade/>
+      </p:transition>
+    </mc:Fallback>
+  </mc:AlternateContent>
+</p:sld>
+</file>
+
+<file path=ppt/slides/slide18.xml><?xml version="1.0" encoding="utf-8"?>
+<p:sld xmlns:a="http://schemas.openxmlformats.org/drawingml/2006/main" xmlns:r="http://schemas.openxmlformats.org/officeDocument/2006/relationships" xmlns:p="http://schemas.openxmlformats.org/presentationml/2006/main">
+  <p:cSld>
+    <p:spTree>
+      <p:nvGrpSpPr>
+        <p:cNvPr id="1" name=""/>
+        <p:cNvGrpSpPr/>
+        <p:nvPr/>
+      </p:nvGrpSpPr>
+      <p:grpSpPr>
+        <a:xfrm>
+          <a:off x="0" y="0"/>
+          <a:ext cx="0" cy="0"/>
+          <a:chOff x="0" y="0"/>
+          <a:chExt cx="0" cy="0"/>
+        </a:xfrm>
+      </p:grpSpPr>
       <p:sp>
         <p:nvSpPr>
           <p:cNvPr id="2" name="Title 1">
             <a:extLst>
               <a:ext uri="{FF2B5EF4-FFF2-40B4-BE49-F238E27FC236}">
-                <a16:creationId xmlns:a16="http://schemas.microsoft.com/office/drawing/2014/main" id="{5AC2F0B9-9BE5-F354-71D6-05FCA314D123}"/>
+                <a16:creationId xmlns:a16="http://schemas.microsoft.com/office/drawing/2014/main" id="{B4CA76E6-AEB9-9E78-C7AD-6AD921157E5B}"/>
               </a:ext>
             </a:extLst>
           </p:cNvPr>
@@ -8450,7 +9721,7 @@
           <p:cNvPr id="3" name="Content Placeholder 2">
             <a:extLst>
               <a:ext uri="{FF2B5EF4-FFF2-40B4-BE49-F238E27FC236}">
-                <a16:creationId xmlns:a16="http://schemas.microsoft.com/office/drawing/2014/main" id="{1A02C69D-68BD-AF74-B6E6-044932248A7D}"/>
+                <a16:creationId xmlns:a16="http://schemas.microsoft.com/office/drawing/2014/main" id="{456D6FC5-65D3-0A6A-0CB3-D3FBF0CC7891}"/>
               </a:ext>
             </a:extLst>
           </p:cNvPr>
@@ -8466,22 +9737,6 @@
           <a:bodyPr/>
           <a:lstStyle/>
           <a:p>
-            <a:r>
-              <a:rPr lang="en-US" dirty="0"/>
-              <a:t>In this demo, we will use data that I collected online using Prolific. One question in the study was whether people who report more exposure to violence during childhood would process information in their environment more holistically instead of focusing more on individual details. To this end, participants filled out questionnaires asking about their exposure to neighborhood violence prior to age 12, and </a:t>
-            </a:r>
-            <a:r>
-              <a:rPr lang="en-US" dirty="0" err="1"/>
-              <a:t>performedThe</a:t>
-            </a:r>
-            <a:r>
-              <a:rPr lang="en-US" dirty="0"/>
-              <a:t> data were collected online. Of course, this meant that we had less control over people's testing environments. We did not know how this would affect our results? Should we exclude people who reported very noisy environments? </a:t>
-            </a:r>
-            <a:r>
-              <a:rPr lang="en-US"/>
-              <a:t>What about people who </a:t>
-            </a:r>
             <a:endParaRPr lang="LID4096"/>
           </a:p>
         </p:txBody>
@@ -8489,7 +9744,7 @@
     </p:spTree>
     <p:extLst>
       <p:ext uri="{BB962C8B-B14F-4D97-AF65-F5344CB8AC3E}">
-        <p14:creationId xmlns:p14="http://schemas.microsoft.com/office/powerpoint/2010/main" val="1747237854"/>
+        <p14:creationId xmlns:p14="http://schemas.microsoft.com/office/powerpoint/2010/main" val="1916585634"/>
       </p:ext>
     </p:extLst>
   </p:cSld>
@@ -8589,7 +9844,7 @@
           <p:nvPr>
             <p:extLst>
               <p:ext uri="{D42A27DB-BD31-4B8C-83A1-F6EECF244321}">
-                <p14:modId xmlns:p14="http://schemas.microsoft.com/office/powerpoint/2010/main" val="2162529600"/>
+                <p14:modId xmlns:p14="http://schemas.microsoft.com/office/powerpoint/2010/main" val="4008020791"/>
               </p:ext>
             </p:extLst>
           </p:nvPr>
@@ -8753,7 +10008,7 @@
                     <a:p>
                       <a:r>
                         <a:rPr lang="en-GB" sz="3200" dirty="0"/>
-                        <a:t>2.15pm – 2.30pm</a:t>
+                        <a:t>2.00pm – 2.15pm</a:t>
                       </a:r>
                       <a:endParaRPr lang="LID4096" sz="3200" dirty="0">
                         <a:latin typeface="Helvetica" panose="020B0604020202020204" pitchFamily="34" charset="0"/>
@@ -8794,7 +10049,7 @@
                     <a:p>
                       <a:r>
                         <a:rPr lang="en-GB" sz="3200" dirty="0"/>
-                        <a:t>2.30pm – 3.00pm</a:t>
+                        <a:t>2.15pm – 3.00pm</a:t>
                       </a:r>
                       <a:endParaRPr lang="LID4096" sz="3200" dirty="0">
                         <a:latin typeface="Helvetica" panose="020B0604020202020204" pitchFamily="34" charset="0"/>

--- a/Stanford_march_2024/intro-to-multiverse.pptx
+++ b/Stanford_march_2024/intro-to-multiverse.pptx
@@ -5,27 +5,28 @@
     <p:sldMasterId id="2147483648" r:id="rId1"/>
   </p:sldMasterIdLst>
   <p:notesMasterIdLst>
-    <p:notesMasterId r:id="rId20"/>
+    <p:notesMasterId r:id="rId21"/>
   </p:notesMasterIdLst>
   <p:sldIdLst>
     <p:sldId id="263" r:id="rId2"/>
-    <p:sldId id="316" r:id="rId3"/>
-    <p:sldId id="288" r:id="rId4"/>
-    <p:sldId id="290" r:id="rId5"/>
-    <p:sldId id="292" r:id="rId6"/>
-    <p:sldId id="291" r:id="rId7"/>
-    <p:sldId id="293" r:id="rId8"/>
-    <p:sldId id="274" r:id="rId9"/>
-    <p:sldId id="307" r:id="rId10"/>
-    <p:sldId id="304" r:id="rId11"/>
-    <p:sldId id="300" r:id="rId12"/>
-    <p:sldId id="301" r:id="rId13"/>
-    <p:sldId id="315" r:id="rId14"/>
-    <p:sldId id="310" r:id="rId15"/>
-    <p:sldId id="317" r:id="rId16"/>
-    <p:sldId id="319" r:id="rId17"/>
-    <p:sldId id="320" r:id="rId18"/>
-    <p:sldId id="318" r:id="rId19"/>
+    <p:sldId id="321" r:id="rId3"/>
+    <p:sldId id="316" r:id="rId4"/>
+    <p:sldId id="288" r:id="rId5"/>
+    <p:sldId id="290" r:id="rId6"/>
+    <p:sldId id="292" r:id="rId7"/>
+    <p:sldId id="291" r:id="rId8"/>
+    <p:sldId id="293" r:id="rId9"/>
+    <p:sldId id="274" r:id="rId10"/>
+    <p:sldId id="307" r:id="rId11"/>
+    <p:sldId id="304" r:id="rId12"/>
+    <p:sldId id="300" r:id="rId13"/>
+    <p:sldId id="301" r:id="rId14"/>
+    <p:sldId id="315" r:id="rId15"/>
+    <p:sldId id="310" r:id="rId16"/>
+    <p:sldId id="322" r:id="rId17"/>
+    <p:sldId id="317" r:id="rId18"/>
+    <p:sldId id="319" r:id="rId19"/>
+    <p:sldId id="320" r:id="rId20"/>
   </p:sldIdLst>
   <p:sldSz cx="12192000" cy="6858000"/>
   <p:notesSz cx="6858000" cy="9144000"/>
@@ -2122,7 +2123,7 @@
           <a:p>
             <a:fld id="{CE00C91C-6305-47AE-8BC8-E346D574BCEC}" type="datetimeFigureOut">
               <a:rPr lang="LID4096" smtClean="0"/>
-              <a:t>03/05/2024</a:t>
+              <a:t>03/07/2024</a:t>
             </a:fld>
             <a:endParaRPr lang="LID4096"/>
           </a:p>
@@ -2539,7 +2540,7 @@
           <a:p>
             <a:fld id="{69ADDD7B-E62F-EE45-880C-AC92DF9B2DF4}" type="slidenum">
               <a:rPr lang="en-US" smtClean="0"/>
-              <a:t>3</a:t>
+              <a:t>4</a:t>
             </a:fld>
             <a:endParaRPr lang="en-US"/>
           </a:p>
@@ -2646,7 +2647,7 @@
           <a:p>
             <a:fld id="{69ADDD7B-E62F-EE45-880C-AC92DF9B2DF4}" type="slidenum">
               <a:rPr lang="en-US" smtClean="0"/>
-              <a:t>4</a:t>
+              <a:t>5</a:t>
             </a:fld>
             <a:endParaRPr lang="en-US"/>
           </a:p>
@@ -2790,7 +2791,7 @@
           <a:p>
             <a:fld id="{69ADDD7B-E62F-EE45-880C-AC92DF9B2DF4}" type="slidenum">
               <a:rPr lang="en-US" smtClean="0"/>
-              <a:t>8</a:t>
+              <a:t>9</a:t>
             </a:fld>
             <a:endParaRPr lang="en-US"/>
           </a:p>
@@ -2884,7 +2885,7 @@
           <a:p>
             <a:fld id="{69ADDD7B-E62F-EE45-880C-AC92DF9B2DF4}" type="slidenum">
               <a:rPr lang="en-US" smtClean="0"/>
-              <a:t>9</a:t>
+              <a:t>10</a:t>
             </a:fld>
             <a:endParaRPr lang="en-US"/>
           </a:p>
@@ -2968,7 +2969,7 @@
           <a:p>
             <a:fld id="{69ADDD7B-E62F-EE45-880C-AC92DF9B2DF4}" type="slidenum">
               <a:rPr lang="en-US" smtClean="0"/>
-              <a:t>10</a:t>
+              <a:t>11</a:t>
             </a:fld>
             <a:endParaRPr lang="en-US"/>
           </a:p>
@@ -3052,7 +3053,7 @@
           <a:p>
             <a:fld id="{69ADDD7B-E62F-EE45-880C-AC92DF9B2DF4}" type="slidenum">
               <a:rPr lang="en-US" smtClean="0"/>
-              <a:t>14</a:t>
+              <a:t>15</a:t>
             </a:fld>
             <a:endParaRPr lang="en-US"/>
           </a:p>
@@ -3136,7 +3137,7 @@
           <a:p>
             <a:fld id="{E8D7F4A6-703B-4430-9286-ACC01FFD187D}" type="slidenum">
               <a:rPr lang="LID4096" smtClean="0"/>
-              <a:t>15</a:t>
+              <a:t>17</a:t>
             </a:fld>
             <a:endParaRPr lang="LID4096"/>
           </a:p>
@@ -3304,7 +3305,7 @@
           <a:p>
             <a:fld id="{8504B452-D1EF-4AC8-B2B8-C1A5D3A94C8B}" type="datetimeFigureOut">
               <a:rPr lang="LID4096" smtClean="0"/>
-              <a:t>03/05/2024</a:t>
+              <a:t>03/07/2024</a:t>
             </a:fld>
             <a:endParaRPr lang="LID4096"/>
           </a:p>
@@ -3504,7 +3505,7 @@
           <a:p>
             <a:fld id="{8504B452-D1EF-4AC8-B2B8-C1A5D3A94C8B}" type="datetimeFigureOut">
               <a:rPr lang="LID4096" smtClean="0"/>
-              <a:t>03/05/2024</a:t>
+              <a:t>03/07/2024</a:t>
             </a:fld>
             <a:endParaRPr lang="LID4096"/>
           </a:p>
@@ -3714,7 +3715,7 @@
           <a:p>
             <a:fld id="{8504B452-D1EF-4AC8-B2B8-C1A5D3A94C8B}" type="datetimeFigureOut">
               <a:rPr lang="LID4096" smtClean="0"/>
-              <a:t>03/05/2024</a:t>
+              <a:t>03/07/2024</a:t>
             </a:fld>
             <a:endParaRPr lang="LID4096"/>
           </a:p>
@@ -3914,7 +3915,7 @@
           <a:p>
             <a:fld id="{8504B452-D1EF-4AC8-B2B8-C1A5D3A94C8B}" type="datetimeFigureOut">
               <a:rPr lang="LID4096" smtClean="0"/>
-              <a:t>03/05/2024</a:t>
+              <a:t>03/07/2024</a:t>
             </a:fld>
             <a:endParaRPr lang="LID4096"/>
           </a:p>
@@ -4190,7 +4191,7 @@
           <a:p>
             <a:fld id="{8504B452-D1EF-4AC8-B2B8-C1A5D3A94C8B}" type="datetimeFigureOut">
               <a:rPr lang="LID4096" smtClean="0"/>
-              <a:t>03/05/2024</a:t>
+              <a:t>03/07/2024</a:t>
             </a:fld>
             <a:endParaRPr lang="LID4096"/>
           </a:p>
@@ -4458,7 +4459,7 @@
           <a:p>
             <a:fld id="{8504B452-D1EF-4AC8-B2B8-C1A5D3A94C8B}" type="datetimeFigureOut">
               <a:rPr lang="LID4096" smtClean="0"/>
-              <a:t>03/05/2024</a:t>
+              <a:t>03/07/2024</a:t>
             </a:fld>
             <a:endParaRPr lang="LID4096"/>
           </a:p>
@@ -4873,7 +4874,7 @@
           <a:p>
             <a:fld id="{8504B452-D1EF-4AC8-B2B8-C1A5D3A94C8B}" type="datetimeFigureOut">
               <a:rPr lang="LID4096" smtClean="0"/>
-              <a:t>03/05/2024</a:t>
+              <a:t>03/07/2024</a:t>
             </a:fld>
             <a:endParaRPr lang="LID4096"/>
           </a:p>
@@ -5015,7 +5016,7 @@
           <a:p>
             <a:fld id="{8504B452-D1EF-4AC8-B2B8-C1A5D3A94C8B}" type="datetimeFigureOut">
               <a:rPr lang="LID4096" smtClean="0"/>
-              <a:t>03/05/2024</a:t>
+              <a:t>03/07/2024</a:t>
             </a:fld>
             <a:endParaRPr lang="LID4096"/>
           </a:p>
@@ -5128,7 +5129,7 @@
           <a:p>
             <a:fld id="{8504B452-D1EF-4AC8-B2B8-C1A5D3A94C8B}" type="datetimeFigureOut">
               <a:rPr lang="LID4096" smtClean="0"/>
-              <a:t>03/05/2024</a:t>
+              <a:t>03/07/2024</a:t>
             </a:fld>
             <a:endParaRPr lang="LID4096"/>
           </a:p>
@@ -5441,7 +5442,7 @@
           <a:p>
             <a:fld id="{8504B452-D1EF-4AC8-B2B8-C1A5D3A94C8B}" type="datetimeFigureOut">
               <a:rPr lang="LID4096" smtClean="0"/>
-              <a:t>03/05/2024</a:t>
+              <a:t>03/07/2024</a:t>
             </a:fld>
             <a:endParaRPr lang="LID4096"/>
           </a:p>
@@ -5730,7 +5731,7 @@
           <a:p>
             <a:fld id="{8504B452-D1EF-4AC8-B2B8-C1A5D3A94C8B}" type="datetimeFigureOut">
               <a:rPr lang="LID4096" smtClean="0"/>
-              <a:t>03/05/2024</a:t>
+              <a:t>03/07/2024</a:t>
             </a:fld>
             <a:endParaRPr lang="LID4096"/>
           </a:p>
@@ -5973,7 +5974,7 @@
           <a:p>
             <a:fld id="{8504B452-D1EF-4AC8-B2B8-C1A5D3A94C8B}" type="datetimeFigureOut">
               <a:rPr lang="LID4096" smtClean="0"/>
-              <a:t>03/05/2024</a:t>
+              <a:t>03/07/2024</a:t>
             </a:fld>
             <a:endParaRPr lang="LID4096"/>
           </a:p>
@@ -6530,6 +6531,124 @@
           </a:p>
         </p:txBody>
       </p:sp>
+      <p:sp>
+        <p:nvSpPr>
+          <p:cNvPr id="3" name="Title 1">
+            <a:extLst>
+              <a:ext uri="{FF2B5EF4-FFF2-40B4-BE49-F238E27FC236}">
+                <a16:creationId xmlns:a16="http://schemas.microsoft.com/office/drawing/2014/main" id="{DD48FD60-0A0B-0233-3A0B-24C6BF43E434}"/>
+              </a:ext>
+            </a:extLst>
+          </p:cNvPr>
+          <p:cNvSpPr txBox="1">
+            <a:spLocks/>
+          </p:cNvSpPr>
+          <p:nvPr/>
+        </p:nvSpPr>
+        <p:spPr>
+          <a:xfrm>
+            <a:off x="484632" y="5377180"/>
+            <a:ext cx="7516813" cy="2387600"/>
+          </a:xfrm>
+          <a:prstGeom prst="rect">
+            <a:avLst/>
+          </a:prstGeom>
+          <a:ln w="19050">
+            <a:noFill/>
+          </a:ln>
+        </p:spPr>
+        <p:txBody>
+          <a:bodyPr vert="horz" lIns="91440" tIns="45720" rIns="91440" bIns="45720" rtlCol="0" anchor="ctr">
+            <a:normAutofit/>
+          </a:bodyPr>
+          <a:lstStyle>
+            <a:lvl1pPr algn="l" defTabSz="914400" rtl="0" eaLnBrk="1" latinLnBrk="0" hangingPunct="1">
+              <a:lnSpc>
+                <a:spcPct val="90000"/>
+              </a:lnSpc>
+              <a:spcBef>
+                <a:spcPct val="0"/>
+              </a:spcBef>
+              <a:buNone/>
+              <a:defRPr sz="4400" kern="1200">
+                <a:solidFill>
+                  <a:schemeClr val="tx1"/>
+                </a:solidFill>
+                <a:latin typeface="+mj-lt"/>
+                <a:ea typeface="+mj-ea"/>
+                <a:cs typeface="+mj-cs"/>
+              </a:defRPr>
+            </a:lvl1pPr>
+          </a:lstStyle>
+          <a:p>
+            <a:r>
+              <a:rPr lang="en-US" sz="2800" b="1" dirty="0">
+                <a:solidFill>
+                  <a:schemeClr val="bg1"/>
+                </a:solidFill>
+                <a:latin typeface="Helvetica Neue" panose="02000503000000020004" pitchFamily="2" charset="0"/>
+                <a:ea typeface="Helvetica Neue" panose="02000503000000020004" pitchFamily="2" charset="0"/>
+                <a:cs typeface="Helvetica Neue" panose="02000503000000020004" pitchFamily="2" charset="0"/>
+              </a:rPr>
+              <a:t>Stefan Vermeent</a:t>
+            </a:r>
+          </a:p>
+          <a:p>
+            <a:r>
+              <a:rPr lang="en-US" sz="1800" b="1" dirty="0">
+                <a:solidFill>
+                  <a:schemeClr val="bg1"/>
+                </a:solidFill>
+                <a:latin typeface="Helvetica Neue" panose="02000503000000020004" pitchFamily="2" charset="0"/>
+                <a:ea typeface="Helvetica Neue" panose="02000503000000020004" pitchFamily="2" charset="0"/>
+                <a:cs typeface="Helvetica Neue" panose="02000503000000020004" pitchFamily="2" charset="0"/>
+              </a:rPr>
+              <a:t>Stanford University</a:t>
+            </a:r>
+          </a:p>
+          <a:p>
+            <a:r>
+              <a:rPr lang="en-US" sz="1800" b="1" dirty="0">
+                <a:solidFill>
+                  <a:schemeClr val="bg1"/>
+                </a:solidFill>
+                <a:latin typeface="Helvetica Neue" panose="02000503000000020004" pitchFamily="2" charset="0"/>
+                <a:ea typeface="Helvetica Neue" panose="02000503000000020004" pitchFamily="2" charset="0"/>
+                <a:cs typeface="Helvetica Neue" panose="02000503000000020004" pitchFamily="2" charset="0"/>
+              </a:rPr>
+              <a:t>7 March 2024</a:t>
+            </a:r>
+            <a:br>
+              <a:rPr lang="en-US" sz="2000" dirty="0">
+                <a:solidFill>
+                  <a:schemeClr val="bg1"/>
+                </a:solidFill>
+                <a:latin typeface="Helvetica Neue" panose="02000503000000020004" pitchFamily="2" charset="0"/>
+                <a:ea typeface="Helvetica Neue" panose="02000503000000020004" pitchFamily="2" charset="0"/>
+                <a:cs typeface="Helvetica Neue" panose="02000503000000020004" pitchFamily="2" charset="0"/>
+              </a:rPr>
+            </a:br>
+            <a:br>
+              <a:rPr lang="en-US" sz="3200" dirty="0">
+                <a:solidFill>
+                  <a:schemeClr val="bg1"/>
+                </a:solidFill>
+                <a:latin typeface="Helvetica Neue" panose="02000503000000020004" pitchFamily="2" charset="0"/>
+                <a:ea typeface="Helvetica Neue" panose="02000503000000020004" pitchFamily="2" charset="0"/>
+                <a:cs typeface="Helvetica Neue" panose="02000503000000020004" pitchFamily="2" charset="0"/>
+              </a:rPr>
+            </a:br>
+            <a:endParaRPr lang="en-US" sz="2200" i="1" dirty="0">
+              <a:solidFill>
+                <a:schemeClr val="bg1"/>
+              </a:solidFill>
+              <a:latin typeface="Helvetica Neue" panose="02000503000000020004" pitchFamily="2" charset="0"/>
+              <a:ea typeface="Helvetica Neue" panose="02000503000000020004" pitchFamily="2" charset="0"/>
+              <a:cs typeface="Helvetica Neue" panose="02000503000000020004" pitchFamily="2" charset="0"/>
+            </a:endParaRPr>
+          </a:p>
+        </p:txBody>
+      </p:sp>
     </p:spTree>
     <p:extLst>
       <p:ext uri="{BB962C8B-B14F-4D97-AF65-F5344CB8AC3E}">
@@ -6560,6 +6679,1572 @@
           <a:chExt cx="0" cy="0"/>
         </a:xfrm>
       </p:grpSpPr>
+      <p:grpSp>
+        <p:nvGrpSpPr>
+          <p:cNvPr id="3" name="Group 2">
+            <a:extLst>
+              <a:ext uri="{FF2B5EF4-FFF2-40B4-BE49-F238E27FC236}">
+                <a16:creationId xmlns:a16="http://schemas.microsoft.com/office/drawing/2014/main" id="{F038507F-DADB-B3B4-5CBA-76168E942EF7}"/>
+              </a:ext>
+            </a:extLst>
+          </p:cNvPr>
+          <p:cNvGrpSpPr/>
+          <p:nvPr/>
+        </p:nvGrpSpPr>
+        <p:grpSpPr>
+          <a:xfrm>
+            <a:off x="9595692" y="4020821"/>
+            <a:ext cx="2312837" cy="1518584"/>
+            <a:chOff x="9603217" y="4280569"/>
+            <a:chExt cx="2312837" cy="1518584"/>
+          </a:xfrm>
+        </p:grpSpPr>
+        <p:sp>
+          <p:nvSpPr>
+            <p:cNvPr id="4" name="Rectangle 3">
+              <a:extLst>
+                <a:ext uri="{FF2B5EF4-FFF2-40B4-BE49-F238E27FC236}">
+                  <a16:creationId xmlns:a16="http://schemas.microsoft.com/office/drawing/2014/main" id="{D53AA281-5D30-479D-18CE-14AEA5487427}"/>
+                </a:ext>
+              </a:extLst>
+            </p:cNvPr>
+            <p:cNvSpPr/>
+            <p:nvPr/>
+          </p:nvSpPr>
+          <p:spPr>
+            <a:xfrm>
+              <a:off x="9603217" y="4280569"/>
+              <a:ext cx="2312837" cy="584775"/>
+            </a:xfrm>
+            <a:prstGeom prst="rect">
+              <a:avLst/>
+            </a:prstGeom>
+          </p:spPr>
+          <p:txBody>
+            <a:bodyPr wrap="square">
+              <a:spAutoFit/>
+            </a:bodyPr>
+            <a:lstStyle/>
+            <a:p>
+              <a:pPr algn="ctr"/>
+              <a:r>
+                <a:rPr lang="en-US" sz="1600" dirty="0">
+                  <a:solidFill>
+                    <a:sysClr val="windowText" lastClr="000000"/>
+                  </a:solidFill>
+                  <a:latin typeface="Helvetica" pitchFamily="2" charset="0"/>
+                </a:rPr>
+                <a:t>4. Compile and display results</a:t>
+              </a:r>
+            </a:p>
+          </p:txBody>
+        </p:sp>
+        <p:pic>
+          <p:nvPicPr>
+            <p:cNvPr id="5" name="Graphic 4" descr="Database">
+              <a:extLst>
+                <a:ext uri="{FF2B5EF4-FFF2-40B4-BE49-F238E27FC236}">
+                  <a16:creationId xmlns:a16="http://schemas.microsoft.com/office/drawing/2014/main" id="{2D087439-6F74-6D0A-56B0-E5D6D2777A86}"/>
+                </a:ext>
+              </a:extLst>
+            </p:cNvPr>
+            <p:cNvPicPr>
+              <a:picLocks noChangeAspect="1"/>
+            </p:cNvPicPr>
+            <p:nvPr/>
+          </p:nvPicPr>
+          <p:blipFill>
+            <a:blip r:embed="rId3">
+              <a:extLst>
+                <a:ext uri="{96DAC541-7B7A-43D3-8B79-37D633B846F1}">
+                  <asvg:svgBlip xmlns:asvg="http://schemas.microsoft.com/office/drawing/2016/SVG/main" r:embed="rId4"/>
+                </a:ext>
+              </a:extLst>
+            </a:blip>
+            <a:stretch>
+              <a:fillRect/>
+            </a:stretch>
+          </p:blipFill>
+          <p:spPr>
+            <a:xfrm>
+              <a:off x="9853556" y="4884753"/>
+              <a:ext cx="914400" cy="914400"/>
+            </a:xfrm>
+            <a:prstGeom prst="rect">
+              <a:avLst/>
+            </a:prstGeom>
+          </p:spPr>
+        </p:pic>
+      </p:grpSp>
+      <p:grpSp>
+        <p:nvGrpSpPr>
+          <p:cNvPr id="6" name="Group 5">
+            <a:extLst>
+              <a:ext uri="{FF2B5EF4-FFF2-40B4-BE49-F238E27FC236}">
+                <a16:creationId xmlns:a16="http://schemas.microsoft.com/office/drawing/2014/main" id="{ACD80D4D-DA22-8F3F-3784-9AED57BBB9DC}"/>
+              </a:ext>
+            </a:extLst>
+          </p:cNvPr>
+          <p:cNvGrpSpPr/>
+          <p:nvPr/>
+        </p:nvGrpSpPr>
+        <p:grpSpPr>
+          <a:xfrm>
+            <a:off x="3300919" y="2765649"/>
+            <a:ext cx="2649702" cy="1898214"/>
+            <a:chOff x="3589562" y="4531919"/>
+            <a:chExt cx="2649702" cy="1898214"/>
+          </a:xfrm>
+        </p:grpSpPr>
+        <p:grpSp>
+          <p:nvGrpSpPr>
+            <p:cNvPr id="8" name="Group 7">
+              <a:extLst>
+                <a:ext uri="{FF2B5EF4-FFF2-40B4-BE49-F238E27FC236}">
+                  <a16:creationId xmlns:a16="http://schemas.microsoft.com/office/drawing/2014/main" id="{95567802-9E37-E8CC-E9BB-5D5BF8B4B20E}"/>
+                </a:ext>
+              </a:extLst>
+            </p:cNvPr>
+            <p:cNvGrpSpPr/>
+            <p:nvPr/>
+          </p:nvGrpSpPr>
+          <p:grpSpPr>
+            <a:xfrm>
+              <a:off x="3677875" y="4531919"/>
+              <a:ext cx="2561389" cy="1898214"/>
+              <a:chOff x="550887" y="4500412"/>
+              <a:chExt cx="2561389" cy="1898214"/>
+            </a:xfrm>
+          </p:grpSpPr>
+          <p:grpSp>
+            <p:nvGrpSpPr>
+              <p:cNvPr id="13" name="Group 12">
+                <a:extLst>
+                  <a:ext uri="{FF2B5EF4-FFF2-40B4-BE49-F238E27FC236}">
+                    <a16:creationId xmlns:a16="http://schemas.microsoft.com/office/drawing/2014/main" id="{6C3E7237-34C2-9285-C997-B4F86A52FA50}"/>
+                  </a:ext>
+                </a:extLst>
+              </p:cNvPr>
+              <p:cNvGrpSpPr/>
+              <p:nvPr/>
+            </p:nvGrpSpPr>
+            <p:grpSpPr>
+              <a:xfrm>
+                <a:off x="1131978" y="5144828"/>
+                <a:ext cx="1450582" cy="1253798"/>
+                <a:chOff x="1131978" y="5144828"/>
+                <a:chExt cx="1450582" cy="1253798"/>
+              </a:xfrm>
+            </p:grpSpPr>
+            <p:sp>
+              <p:nvSpPr>
+                <p:cNvPr id="17" name="TextBox 16">
+                  <a:extLst>
+                    <a:ext uri="{FF2B5EF4-FFF2-40B4-BE49-F238E27FC236}">
+                      <a16:creationId xmlns:a16="http://schemas.microsoft.com/office/drawing/2014/main" id="{C81C98CC-C78E-D5D4-A7AB-8720E29606D0}"/>
+                    </a:ext>
+                  </a:extLst>
+                </p:cNvPr>
+                <p:cNvSpPr txBox="1"/>
+                <p:nvPr/>
+              </p:nvSpPr>
+              <p:spPr>
+                <a:xfrm>
+                  <a:off x="1188896" y="6060072"/>
+                  <a:ext cx="325730" cy="338554"/>
+                </a:xfrm>
+                <a:prstGeom prst="rect">
+                  <a:avLst/>
+                </a:prstGeom>
+                <a:noFill/>
+              </p:spPr>
+              <p:txBody>
+                <a:bodyPr wrap="none" rtlCol="0">
+                  <a:spAutoFit/>
+                </a:bodyPr>
+                <a:lstStyle/>
+                <a:p>
+                  <a:r>
+                    <a:rPr lang="en-US" sz="1600" dirty="0"/>
+                    <a:t>…</a:t>
+                  </a:r>
+                </a:p>
+              </p:txBody>
+            </p:sp>
+            <p:grpSp>
+              <p:nvGrpSpPr>
+                <p:cNvPr id="19" name="Group 18">
+                  <a:extLst>
+                    <a:ext uri="{FF2B5EF4-FFF2-40B4-BE49-F238E27FC236}">
+                      <a16:creationId xmlns:a16="http://schemas.microsoft.com/office/drawing/2014/main" id="{26AB3F60-7724-8E3C-C04E-D999BE1172DD}"/>
+                    </a:ext>
+                  </a:extLst>
+                </p:cNvPr>
+                <p:cNvGrpSpPr/>
+                <p:nvPr/>
+              </p:nvGrpSpPr>
+              <p:grpSpPr>
+                <a:xfrm>
+                  <a:off x="1131978" y="5144828"/>
+                  <a:ext cx="1450582" cy="1151905"/>
+                  <a:chOff x="2828627" y="2200646"/>
+                  <a:chExt cx="1450582" cy="1151905"/>
+                </a:xfrm>
+              </p:grpSpPr>
+              <p:grpSp>
+                <p:nvGrpSpPr>
+                  <p:cNvPr id="21" name="Group 20">
+                    <a:extLst>
+                      <a:ext uri="{FF2B5EF4-FFF2-40B4-BE49-F238E27FC236}">
+                        <a16:creationId xmlns:a16="http://schemas.microsoft.com/office/drawing/2014/main" id="{DA247C65-57DB-F2CD-1DB1-CC4C2141DACA}"/>
+                      </a:ext>
+                    </a:extLst>
+                  </p:cNvPr>
+                  <p:cNvGrpSpPr/>
+                  <p:nvPr/>
+                </p:nvGrpSpPr>
+                <p:grpSpPr>
+                  <a:xfrm>
+                    <a:off x="2828627" y="2200646"/>
+                    <a:ext cx="457200" cy="1151904"/>
+                    <a:chOff x="1520890" y="2213624"/>
+                    <a:chExt cx="457200" cy="1151904"/>
+                  </a:xfrm>
+                </p:grpSpPr>
+                <p:pic>
+                  <p:nvPicPr>
+                    <p:cNvPr id="35" name="Graphic 34" descr="Table">
+                      <a:extLst>
+                        <a:ext uri="{FF2B5EF4-FFF2-40B4-BE49-F238E27FC236}">
+                          <a16:creationId xmlns:a16="http://schemas.microsoft.com/office/drawing/2014/main" id="{19AFABD3-B650-6C7F-151D-C2AD61D4DDD3}"/>
+                        </a:ext>
+                      </a:extLst>
+                    </p:cNvPr>
+                    <p:cNvPicPr>
+                      <a:picLocks noChangeAspect="1"/>
+                    </p:cNvPicPr>
+                    <p:nvPr/>
+                  </p:nvPicPr>
+                  <p:blipFill>
+                    <a:blip r:embed="rId5">
+                      <a:extLst>
+                        <a:ext uri="{96DAC541-7B7A-43D3-8B79-37D633B846F1}">
+                          <asvg:svgBlip xmlns:asvg="http://schemas.microsoft.com/office/drawing/2016/SVG/main" r:embed="rId6"/>
+                        </a:ext>
+                      </a:extLst>
+                    </a:blip>
+                    <a:stretch>
+                      <a:fillRect/>
+                    </a:stretch>
+                  </p:blipFill>
+                  <p:spPr>
+                    <a:xfrm>
+                      <a:off x="1520890" y="2213624"/>
+                      <a:ext cx="457200" cy="457200"/>
+                    </a:xfrm>
+                    <a:prstGeom prst="rect">
+                      <a:avLst/>
+                    </a:prstGeom>
+                  </p:spPr>
+                </p:pic>
+                <p:pic>
+                  <p:nvPicPr>
+                    <p:cNvPr id="38" name="Graphic 37" descr="Table">
+                      <a:extLst>
+                        <a:ext uri="{FF2B5EF4-FFF2-40B4-BE49-F238E27FC236}">
+                          <a16:creationId xmlns:a16="http://schemas.microsoft.com/office/drawing/2014/main" id="{365AAC66-918F-47E2-AA07-F64D055B867F}"/>
+                        </a:ext>
+                      </a:extLst>
+                    </p:cNvPr>
+                    <p:cNvPicPr>
+                      <a:picLocks noChangeAspect="1"/>
+                    </p:cNvPicPr>
+                    <p:nvPr/>
+                  </p:nvPicPr>
+                  <p:blipFill>
+                    <a:blip r:embed="rId5">
+                      <a:extLst>
+                        <a:ext uri="{96DAC541-7B7A-43D3-8B79-37D633B846F1}">
+                          <asvg:svgBlip xmlns:asvg="http://schemas.microsoft.com/office/drawing/2016/SVG/main" r:embed="rId6"/>
+                        </a:ext>
+                      </a:extLst>
+                    </a:blip>
+                    <a:stretch>
+                      <a:fillRect/>
+                    </a:stretch>
+                  </p:blipFill>
+                  <p:spPr>
+                    <a:xfrm>
+                      <a:off x="1520890" y="2560976"/>
+                      <a:ext cx="457200" cy="457200"/>
+                    </a:xfrm>
+                    <a:prstGeom prst="rect">
+                      <a:avLst/>
+                    </a:prstGeom>
+                  </p:spPr>
+                </p:pic>
+                <p:pic>
+                  <p:nvPicPr>
+                    <p:cNvPr id="39" name="Graphic 38" descr="Table">
+                      <a:extLst>
+                        <a:ext uri="{FF2B5EF4-FFF2-40B4-BE49-F238E27FC236}">
+                          <a16:creationId xmlns:a16="http://schemas.microsoft.com/office/drawing/2014/main" id="{3C68011B-C641-9D4D-98F0-B8BE322F2ED6}"/>
+                        </a:ext>
+                      </a:extLst>
+                    </p:cNvPr>
+                    <p:cNvPicPr>
+                      <a:picLocks noChangeAspect="1"/>
+                    </p:cNvPicPr>
+                    <p:nvPr/>
+                  </p:nvPicPr>
+                  <p:blipFill>
+                    <a:blip r:embed="rId5">
+                      <a:extLst>
+                        <a:ext uri="{96DAC541-7B7A-43D3-8B79-37D633B846F1}">
+                          <asvg:svgBlip xmlns:asvg="http://schemas.microsoft.com/office/drawing/2016/SVG/main" r:embed="rId6"/>
+                        </a:ext>
+                      </a:extLst>
+                    </a:blip>
+                    <a:stretch>
+                      <a:fillRect/>
+                    </a:stretch>
+                  </p:blipFill>
+                  <p:spPr>
+                    <a:xfrm>
+                      <a:off x="1520890" y="2908328"/>
+                      <a:ext cx="457200" cy="457200"/>
+                    </a:xfrm>
+                    <a:prstGeom prst="rect">
+                      <a:avLst/>
+                    </a:prstGeom>
+                  </p:spPr>
+                </p:pic>
+              </p:grpSp>
+              <p:grpSp>
+                <p:nvGrpSpPr>
+                  <p:cNvPr id="22" name="Group 21">
+                    <a:extLst>
+                      <a:ext uri="{FF2B5EF4-FFF2-40B4-BE49-F238E27FC236}">
+                        <a16:creationId xmlns:a16="http://schemas.microsoft.com/office/drawing/2014/main" id="{D0BED9A8-0C99-5D44-7D32-A7867DC21AA3}"/>
+                      </a:ext>
+                    </a:extLst>
+                  </p:cNvPr>
+                  <p:cNvGrpSpPr/>
+                  <p:nvPr/>
+                </p:nvGrpSpPr>
+                <p:grpSpPr>
+                  <a:xfrm>
+                    <a:off x="3325318" y="2200646"/>
+                    <a:ext cx="457200" cy="1151905"/>
+                    <a:chOff x="1520890" y="2213624"/>
+                    <a:chExt cx="457200" cy="1151905"/>
+                  </a:xfrm>
+                </p:grpSpPr>
+                <p:pic>
+                  <p:nvPicPr>
+                    <p:cNvPr id="30" name="Graphic 29" descr="Table">
+                      <a:extLst>
+                        <a:ext uri="{FF2B5EF4-FFF2-40B4-BE49-F238E27FC236}">
+                          <a16:creationId xmlns:a16="http://schemas.microsoft.com/office/drawing/2014/main" id="{59C5FEDE-5F76-1C51-1029-D0167300B20D}"/>
+                        </a:ext>
+                      </a:extLst>
+                    </p:cNvPr>
+                    <p:cNvPicPr>
+                      <a:picLocks noChangeAspect="1"/>
+                    </p:cNvPicPr>
+                    <p:nvPr/>
+                  </p:nvPicPr>
+                  <p:blipFill>
+                    <a:blip r:embed="rId5">
+                      <a:extLst>
+                        <a:ext uri="{96DAC541-7B7A-43D3-8B79-37D633B846F1}">
+                          <asvg:svgBlip xmlns:asvg="http://schemas.microsoft.com/office/drawing/2016/SVG/main" r:embed="rId6"/>
+                        </a:ext>
+                      </a:extLst>
+                    </a:blip>
+                    <a:stretch>
+                      <a:fillRect/>
+                    </a:stretch>
+                  </p:blipFill>
+                  <p:spPr>
+                    <a:xfrm>
+                      <a:off x="1520890" y="2213624"/>
+                      <a:ext cx="457200" cy="457200"/>
+                    </a:xfrm>
+                    <a:prstGeom prst="rect">
+                      <a:avLst/>
+                    </a:prstGeom>
+                  </p:spPr>
+                </p:pic>
+                <p:pic>
+                  <p:nvPicPr>
+                    <p:cNvPr id="32" name="Graphic 31" descr="Table">
+                      <a:extLst>
+                        <a:ext uri="{FF2B5EF4-FFF2-40B4-BE49-F238E27FC236}">
+                          <a16:creationId xmlns:a16="http://schemas.microsoft.com/office/drawing/2014/main" id="{D6F5269A-DFCD-3B32-D9FD-D7665EB42477}"/>
+                        </a:ext>
+                      </a:extLst>
+                    </p:cNvPr>
+                    <p:cNvPicPr>
+                      <a:picLocks noChangeAspect="1"/>
+                    </p:cNvPicPr>
+                    <p:nvPr/>
+                  </p:nvPicPr>
+                  <p:blipFill>
+                    <a:blip r:embed="rId5">
+                      <a:extLst>
+                        <a:ext uri="{96DAC541-7B7A-43D3-8B79-37D633B846F1}">
+                          <asvg:svgBlip xmlns:asvg="http://schemas.microsoft.com/office/drawing/2016/SVG/main" r:embed="rId6"/>
+                        </a:ext>
+                      </a:extLst>
+                    </a:blip>
+                    <a:stretch>
+                      <a:fillRect/>
+                    </a:stretch>
+                  </p:blipFill>
+                  <p:spPr>
+                    <a:xfrm>
+                      <a:off x="1520890" y="2560976"/>
+                      <a:ext cx="457200" cy="457200"/>
+                    </a:xfrm>
+                    <a:prstGeom prst="rect">
+                      <a:avLst/>
+                    </a:prstGeom>
+                  </p:spPr>
+                </p:pic>
+                <p:pic>
+                  <p:nvPicPr>
+                    <p:cNvPr id="34" name="Graphic 33" descr="Table">
+                      <a:extLst>
+                        <a:ext uri="{FF2B5EF4-FFF2-40B4-BE49-F238E27FC236}">
+                          <a16:creationId xmlns:a16="http://schemas.microsoft.com/office/drawing/2014/main" id="{6C3F9FAF-750C-43F2-1C0D-B7E59CC53D8E}"/>
+                        </a:ext>
+                      </a:extLst>
+                    </p:cNvPr>
+                    <p:cNvPicPr>
+                      <a:picLocks noChangeAspect="1"/>
+                    </p:cNvPicPr>
+                    <p:nvPr/>
+                  </p:nvPicPr>
+                  <p:blipFill>
+                    <a:blip r:embed="rId5">
+                      <a:extLst>
+                        <a:ext uri="{96DAC541-7B7A-43D3-8B79-37D633B846F1}">
+                          <asvg:svgBlip xmlns:asvg="http://schemas.microsoft.com/office/drawing/2016/SVG/main" r:embed="rId6"/>
+                        </a:ext>
+                      </a:extLst>
+                    </a:blip>
+                    <a:stretch>
+                      <a:fillRect/>
+                    </a:stretch>
+                  </p:blipFill>
+                  <p:spPr>
+                    <a:xfrm>
+                      <a:off x="1520890" y="2908329"/>
+                      <a:ext cx="457200" cy="457200"/>
+                    </a:xfrm>
+                    <a:prstGeom prst="rect">
+                      <a:avLst/>
+                    </a:prstGeom>
+                  </p:spPr>
+                </p:pic>
+              </p:grpSp>
+              <p:grpSp>
+                <p:nvGrpSpPr>
+                  <p:cNvPr id="23" name="Group 22">
+                    <a:extLst>
+                      <a:ext uri="{FF2B5EF4-FFF2-40B4-BE49-F238E27FC236}">
+                        <a16:creationId xmlns:a16="http://schemas.microsoft.com/office/drawing/2014/main" id="{1876225D-6B21-E673-EB7C-10712D995D34}"/>
+                      </a:ext>
+                    </a:extLst>
+                  </p:cNvPr>
+                  <p:cNvGrpSpPr/>
+                  <p:nvPr/>
+                </p:nvGrpSpPr>
+                <p:grpSpPr>
+                  <a:xfrm>
+                    <a:off x="3822009" y="2200646"/>
+                    <a:ext cx="457200" cy="1151905"/>
+                    <a:chOff x="1520890" y="2213624"/>
+                    <a:chExt cx="457200" cy="1151905"/>
+                  </a:xfrm>
+                </p:grpSpPr>
+                <p:pic>
+                  <p:nvPicPr>
+                    <p:cNvPr id="26" name="Graphic 25" descr="Table">
+                      <a:extLst>
+                        <a:ext uri="{FF2B5EF4-FFF2-40B4-BE49-F238E27FC236}">
+                          <a16:creationId xmlns:a16="http://schemas.microsoft.com/office/drawing/2014/main" id="{4BE226C2-42BB-6A64-2CF7-7D800FB928B1}"/>
+                        </a:ext>
+                      </a:extLst>
+                    </p:cNvPr>
+                    <p:cNvPicPr>
+                      <a:picLocks noChangeAspect="1"/>
+                    </p:cNvPicPr>
+                    <p:nvPr/>
+                  </p:nvPicPr>
+                  <p:blipFill>
+                    <a:blip r:embed="rId5">
+                      <a:extLst>
+                        <a:ext uri="{96DAC541-7B7A-43D3-8B79-37D633B846F1}">
+                          <asvg:svgBlip xmlns:asvg="http://schemas.microsoft.com/office/drawing/2016/SVG/main" r:embed="rId6"/>
+                        </a:ext>
+                      </a:extLst>
+                    </a:blip>
+                    <a:stretch>
+                      <a:fillRect/>
+                    </a:stretch>
+                  </p:blipFill>
+                  <p:spPr>
+                    <a:xfrm>
+                      <a:off x="1520890" y="2213624"/>
+                      <a:ext cx="457200" cy="457200"/>
+                    </a:xfrm>
+                    <a:prstGeom prst="rect">
+                      <a:avLst/>
+                    </a:prstGeom>
+                  </p:spPr>
+                </p:pic>
+                <p:pic>
+                  <p:nvPicPr>
+                    <p:cNvPr id="27" name="Graphic 26" descr="Table">
+                      <a:extLst>
+                        <a:ext uri="{FF2B5EF4-FFF2-40B4-BE49-F238E27FC236}">
+                          <a16:creationId xmlns:a16="http://schemas.microsoft.com/office/drawing/2014/main" id="{D67A2B02-106F-F605-055F-CED960F56E2F}"/>
+                        </a:ext>
+                      </a:extLst>
+                    </p:cNvPr>
+                    <p:cNvPicPr>
+                      <a:picLocks noChangeAspect="1"/>
+                    </p:cNvPicPr>
+                    <p:nvPr/>
+                  </p:nvPicPr>
+                  <p:blipFill>
+                    <a:blip r:embed="rId5">
+                      <a:extLst>
+                        <a:ext uri="{96DAC541-7B7A-43D3-8B79-37D633B846F1}">
+                          <asvg:svgBlip xmlns:asvg="http://schemas.microsoft.com/office/drawing/2016/SVG/main" r:embed="rId6"/>
+                        </a:ext>
+                      </a:extLst>
+                    </a:blip>
+                    <a:stretch>
+                      <a:fillRect/>
+                    </a:stretch>
+                  </p:blipFill>
+                  <p:spPr>
+                    <a:xfrm>
+                      <a:off x="1520890" y="2560976"/>
+                      <a:ext cx="457200" cy="457200"/>
+                    </a:xfrm>
+                    <a:prstGeom prst="rect">
+                      <a:avLst/>
+                    </a:prstGeom>
+                  </p:spPr>
+                </p:pic>
+                <p:pic>
+                  <p:nvPicPr>
+                    <p:cNvPr id="28" name="Graphic 27" descr="Table">
+                      <a:extLst>
+                        <a:ext uri="{FF2B5EF4-FFF2-40B4-BE49-F238E27FC236}">
+                          <a16:creationId xmlns:a16="http://schemas.microsoft.com/office/drawing/2014/main" id="{52A0D309-FDCA-92E2-0E65-B5372FFAF8FF}"/>
+                        </a:ext>
+                      </a:extLst>
+                    </p:cNvPr>
+                    <p:cNvPicPr>
+                      <a:picLocks noChangeAspect="1"/>
+                    </p:cNvPicPr>
+                    <p:nvPr/>
+                  </p:nvPicPr>
+                  <p:blipFill>
+                    <a:blip r:embed="rId5">
+                      <a:extLst>
+                        <a:ext uri="{96DAC541-7B7A-43D3-8B79-37D633B846F1}">
+                          <asvg:svgBlip xmlns:asvg="http://schemas.microsoft.com/office/drawing/2016/SVG/main" r:embed="rId6"/>
+                        </a:ext>
+                      </a:extLst>
+                    </a:blip>
+                    <a:stretch>
+                      <a:fillRect/>
+                    </a:stretch>
+                  </p:blipFill>
+                  <p:spPr>
+                    <a:xfrm>
+                      <a:off x="1520890" y="2908329"/>
+                      <a:ext cx="457200" cy="457200"/>
+                    </a:xfrm>
+                    <a:prstGeom prst="rect">
+                      <a:avLst/>
+                    </a:prstGeom>
+                  </p:spPr>
+                </p:pic>
+              </p:grpSp>
+            </p:grpSp>
+          </p:grpSp>
+          <p:sp>
+            <p:nvSpPr>
+              <p:cNvPr id="14" name="Rectangle 13">
+                <a:extLst>
+                  <a:ext uri="{FF2B5EF4-FFF2-40B4-BE49-F238E27FC236}">
+                    <a16:creationId xmlns:a16="http://schemas.microsoft.com/office/drawing/2014/main" id="{51C3E33F-2247-1550-156F-6435E00B7DD7}"/>
+                  </a:ext>
+                </a:extLst>
+              </p:cNvPr>
+              <p:cNvSpPr/>
+              <p:nvPr/>
+            </p:nvSpPr>
+            <p:spPr>
+              <a:xfrm>
+                <a:off x="550887" y="4500412"/>
+                <a:ext cx="2561389" cy="584775"/>
+              </a:xfrm>
+              <a:prstGeom prst="rect">
+                <a:avLst/>
+              </a:prstGeom>
+            </p:spPr>
+            <p:txBody>
+              <a:bodyPr wrap="square">
+                <a:spAutoFit/>
+              </a:bodyPr>
+              <a:lstStyle/>
+              <a:p>
+                <a:pPr algn="ctr"/>
+                <a:r>
+                  <a:rPr lang="en-US" sz="1600" dirty="0">
+                    <a:solidFill>
+                      <a:sysClr val="windowText" lastClr="000000"/>
+                    </a:solidFill>
+                    <a:latin typeface="Helvetica" pitchFamily="2" charset="0"/>
+                  </a:rPr>
+                  <a:t>2. Build multiverse datasets</a:t>
+                </a:r>
+              </a:p>
+            </p:txBody>
+          </p:sp>
+        </p:grpSp>
+        <p:pic>
+          <p:nvPicPr>
+            <p:cNvPr id="12" name="Graphic 11" descr="Hammer">
+              <a:extLst>
+                <a:ext uri="{FF2B5EF4-FFF2-40B4-BE49-F238E27FC236}">
+                  <a16:creationId xmlns:a16="http://schemas.microsoft.com/office/drawing/2014/main" id="{7B570BC6-FAB9-A32B-DE22-E515ACECBD61}"/>
+                </a:ext>
+              </a:extLst>
+            </p:cNvPr>
+            <p:cNvPicPr>
+              <a:picLocks noChangeAspect="1"/>
+            </p:cNvPicPr>
+            <p:nvPr/>
+          </p:nvPicPr>
+          <p:blipFill>
+            <a:blip r:embed="rId7">
+              <a:extLst>
+                <a:ext uri="{96DAC541-7B7A-43D3-8B79-37D633B846F1}">
+                  <asvg:svgBlip xmlns:asvg="http://schemas.microsoft.com/office/drawing/2016/SVG/main" r:embed="rId8"/>
+                </a:ext>
+              </a:extLst>
+            </a:blip>
+            <a:stretch>
+              <a:fillRect/>
+            </a:stretch>
+          </p:blipFill>
+          <p:spPr>
+            <a:xfrm rot="20783797">
+              <a:off x="3589562" y="5318866"/>
+              <a:ext cx="689227" cy="689227"/>
+            </a:xfrm>
+            <a:prstGeom prst="rect">
+              <a:avLst/>
+            </a:prstGeom>
+          </p:spPr>
+        </p:pic>
+      </p:grpSp>
+      <p:grpSp>
+        <p:nvGrpSpPr>
+          <p:cNvPr id="41" name="Group 40">
+            <a:extLst>
+              <a:ext uri="{FF2B5EF4-FFF2-40B4-BE49-F238E27FC236}">
+                <a16:creationId xmlns:a16="http://schemas.microsoft.com/office/drawing/2014/main" id="{E2D856E6-583D-EE9D-FE62-66467B219C09}"/>
+              </a:ext>
+            </a:extLst>
+          </p:cNvPr>
+          <p:cNvGrpSpPr/>
+          <p:nvPr/>
+        </p:nvGrpSpPr>
+        <p:grpSpPr>
+          <a:xfrm>
+            <a:off x="6518961" y="3410065"/>
+            <a:ext cx="2780095" cy="1459734"/>
+            <a:chOff x="6622768" y="4678601"/>
+            <a:chExt cx="2780095" cy="1459734"/>
+          </a:xfrm>
+        </p:grpSpPr>
+        <p:sp>
+          <p:nvSpPr>
+            <p:cNvPr id="43" name="Rectangle 42">
+              <a:extLst>
+                <a:ext uri="{FF2B5EF4-FFF2-40B4-BE49-F238E27FC236}">
+                  <a16:creationId xmlns:a16="http://schemas.microsoft.com/office/drawing/2014/main" id="{6A4FDAF2-EB06-D620-B7A5-AD7A7DA181BC}"/>
+                </a:ext>
+              </a:extLst>
+            </p:cNvPr>
+            <p:cNvSpPr/>
+            <p:nvPr/>
+          </p:nvSpPr>
+          <p:spPr>
+            <a:xfrm>
+              <a:off x="6622768" y="4678601"/>
+              <a:ext cx="2780095" cy="584775"/>
+            </a:xfrm>
+            <a:prstGeom prst="rect">
+              <a:avLst/>
+            </a:prstGeom>
+          </p:spPr>
+          <p:txBody>
+            <a:bodyPr wrap="square">
+              <a:spAutoFit/>
+            </a:bodyPr>
+            <a:lstStyle/>
+            <a:p>
+              <a:pPr algn="ctr"/>
+              <a:r>
+                <a:rPr lang="en-US" sz="1600" dirty="0">
+                  <a:solidFill>
+                    <a:sysClr val="windowText" lastClr="000000"/>
+                  </a:solidFill>
+                  <a:latin typeface="Helvetica" pitchFamily="2" charset="0"/>
+                </a:rPr>
+                <a:t>3. Analyze multiverse with the same model</a:t>
+              </a:r>
+            </a:p>
+          </p:txBody>
+        </p:sp>
+        <p:pic>
+          <p:nvPicPr>
+            <p:cNvPr id="45" name="Graphic 44" descr="Circles with arrows">
+              <a:extLst>
+                <a:ext uri="{FF2B5EF4-FFF2-40B4-BE49-F238E27FC236}">
+                  <a16:creationId xmlns:a16="http://schemas.microsoft.com/office/drawing/2014/main" id="{3362ACD8-9DB8-544D-56B2-7C9702D82256}"/>
+                </a:ext>
+              </a:extLst>
+            </p:cNvPr>
+            <p:cNvPicPr>
+              <a:picLocks noChangeAspect="1"/>
+            </p:cNvPicPr>
+            <p:nvPr/>
+          </p:nvPicPr>
+          <p:blipFill>
+            <a:blip r:embed="rId9">
+              <a:extLst>
+                <a:ext uri="{96DAC541-7B7A-43D3-8B79-37D633B846F1}">
+                  <asvg:svgBlip xmlns:asvg="http://schemas.microsoft.com/office/drawing/2016/SVG/main" r:embed="rId10"/>
+                </a:ext>
+              </a:extLst>
+            </a:blip>
+            <a:stretch>
+              <a:fillRect/>
+            </a:stretch>
+          </p:blipFill>
+          <p:spPr>
+            <a:xfrm>
+              <a:off x="7555615" y="5223935"/>
+              <a:ext cx="914400" cy="914400"/>
+            </a:xfrm>
+            <a:prstGeom prst="rect">
+              <a:avLst/>
+            </a:prstGeom>
+          </p:spPr>
+        </p:pic>
+      </p:grpSp>
+      <p:grpSp>
+        <p:nvGrpSpPr>
+          <p:cNvPr id="46" name="Group 45">
+            <a:extLst>
+              <a:ext uri="{FF2B5EF4-FFF2-40B4-BE49-F238E27FC236}">
+                <a16:creationId xmlns:a16="http://schemas.microsoft.com/office/drawing/2014/main" id="{6E0F6DCB-C483-0136-E6A9-5E08302EFA8C}"/>
+              </a:ext>
+            </a:extLst>
+          </p:cNvPr>
+          <p:cNvGrpSpPr/>
+          <p:nvPr/>
+        </p:nvGrpSpPr>
+        <p:grpSpPr>
+          <a:xfrm>
+            <a:off x="224060" y="2033313"/>
+            <a:ext cx="2516780" cy="2005085"/>
+            <a:chOff x="476153" y="3539942"/>
+            <a:chExt cx="2516780" cy="2005085"/>
+          </a:xfrm>
+        </p:grpSpPr>
+        <p:sp>
+          <p:nvSpPr>
+            <p:cNvPr id="48" name="Rectangle 47">
+              <a:extLst>
+                <a:ext uri="{FF2B5EF4-FFF2-40B4-BE49-F238E27FC236}">
+                  <a16:creationId xmlns:a16="http://schemas.microsoft.com/office/drawing/2014/main" id="{B37DE3A6-90C4-7060-AEB2-72CAF128A468}"/>
+                </a:ext>
+              </a:extLst>
+            </p:cNvPr>
+            <p:cNvSpPr/>
+            <p:nvPr/>
+          </p:nvSpPr>
+          <p:spPr>
+            <a:xfrm>
+              <a:off x="476153" y="3539942"/>
+              <a:ext cx="2516780" cy="584775"/>
+            </a:xfrm>
+            <a:prstGeom prst="rect">
+              <a:avLst/>
+            </a:prstGeom>
+          </p:spPr>
+          <p:txBody>
+            <a:bodyPr wrap="square">
+              <a:spAutoFit/>
+            </a:bodyPr>
+            <a:lstStyle/>
+            <a:p>
+              <a:pPr algn="ctr"/>
+              <a:r>
+                <a:rPr lang="en-US" sz="1600" dirty="0">
+                  <a:solidFill>
+                    <a:sysClr val="windowText" lastClr="000000"/>
+                  </a:solidFill>
+                  <a:latin typeface="Helvetica" pitchFamily="2" charset="0"/>
+                </a:rPr>
+                <a:t>1. Identify arbitrary decisions</a:t>
+              </a:r>
+            </a:p>
+          </p:txBody>
+        </p:sp>
+        <p:grpSp>
+          <p:nvGrpSpPr>
+            <p:cNvPr id="51" name="Group 50">
+              <a:extLst>
+                <a:ext uri="{FF2B5EF4-FFF2-40B4-BE49-F238E27FC236}">
+                  <a16:creationId xmlns:a16="http://schemas.microsoft.com/office/drawing/2014/main" id="{8474C59D-7357-68A0-C48B-25975FFB0FAC}"/>
+                </a:ext>
+              </a:extLst>
+            </p:cNvPr>
+            <p:cNvGrpSpPr/>
+            <p:nvPr/>
+          </p:nvGrpSpPr>
+          <p:grpSpPr>
+            <a:xfrm>
+              <a:off x="626883" y="4118947"/>
+              <a:ext cx="2308254" cy="1210319"/>
+              <a:chOff x="130146" y="5155976"/>
+              <a:chExt cx="2308254" cy="1210319"/>
+            </a:xfrm>
+          </p:grpSpPr>
+          <p:pic>
+            <p:nvPicPr>
+              <p:cNvPr id="56" name="Graphic 55" descr="Bug under magnifying glass">
+                <a:extLst>
+                  <a:ext uri="{FF2B5EF4-FFF2-40B4-BE49-F238E27FC236}">
+                    <a16:creationId xmlns:a16="http://schemas.microsoft.com/office/drawing/2014/main" id="{ABE4DB63-66F6-87B2-061C-7ECEECBE9911}"/>
+                  </a:ext>
+                </a:extLst>
+              </p:cNvPr>
+              <p:cNvPicPr>
+                <a:picLocks noChangeAspect="1"/>
+              </p:cNvPicPr>
+              <p:nvPr/>
+            </p:nvPicPr>
+            <p:blipFill>
+              <a:blip r:embed="rId11">
+                <a:extLst>
+                  <a:ext uri="{96DAC541-7B7A-43D3-8B79-37D633B846F1}">
+                    <asvg:svgBlip xmlns:asvg="http://schemas.microsoft.com/office/drawing/2016/SVG/main" r:embed="rId12"/>
+                  </a:ext>
+                </a:extLst>
+              </a:blip>
+              <a:stretch>
+                <a:fillRect/>
+              </a:stretch>
+            </p:blipFill>
+            <p:spPr>
+              <a:xfrm>
+                <a:off x="603741" y="5279087"/>
+                <a:ext cx="914400" cy="914400"/>
+              </a:xfrm>
+              <a:prstGeom prst="rect">
+                <a:avLst/>
+              </a:prstGeom>
+            </p:spPr>
+          </p:pic>
+          <p:pic>
+            <p:nvPicPr>
+              <p:cNvPr id="57" name="Graphic 56" descr="Bug">
+                <a:extLst>
+                  <a:ext uri="{FF2B5EF4-FFF2-40B4-BE49-F238E27FC236}">
+                    <a16:creationId xmlns:a16="http://schemas.microsoft.com/office/drawing/2014/main" id="{DF9F4C50-5D0E-8A0D-2AF9-E672160A0A00}"/>
+                  </a:ext>
+                </a:extLst>
+              </p:cNvPr>
+              <p:cNvPicPr>
+                <a:picLocks noChangeAspect="1"/>
+              </p:cNvPicPr>
+              <p:nvPr/>
+            </p:nvPicPr>
+            <p:blipFill>
+              <a:blip r:embed="rId13">
+                <a:extLst>
+                  <a:ext uri="{96DAC541-7B7A-43D3-8B79-37D633B846F1}">
+                    <asvg:svgBlip xmlns:asvg="http://schemas.microsoft.com/office/drawing/2016/SVG/main" r:embed="rId14"/>
+                  </a:ext>
+                </a:extLst>
+              </a:blip>
+              <a:stretch>
+                <a:fillRect/>
+              </a:stretch>
+            </p:blipFill>
+            <p:spPr>
+              <a:xfrm>
+                <a:off x="1490229" y="5847870"/>
+                <a:ext cx="345617" cy="345617"/>
+              </a:xfrm>
+              <a:prstGeom prst="rect">
+                <a:avLst/>
+              </a:prstGeom>
+            </p:spPr>
+          </p:pic>
+          <p:pic>
+            <p:nvPicPr>
+              <p:cNvPr id="58" name="Graphic 57" descr="Bug">
+                <a:extLst>
+                  <a:ext uri="{FF2B5EF4-FFF2-40B4-BE49-F238E27FC236}">
+                    <a16:creationId xmlns:a16="http://schemas.microsoft.com/office/drawing/2014/main" id="{A5C990DB-7125-24BE-DD51-3D4EAFF35AA8}"/>
+                  </a:ext>
+                </a:extLst>
+              </p:cNvPr>
+              <p:cNvPicPr>
+                <a:picLocks noChangeAspect="1"/>
+              </p:cNvPicPr>
+              <p:nvPr/>
+            </p:nvPicPr>
+            <p:blipFill>
+              <a:blip r:embed="rId13">
+                <a:extLst>
+                  <a:ext uri="{96DAC541-7B7A-43D3-8B79-37D633B846F1}">
+                    <asvg:svgBlip xmlns:asvg="http://schemas.microsoft.com/office/drawing/2016/SVG/main" r:embed="rId14"/>
+                  </a:ext>
+                </a:extLst>
+              </a:blip>
+              <a:stretch>
+                <a:fillRect/>
+              </a:stretch>
+            </p:blipFill>
+            <p:spPr>
+              <a:xfrm>
+                <a:off x="1557632" y="5351389"/>
+                <a:ext cx="345617" cy="345617"/>
+              </a:xfrm>
+              <a:prstGeom prst="rect">
+                <a:avLst/>
+              </a:prstGeom>
+            </p:spPr>
+          </p:pic>
+          <p:pic>
+            <p:nvPicPr>
+              <p:cNvPr id="68" name="Graphic 67" descr="Bug">
+                <a:extLst>
+                  <a:ext uri="{FF2B5EF4-FFF2-40B4-BE49-F238E27FC236}">
+                    <a16:creationId xmlns:a16="http://schemas.microsoft.com/office/drawing/2014/main" id="{68E2AA7A-0EED-7174-8A31-94765687B1C7}"/>
+                  </a:ext>
+                </a:extLst>
+              </p:cNvPr>
+              <p:cNvPicPr>
+                <a:picLocks noChangeAspect="1"/>
+              </p:cNvPicPr>
+              <p:nvPr/>
+            </p:nvPicPr>
+            <p:blipFill>
+              <a:blip r:embed="rId13">
+                <a:extLst>
+                  <a:ext uri="{96DAC541-7B7A-43D3-8B79-37D633B846F1}">
+                    <asvg:svgBlip xmlns:asvg="http://schemas.microsoft.com/office/drawing/2016/SVG/main" r:embed="rId14"/>
+                  </a:ext>
+                </a:extLst>
+              </a:blip>
+              <a:stretch>
+                <a:fillRect/>
+              </a:stretch>
+            </p:blipFill>
+            <p:spPr>
+              <a:xfrm>
+                <a:off x="950470" y="6020678"/>
+                <a:ext cx="345617" cy="345617"/>
+              </a:xfrm>
+              <a:prstGeom prst="rect">
+                <a:avLst/>
+              </a:prstGeom>
+            </p:spPr>
+          </p:pic>
+          <p:sp>
+            <p:nvSpPr>
+              <p:cNvPr id="69" name="Rectangle 68">
+                <a:extLst>
+                  <a:ext uri="{FF2B5EF4-FFF2-40B4-BE49-F238E27FC236}">
+                    <a16:creationId xmlns:a16="http://schemas.microsoft.com/office/drawing/2014/main" id="{9A437272-F3BE-DAE9-E93C-7543F14BDFE3}"/>
+                  </a:ext>
+                </a:extLst>
+              </p:cNvPr>
+              <p:cNvSpPr/>
+              <p:nvPr/>
+            </p:nvSpPr>
+            <p:spPr>
+              <a:xfrm>
+                <a:off x="1386187" y="5155976"/>
+                <a:ext cx="1052213" cy="246221"/>
+              </a:xfrm>
+              <a:prstGeom prst="rect">
+                <a:avLst/>
+              </a:prstGeom>
+            </p:spPr>
+            <p:txBody>
+              <a:bodyPr wrap="square">
+                <a:spAutoFit/>
+              </a:bodyPr>
+              <a:lstStyle/>
+              <a:p>
+                <a:r>
+                  <a:rPr lang="en-US" sz="1000" dirty="0">
+                    <a:solidFill>
+                      <a:sysClr val="windowText" lastClr="000000"/>
+                    </a:solidFill>
+                    <a:latin typeface="Helvetica" pitchFamily="2" charset="0"/>
+                  </a:rPr>
+                  <a:t>Non-Arbitrary</a:t>
+                </a:r>
+                <a:endParaRPr lang="en-US" sz="1000" dirty="0"/>
+              </a:p>
+            </p:txBody>
+          </p:sp>
+          <p:sp>
+            <p:nvSpPr>
+              <p:cNvPr id="70" name="Rectangle 69">
+                <a:extLst>
+                  <a:ext uri="{FF2B5EF4-FFF2-40B4-BE49-F238E27FC236}">
+                    <a16:creationId xmlns:a16="http://schemas.microsoft.com/office/drawing/2014/main" id="{20169939-BD65-2C80-F620-D7167DE44F93}"/>
+                  </a:ext>
+                </a:extLst>
+              </p:cNvPr>
+              <p:cNvSpPr/>
+              <p:nvPr/>
+            </p:nvSpPr>
+            <p:spPr>
+              <a:xfrm>
+                <a:off x="130146" y="5165388"/>
+                <a:ext cx="1054551" cy="307777"/>
+              </a:xfrm>
+              <a:prstGeom prst="rect">
+                <a:avLst/>
+              </a:prstGeom>
+            </p:spPr>
+            <p:txBody>
+              <a:bodyPr wrap="square">
+                <a:spAutoFit/>
+              </a:bodyPr>
+              <a:lstStyle/>
+              <a:p>
+                <a:r>
+                  <a:rPr lang="en-US" sz="1400" b="1" dirty="0">
+                    <a:solidFill>
+                      <a:sysClr val="windowText" lastClr="000000"/>
+                    </a:solidFill>
+                    <a:latin typeface="Helvetica" pitchFamily="2" charset="0"/>
+                  </a:rPr>
+                  <a:t>Arbitrary!</a:t>
+                </a:r>
+                <a:endParaRPr lang="en-US" sz="1400" dirty="0"/>
+              </a:p>
+            </p:txBody>
+          </p:sp>
+        </p:grpSp>
+        <p:sp>
+          <p:nvSpPr>
+            <p:cNvPr id="52" name="Rectangle 51">
+              <a:extLst>
+                <a:ext uri="{FF2B5EF4-FFF2-40B4-BE49-F238E27FC236}">
+                  <a16:creationId xmlns:a16="http://schemas.microsoft.com/office/drawing/2014/main" id="{64A77D23-EE47-AA2B-1D7B-BAF3F23DDC9C}"/>
+                </a:ext>
+              </a:extLst>
+            </p:cNvPr>
+            <p:cNvSpPr/>
+            <p:nvPr/>
+          </p:nvSpPr>
+          <p:spPr>
+            <a:xfrm>
+              <a:off x="1940720" y="5140265"/>
+              <a:ext cx="1052213" cy="246221"/>
+            </a:xfrm>
+            <a:prstGeom prst="rect">
+              <a:avLst/>
+            </a:prstGeom>
+          </p:spPr>
+          <p:txBody>
+            <a:bodyPr wrap="square">
+              <a:spAutoFit/>
+            </a:bodyPr>
+            <a:lstStyle/>
+            <a:p>
+              <a:r>
+                <a:rPr lang="en-US" sz="1000" dirty="0">
+                  <a:solidFill>
+                    <a:sysClr val="windowText" lastClr="000000"/>
+                  </a:solidFill>
+                  <a:latin typeface="Helvetica" pitchFamily="2" charset="0"/>
+                </a:rPr>
+                <a:t>Non-Arbitrary</a:t>
+              </a:r>
+              <a:endParaRPr lang="en-US" sz="1000" dirty="0"/>
+            </a:p>
+          </p:txBody>
+        </p:sp>
+        <p:sp>
+          <p:nvSpPr>
+            <p:cNvPr id="55" name="Rectangle 54">
+              <a:extLst>
+                <a:ext uri="{FF2B5EF4-FFF2-40B4-BE49-F238E27FC236}">
+                  <a16:creationId xmlns:a16="http://schemas.microsoft.com/office/drawing/2014/main" id="{01A0702B-5F54-7125-9993-F69C636B66A8}"/>
+                </a:ext>
+              </a:extLst>
+            </p:cNvPr>
+            <p:cNvSpPr/>
+            <p:nvPr/>
+          </p:nvSpPr>
+          <p:spPr>
+            <a:xfrm>
+              <a:off x="728797" y="5298806"/>
+              <a:ext cx="1052213" cy="246221"/>
+            </a:xfrm>
+            <a:prstGeom prst="rect">
+              <a:avLst/>
+            </a:prstGeom>
+          </p:spPr>
+          <p:txBody>
+            <a:bodyPr wrap="square">
+              <a:spAutoFit/>
+            </a:bodyPr>
+            <a:lstStyle/>
+            <a:p>
+              <a:r>
+                <a:rPr lang="en-US" sz="1000" dirty="0">
+                  <a:solidFill>
+                    <a:sysClr val="windowText" lastClr="000000"/>
+                  </a:solidFill>
+                  <a:latin typeface="Helvetica" pitchFamily="2" charset="0"/>
+                </a:rPr>
+                <a:t>Non-Arbitrary</a:t>
+              </a:r>
+              <a:endParaRPr lang="en-US" sz="1000" dirty="0"/>
+            </a:p>
+          </p:txBody>
+        </p:sp>
+      </p:grpSp>
+      <p:pic>
+        <p:nvPicPr>
+          <p:cNvPr id="71" name="Graphic 70" descr="Bar chart">
+            <a:extLst>
+              <a:ext uri="{FF2B5EF4-FFF2-40B4-BE49-F238E27FC236}">
+                <a16:creationId xmlns:a16="http://schemas.microsoft.com/office/drawing/2014/main" id="{D0112CEB-F560-2264-8439-31FCA07F5148}"/>
+              </a:ext>
+            </a:extLst>
+          </p:cNvPr>
+          <p:cNvPicPr>
+            <a:picLocks noChangeAspect="1"/>
+          </p:cNvPicPr>
+          <p:nvPr/>
+        </p:nvPicPr>
+        <p:blipFill>
+          <a:blip r:embed="rId15">
+            <a:extLst>
+              <a:ext uri="{96DAC541-7B7A-43D3-8B79-37D633B846F1}">
+                <asvg:svgBlip xmlns:asvg="http://schemas.microsoft.com/office/drawing/2016/SVG/main" r:embed="rId16"/>
+              </a:ext>
+            </a:extLst>
+          </a:blip>
+          <a:stretch>
+            <a:fillRect/>
+          </a:stretch>
+        </p:blipFill>
+        <p:spPr>
+          <a:xfrm>
+            <a:off x="10995923" y="4625005"/>
+            <a:ext cx="914400" cy="914400"/>
+          </a:xfrm>
+          <a:prstGeom prst="rect">
+            <a:avLst/>
+          </a:prstGeom>
+        </p:spPr>
+      </p:pic>
+      <p:pic>
+        <p:nvPicPr>
+          <p:cNvPr id="74" name="Graphic 73" descr="Line arrow Straight">
+            <a:extLst>
+              <a:ext uri="{FF2B5EF4-FFF2-40B4-BE49-F238E27FC236}">
+                <a16:creationId xmlns:a16="http://schemas.microsoft.com/office/drawing/2014/main" id="{C9B71293-0719-6478-280C-ECFBBEDE74B9}"/>
+              </a:ext>
+            </a:extLst>
+          </p:cNvPr>
+          <p:cNvPicPr>
+            <a:picLocks noChangeAspect="1"/>
+          </p:cNvPicPr>
+          <p:nvPr/>
+        </p:nvPicPr>
+        <p:blipFill>
+          <a:blip r:embed="rId17">
+            <a:extLst>
+              <a:ext uri="{96DAC541-7B7A-43D3-8B79-37D633B846F1}">
+                <asvg:svgBlip xmlns:asvg="http://schemas.microsoft.com/office/drawing/2016/SVG/main" r:embed="rId18"/>
+              </a:ext>
+            </a:extLst>
+          </a:blip>
+          <a:stretch>
+            <a:fillRect/>
+          </a:stretch>
+        </p:blipFill>
+        <p:spPr>
+          <a:xfrm flipH="1">
+            <a:off x="10713201" y="4918126"/>
+            <a:ext cx="328158" cy="328158"/>
+          </a:xfrm>
+          <a:prstGeom prst="rect">
+            <a:avLst/>
+          </a:prstGeom>
+        </p:spPr>
+      </p:pic>
+      <p:sp>
+        <p:nvSpPr>
+          <p:cNvPr id="10" name="Title 1">
+            <a:extLst>
+              <a:ext uri="{FF2B5EF4-FFF2-40B4-BE49-F238E27FC236}">
+                <a16:creationId xmlns:a16="http://schemas.microsoft.com/office/drawing/2014/main" id="{74FD4108-6E96-974A-F3DB-1C38A82839EB}"/>
+              </a:ext>
+            </a:extLst>
+          </p:cNvPr>
+          <p:cNvSpPr>
+            <a:spLocks noGrp="1"/>
+          </p:cNvSpPr>
+          <p:nvPr>
+            <p:ph type="title"/>
+          </p:nvPr>
+        </p:nvSpPr>
+        <p:spPr>
+          <a:xfrm>
+            <a:off x="838200" y="365125"/>
+            <a:ext cx="10515600" cy="1325563"/>
+          </a:xfrm>
+        </p:spPr>
+        <p:txBody>
+          <a:bodyPr>
+            <a:normAutofit/>
+          </a:bodyPr>
+          <a:lstStyle/>
+          <a:p>
+            <a:r>
+              <a:rPr lang="en-US" sz="4000" b="1" dirty="0">
+                <a:latin typeface="Helvetica" panose="020B0604020202020204" pitchFamily="34" charset="0"/>
+                <a:cs typeface="Helvetica" panose="020B0604020202020204" pitchFamily="34" charset="0"/>
+              </a:rPr>
+              <a:t>Multiverse Analysis</a:t>
+            </a:r>
+          </a:p>
+        </p:txBody>
+      </p:sp>
+    </p:spTree>
+    <p:extLst>
+      <p:ext uri="{BB962C8B-B14F-4D97-AF65-F5344CB8AC3E}">
+        <p14:creationId xmlns:p14="http://schemas.microsoft.com/office/powerpoint/2010/main" val="2095315129"/>
+      </p:ext>
+    </p:extLst>
+  </p:cSld>
+  <p:clrMapOvr>
+    <a:masterClrMapping/>
+  </p:clrMapOvr>
+  <p:timing>
+    <p:tnLst>
+      <p:par>
+        <p:cTn id="1" dur="indefinite" restart="never" nodeType="tmRoot">
+          <p:childTnLst>
+            <p:seq concurrent="1" nextAc="seek">
+              <p:cTn id="2" dur="indefinite" nodeType="mainSeq">
+                <p:childTnLst>
+                  <p:par>
+                    <p:cTn id="3" fill="hold">
+                      <p:stCondLst>
+                        <p:cond delay="indefinite"/>
+                      </p:stCondLst>
+                      <p:childTnLst>
+                        <p:par>
+                          <p:cTn id="4" fill="hold">
+                            <p:stCondLst>
+                              <p:cond delay="0"/>
+                            </p:stCondLst>
+                            <p:childTnLst>
+                              <p:par>
+                                <p:cTn id="5" presetID="1" presetClass="entr" presetSubtype="0" fill="hold" nodeType="clickEffect">
+                                  <p:stCondLst>
+                                    <p:cond delay="0"/>
+                                  </p:stCondLst>
+                                  <p:childTnLst>
+                                    <p:set>
+                                      <p:cBhvr>
+                                        <p:cTn id="6" dur="1" fill="hold">
+                                          <p:stCondLst>
+                                            <p:cond delay="0"/>
+                                          </p:stCondLst>
+                                        </p:cTn>
+                                        <p:tgtEl>
+                                          <p:spTgt spid="46"/>
+                                        </p:tgtEl>
+                                        <p:attrNameLst>
+                                          <p:attrName>style.visibility</p:attrName>
+                                        </p:attrNameLst>
+                                      </p:cBhvr>
+                                      <p:to>
+                                        <p:strVal val="visible"/>
+                                      </p:to>
+                                    </p:set>
+                                  </p:childTnLst>
+                                </p:cTn>
+                              </p:par>
+                            </p:childTnLst>
+                          </p:cTn>
+                        </p:par>
+                      </p:childTnLst>
+                    </p:cTn>
+                  </p:par>
+                  <p:par>
+                    <p:cTn id="7" fill="hold">
+                      <p:stCondLst>
+                        <p:cond delay="indefinite"/>
+                      </p:stCondLst>
+                      <p:childTnLst>
+                        <p:par>
+                          <p:cTn id="8" fill="hold">
+                            <p:stCondLst>
+                              <p:cond delay="0"/>
+                            </p:stCondLst>
+                            <p:childTnLst>
+                              <p:par>
+                                <p:cTn id="9" presetID="1" presetClass="entr" presetSubtype="0" fill="hold" nodeType="clickEffect">
+                                  <p:stCondLst>
+                                    <p:cond delay="0"/>
+                                  </p:stCondLst>
+                                  <p:childTnLst>
+                                    <p:set>
+                                      <p:cBhvr>
+                                        <p:cTn id="10" dur="1" fill="hold">
+                                          <p:stCondLst>
+                                            <p:cond delay="0"/>
+                                          </p:stCondLst>
+                                        </p:cTn>
+                                        <p:tgtEl>
+                                          <p:spTgt spid="6"/>
+                                        </p:tgtEl>
+                                        <p:attrNameLst>
+                                          <p:attrName>style.visibility</p:attrName>
+                                        </p:attrNameLst>
+                                      </p:cBhvr>
+                                      <p:to>
+                                        <p:strVal val="visible"/>
+                                      </p:to>
+                                    </p:set>
+                                  </p:childTnLst>
+                                </p:cTn>
+                              </p:par>
+                            </p:childTnLst>
+                          </p:cTn>
+                        </p:par>
+                      </p:childTnLst>
+                    </p:cTn>
+                  </p:par>
+                  <p:par>
+                    <p:cTn id="11" fill="hold">
+                      <p:stCondLst>
+                        <p:cond delay="indefinite"/>
+                      </p:stCondLst>
+                      <p:childTnLst>
+                        <p:par>
+                          <p:cTn id="12" fill="hold">
+                            <p:stCondLst>
+                              <p:cond delay="0"/>
+                            </p:stCondLst>
+                            <p:childTnLst>
+                              <p:par>
+                                <p:cTn id="13" presetID="1" presetClass="entr" presetSubtype="0" fill="hold" nodeType="clickEffect">
+                                  <p:stCondLst>
+                                    <p:cond delay="0"/>
+                                  </p:stCondLst>
+                                  <p:childTnLst>
+                                    <p:set>
+                                      <p:cBhvr>
+                                        <p:cTn id="14" dur="1" fill="hold">
+                                          <p:stCondLst>
+                                            <p:cond delay="0"/>
+                                          </p:stCondLst>
+                                        </p:cTn>
+                                        <p:tgtEl>
+                                          <p:spTgt spid="41"/>
+                                        </p:tgtEl>
+                                        <p:attrNameLst>
+                                          <p:attrName>style.visibility</p:attrName>
+                                        </p:attrNameLst>
+                                      </p:cBhvr>
+                                      <p:to>
+                                        <p:strVal val="visible"/>
+                                      </p:to>
+                                    </p:set>
+                                  </p:childTnLst>
+                                </p:cTn>
+                              </p:par>
+                            </p:childTnLst>
+                          </p:cTn>
+                        </p:par>
+                      </p:childTnLst>
+                    </p:cTn>
+                  </p:par>
+                  <p:par>
+                    <p:cTn id="15" fill="hold">
+                      <p:stCondLst>
+                        <p:cond delay="indefinite"/>
+                      </p:stCondLst>
+                      <p:childTnLst>
+                        <p:par>
+                          <p:cTn id="16" fill="hold">
+                            <p:stCondLst>
+                              <p:cond delay="0"/>
+                            </p:stCondLst>
+                            <p:childTnLst>
+                              <p:par>
+                                <p:cTn id="17" presetID="1" presetClass="entr" presetSubtype="0" fill="hold" nodeType="clickEffect">
+                                  <p:stCondLst>
+                                    <p:cond delay="0"/>
+                                  </p:stCondLst>
+                                  <p:childTnLst>
+                                    <p:set>
+                                      <p:cBhvr>
+                                        <p:cTn id="18" dur="1" fill="hold">
+                                          <p:stCondLst>
+                                            <p:cond delay="0"/>
+                                          </p:stCondLst>
+                                        </p:cTn>
+                                        <p:tgtEl>
+                                          <p:spTgt spid="71"/>
+                                        </p:tgtEl>
+                                        <p:attrNameLst>
+                                          <p:attrName>style.visibility</p:attrName>
+                                        </p:attrNameLst>
+                                      </p:cBhvr>
+                                      <p:to>
+                                        <p:strVal val="visible"/>
+                                      </p:to>
+                                    </p:set>
+                                  </p:childTnLst>
+                                </p:cTn>
+                              </p:par>
+                              <p:par>
+                                <p:cTn id="19" presetID="1" presetClass="entr" presetSubtype="0" fill="hold" nodeType="withEffect">
+                                  <p:stCondLst>
+                                    <p:cond delay="0"/>
+                                  </p:stCondLst>
+                                  <p:childTnLst>
+                                    <p:set>
+                                      <p:cBhvr>
+                                        <p:cTn id="20" dur="1" fill="hold">
+                                          <p:stCondLst>
+                                            <p:cond delay="0"/>
+                                          </p:stCondLst>
+                                        </p:cTn>
+                                        <p:tgtEl>
+                                          <p:spTgt spid="74"/>
+                                        </p:tgtEl>
+                                        <p:attrNameLst>
+                                          <p:attrName>style.visibility</p:attrName>
+                                        </p:attrNameLst>
+                                      </p:cBhvr>
+                                      <p:to>
+                                        <p:strVal val="visible"/>
+                                      </p:to>
+                                    </p:set>
+                                  </p:childTnLst>
+                                </p:cTn>
+                              </p:par>
+                              <p:par>
+                                <p:cTn id="21" presetID="1" presetClass="entr" presetSubtype="0" fill="hold" nodeType="withEffect">
+                                  <p:stCondLst>
+                                    <p:cond delay="0"/>
+                                  </p:stCondLst>
+                                  <p:childTnLst>
+                                    <p:set>
+                                      <p:cBhvr>
+                                        <p:cTn id="22" dur="1" fill="hold">
+                                          <p:stCondLst>
+                                            <p:cond delay="0"/>
+                                          </p:stCondLst>
+                                        </p:cTn>
+                                        <p:tgtEl>
+                                          <p:spTgt spid="3"/>
+                                        </p:tgtEl>
+                                        <p:attrNameLst>
+                                          <p:attrName>style.visibility</p:attrName>
+                                        </p:attrNameLst>
+                                      </p:cBhvr>
+                                      <p:to>
+                                        <p:strVal val="visible"/>
+                                      </p:to>
+                                    </p:set>
+                                  </p:childTnLst>
+                                </p:cTn>
+                              </p:par>
+                            </p:childTnLst>
+                          </p:cTn>
+                        </p:par>
+                      </p:childTnLst>
+                    </p:cTn>
+                  </p:par>
+                </p:childTnLst>
+              </p:cTn>
+              <p:prevCondLst>
+                <p:cond evt="onPrev" delay="0">
+                  <p:tgtEl>
+                    <p:sldTgt/>
+                  </p:tgtEl>
+                </p:cond>
+              </p:prevCondLst>
+              <p:nextCondLst>
+                <p:cond evt="onNext" delay="0">
+                  <p:tgtEl>
+                    <p:sldTgt/>
+                  </p:tgtEl>
+                </p:cond>
+              </p:nextCondLst>
+            </p:seq>
+          </p:childTnLst>
+        </p:cTn>
+      </p:par>
+    </p:tnLst>
+  </p:timing>
+</p:sld>
+</file>
+
+<file path=ppt/slides/slide11.xml><?xml version="1.0" encoding="utf-8"?>
+<p:sld xmlns:a="http://schemas.openxmlformats.org/drawingml/2006/main" xmlns:r="http://schemas.openxmlformats.org/officeDocument/2006/relationships" xmlns:p="http://schemas.openxmlformats.org/presentationml/2006/main">
+  <p:cSld>
+    <p:spTree>
+      <p:nvGrpSpPr>
+        <p:cNvPr id="1" name=""/>
+        <p:cNvGrpSpPr/>
+        <p:nvPr/>
+      </p:nvGrpSpPr>
+      <p:grpSpPr>
+        <a:xfrm>
+          <a:off x="0" y="0"/>
+          <a:ext cx="0" cy="0"/>
+          <a:chOff x="0" y="0"/>
+          <a:chExt cx="0" cy="0"/>
+        </a:xfrm>
+      </p:grpSpPr>
       <p:sp>
         <p:nvSpPr>
           <p:cNvPr id="2" name="TextBox 1">
@@ -6785,7 +8470,7 @@
 </p:sld>
 </file>
 
-<file path=ppt/slides/slide11.xml><?xml version="1.0" encoding="utf-8"?>
+<file path=ppt/slides/slide12.xml><?xml version="1.0" encoding="utf-8"?>
 <p:sld xmlns:a="http://schemas.openxmlformats.org/drawingml/2006/main" xmlns:r="http://schemas.openxmlformats.org/officeDocument/2006/relationships" xmlns:p="http://schemas.openxmlformats.org/presentationml/2006/main">
   <p:cSld>
     <p:spTree>
@@ -7503,7 +9188,7 @@
 </p:sld>
 </file>
 
-<file path=ppt/slides/slide12.xml><?xml version="1.0" encoding="utf-8"?>
+<file path=ppt/slides/slide13.xml><?xml version="1.0" encoding="utf-8"?>
 <p:sld xmlns:a="http://schemas.openxmlformats.org/drawingml/2006/main" xmlns:r="http://schemas.openxmlformats.org/officeDocument/2006/relationships" xmlns:p="http://schemas.openxmlformats.org/presentationml/2006/main">
   <p:cSld>
     <p:spTree>
@@ -8091,141 +9776,6 @@
     <p:extLst>
       <p:ext uri="{BB962C8B-B14F-4D97-AF65-F5344CB8AC3E}">
         <p14:creationId xmlns:p14="http://schemas.microsoft.com/office/powerpoint/2010/main" val="1500945545"/>
-      </p:ext>
-    </p:extLst>
-  </p:cSld>
-  <p:clrMapOvr>
-    <a:masterClrMapping/>
-  </p:clrMapOvr>
-</p:sld>
-</file>
-
-<file path=ppt/slides/slide13.xml><?xml version="1.0" encoding="utf-8"?>
-<p:sld xmlns:a="http://schemas.openxmlformats.org/drawingml/2006/main" xmlns:r="http://schemas.openxmlformats.org/officeDocument/2006/relationships" xmlns:p="http://schemas.openxmlformats.org/presentationml/2006/main">
-  <p:cSld>
-    <p:spTree>
-      <p:nvGrpSpPr>
-        <p:cNvPr id="1" name=""/>
-        <p:cNvGrpSpPr/>
-        <p:nvPr/>
-      </p:nvGrpSpPr>
-      <p:grpSpPr>
-        <a:xfrm>
-          <a:off x="0" y="0"/>
-          <a:ext cx="0" cy="0"/>
-          <a:chOff x="0" y="0"/>
-          <a:chExt cx="0" cy="0"/>
-        </a:xfrm>
-      </p:grpSpPr>
-      <p:sp>
-        <p:nvSpPr>
-          <p:cNvPr id="3" name="Content Placeholder 2">
-            <a:extLst>
-              <a:ext uri="{FF2B5EF4-FFF2-40B4-BE49-F238E27FC236}">
-                <a16:creationId xmlns:a16="http://schemas.microsoft.com/office/drawing/2014/main" id="{A633555A-E5E3-3AD3-9FCA-5191A2ED594F}"/>
-              </a:ext>
-            </a:extLst>
-          </p:cNvPr>
-          <p:cNvSpPr>
-            <a:spLocks noGrp="1"/>
-          </p:cNvSpPr>
-          <p:nvPr>
-            <p:ph idx="1"/>
-          </p:nvPr>
-        </p:nvSpPr>
-        <p:spPr/>
-        <p:txBody>
-          <a:bodyPr>
-            <a:normAutofit/>
-          </a:bodyPr>
-          <a:lstStyle/>
-          <a:p>
-            <a:pPr marL="0" indent="0">
-              <a:buNone/>
-            </a:pPr>
-            <a:endParaRPr lang="en-GB" sz="2400" dirty="0">
-              <a:latin typeface="Helvetica" panose="020B0604020202020204" pitchFamily="34" charset="0"/>
-              <a:cs typeface="Helvetica" panose="020B0604020202020204" pitchFamily="34" charset="0"/>
-            </a:endParaRPr>
-          </a:p>
-          <a:p>
-            <a:pPr marL="0" indent="0">
-              <a:buNone/>
-            </a:pPr>
-            <a:br>
-              <a:rPr lang="en-GB" sz="2400" dirty="0">
-                <a:latin typeface="Helvetica" panose="020B0604020202020204" pitchFamily="34" charset="0"/>
-                <a:cs typeface="Helvetica" panose="020B0604020202020204" pitchFamily="34" charset="0"/>
-              </a:rPr>
-            </a:br>
-            <a:r>
-              <a:rPr lang="en-GB" sz="2400" dirty="0">
-                <a:latin typeface="Helvetica" panose="020B0604020202020204" pitchFamily="34" charset="0"/>
-                <a:cs typeface="Helvetica" panose="020B0604020202020204" pitchFamily="34" charset="0"/>
-              </a:rPr>
-              <a:t>Creating a multiverse for your own project (present or past)</a:t>
-            </a:r>
-          </a:p>
-          <a:p>
-            <a:pPr lvl="1"/>
-            <a:r>
-              <a:rPr lang="en-GB" sz="2000" dirty="0">
-                <a:latin typeface="Helvetica" panose="020B0604020202020204" pitchFamily="34" charset="0"/>
-                <a:cs typeface="Helvetica" panose="020B0604020202020204" pitchFamily="34" charset="0"/>
-              </a:rPr>
-              <a:t>Solo (You may also collaborate with others)</a:t>
-            </a:r>
-            <a:endParaRPr lang="LID4096" sz="2000" dirty="0">
-              <a:latin typeface="Helvetica" panose="020B0604020202020204" pitchFamily="34" charset="0"/>
-              <a:cs typeface="Helvetica" panose="020B0604020202020204" pitchFamily="34" charset="0"/>
-            </a:endParaRPr>
-          </a:p>
-        </p:txBody>
-      </p:sp>
-      <p:sp>
-        <p:nvSpPr>
-          <p:cNvPr id="4" name="Title 1">
-            <a:extLst>
-              <a:ext uri="{FF2B5EF4-FFF2-40B4-BE49-F238E27FC236}">
-                <a16:creationId xmlns:a16="http://schemas.microsoft.com/office/drawing/2014/main" id="{296A3DAC-8496-89D5-E935-19950B8CA0C5}"/>
-              </a:ext>
-            </a:extLst>
-          </p:cNvPr>
-          <p:cNvSpPr>
-            <a:spLocks noGrp="1"/>
-          </p:cNvSpPr>
-          <p:nvPr>
-            <p:ph type="title"/>
-          </p:nvPr>
-        </p:nvSpPr>
-        <p:spPr>
-          <a:xfrm>
-            <a:off x="838200" y="365125"/>
-            <a:ext cx="10515600" cy="1325563"/>
-          </a:xfrm>
-        </p:spPr>
-        <p:txBody>
-          <a:bodyPr/>
-          <a:lstStyle/>
-          <a:p>
-            <a:r>
-              <a:rPr lang="en-US" sz="4000" b="1" dirty="0">
-                <a:latin typeface="Helvetica" panose="020B0604020202020204" pitchFamily="34" charset="0"/>
-                <a:cs typeface="Helvetica" panose="020B0604020202020204" pitchFamily="34" charset="0"/>
-              </a:rPr>
-              <a:t>Exercise</a:t>
-            </a:r>
-            <a:endParaRPr lang="en-US" b="1" dirty="0">
-              <a:latin typeface="Helvetica" panose="020B0604020202020204" pitchFamily="34" charset="0"/>
-              <a:cs typeface="Helvetica" panose="020B0604020202020204" pitchFamily="34" charset="0"/>
-            </a:endParaRPr>
-          </a:p>
-        </p:txBody>
-      </p:sp>
-    </p:spTree>
-    <p:extLst>
-      <p:ext uri="{BB962C8B-B14F-4D97-AF65-F5344CB8AC3E}">
-        <p14:creationId xmlns:p14="http://schemas.microsoft.com/office/powerpoint/2010/main" val="2589713203"/>
       </p:ext>
     </p:extLst>
   </p:cSld>
@@ -8257,6 +9807,179 @@
           <p:cNvPr id="3" name="Content Placeholder 2">
             <a:extLst>
               <a:ext uri="{FF2B5EF4-FFF2-40B4-BE49-F238E27FC236}">
+                <a16:creationId xmlns:a16="http://schemas.microsoft.com/office/drawing/2014/main" id="{A633555A-E5E3-3AD3-9FCA-5191A2ED594F}"/>
+              </a:ext>
+            </a:extLst>
+          </p:cNvPr>
+          <p:cNvSpPr>
+            <a:spLocks noGrp="1"/>
+          </p:cNvSpPr>
+          <p:nvPr>
+            <p:ph idx="1"/>
+          </p:nvPr>
+        </p:nvSpPr>
+        <p:spPr/>
+        <p:txBody>
+          <a:bodyPr>
+            <a:normAutofit/>
+          </a:bodyPr>
+          <a:lstStyle/>
+          <a:p>
+            <a:pPr marL="0" indent="0">
+              <a:buNone/>
+            </a:pPr>
+            <a:endParaRPr lang="en-GB" sz="2400" dirty="0">
+              <a:latin typeface="Helvetica" panose="020B0604020202020204" pitchFamily="34" charset="0"/>
+              <a:cs typeface="Helvetica" panose="020B0604020202020204" pitchFamily="34" charset="0"/>
+            </a:endParaRPr>
+          </a:p>
+          <a:p>
+            <a:pPr marL="0" indent="0">
+              <a:buNone/>
+            </a:pPr>
+            <a:br>
+              <a:rPr lang="en-GB" sz="2400" dirty="0">
+                <a:latin typeface="Helvetica" panose="020B0604020202020204" pitchFamily="34" charset="0"/>
+                <a:cs typeface="Helvetica" panose="020B0604020202020204" pitchFamily="34" charset="0"/>
+              </a:rPr>
+            </a:br>
+            <a:r>
+              <a:rPr lang="en-GB" sz="2400" dirty="0">
+                <a:latin typeface="Helvetica" panose="020B0604020202020204" pitchFamily="34" charset="0"/>
+                <a:cs typeface="Helvetica" panose="020B0604020202020204" pitchFamily="34" charset="0"/>
+              </a:rPr>
+              <a:t>Creating a multiverse for your own project (present or past)</a:t>
+            </a:r>
+          </a:p>
+          <a:p>
+            <a:pPr lvl="1"/>
+            <a:r>
+              <a:rPr lang="en-GB" sz="2000" dirty="0">
+                <a:latin typeface="Helvetica" panose="020B0604020202020204" pitchFamily="34" charset="0"/>
+                <a:cs typeface="Helvetica" panose="020B0604020202020204" pitchFamily="34" charset="0"/>
+              </a:rPr>
+              <a:t>Solo (You may also collaborate with others)</a:t>
+            </a:r>
+          </a:p>
+          <a:p>
+            <a:pPr lvl="1"/>
+            <a:endParaRPr lang="en-GB" sz="2000" dirty="0">
+              <a:latin typeface="Helvetica" panose="020B0604020202020204" pitchFamily="34" charset="0"/>
+              <a:cs typeface="Helvetica" panose="020B0604020202020204" pitchFamily="34" charset="0"/>
+            </a:endParaRPr>
+          </a:p>
+          <a:p>
+            <a:pPr lvl="1"/>
+            <a:endParaRPr lang="en-GB" sz="2000" dirty="0">
+              <a:latin typeface="Helvetica" panose="020B0604020202020204" pitchFamily="34" charset="0"/>
+              <a:cs typeface="Helvetica" panose="020B0604020202020204" pitchFamily="34" charset="0"/>
+            </a:endParaRPr>
+          </a:p>
+          <a:p>
+            <a:pPr marL="0" indent="0">
+              <a:buNone/>
+            </a:pPr>
+            <a:r>
+              <a:rPr lang="en-GB" sz="2400" dirty="0">
+                <a:latin typeface="Helvetica" panose="020B0604020202020204" pitchFamily="34" charset="0"/>
+                <a:cs typeface="Helvetica" panose="020B0604020202020204" pitchFamily="34" charset="0"/>
+              </a:rPr>
+              <a:t>Go to: </a:t>
+            </a:r>
+            <a:r>
+              <a:rPr lang="LID4096" sz="2400" dirty="0">
+                <a:latin typeface="Helvetica" panose="020B0604020202020204" pitchFamily="34" charset="0"/>
+                <a:cs typeface="Helvetica" panose="020B0604020202020204" pitchFamily="34" charset="0"/>
+              </a:rPr>
+              <a:t>https://osf.io/8ecdz/</a:t>
+            </a:r>
+          </a:p>
+          <a:p>
+            <a:pPr marL="0" indent="0">
+              <a:buNone/>
+            </a:pPr>
+            <a:endParaRPr lang="LID4096" sz="2400" dirty="0">
+              <a:latin typeface="Helvetica" panose="020B0604020202020204" pitchFamily="34" charset="0"/>
+              <a:cs typeface="Helvetica" panose="020B0604020202020204" pitchFamily="34" charset="0"/>
+            </a:endParaRPr>
+          </a:p>
+        </p:txBody>
+      </p:sp>
+      <p:sp>
+        <p:nvSpPr>
+          <p:cNvPr id="4" name="Title 1">
+            <a:extLst>
+              <a:ext uri="{FF2B5EF4-FFF2-40B4-BE49-F238E27FC236}">
+                <a16:creationId xmlns:a16="http://schemas.microsoft.com/office/drawing/2014/main" id="{296A3DAC-8496-89D5-E935-19950B8CA0C5}"/>
+              </a:ext>
+            </a:extLst>
+          </p:cNvPr>
+          <p:cNvSpPr>
+            <a:spLocks noGrp="1"/>
+          </p:cNvSpPr>
+          <p:nvPr>
+            <p:ph type="title"/>
+          </p:nvPr>
+        </p:nvSpPr>
+        <p:spPr>
+          <a:xfrm>
+            <a:off x="838200" y="365125"/>
+            <a:ext cx="10515600" cy="1325563"/>
+          </a:xfrm>
+        </p:spPr>
+        <p:txBody>
+          <a:bodyPr/>
+          <a:lstStyle/>
+          <a:p>
+            <a:r>
+              <a:rPr lang="en-US" sz="4000" b="1" dirty="0">
+                <a:latin typeface="Helvetica" panose="020B0604020202020204" pitchFamily="34" charset="0"/>
+                <a:cs typeface="Helvetica" panose="020B0604020202020204" pitchFamily="34" charset="0"/>
+              </a:rPr>
+              <a:t>Exercise</a:t>
+            </a:r>
+            <a:endParaRPr lang="en-US" b="1" dirty="0">
+              <a:latin typeface="Helvetica" panose="020B0604020202020204" pitchFamily="34" charset="0"/>
+              <a:cs typeface="Helvetica" panose="020B0604020202020204" pitchFamily="34" charset="0"/>
+            </a:endParaRPr>
+          </a:p>
+        </p:txBody>
+      </p:sp>
+    </p:spTree>
+    <p:extLst>
+      <p:ext uri="{BB962C8B-B14F-4D97-AF65-F5344CB8AC3E}">
+        <p14:creationId xmlns:p14="http://schemas.microsoft.com/office/powerpoint/2010/main" val="2589713203"/>
+      </p:ext>
+    </p:extLst>
+  </p:cSld>
+  <p:clrMapOvr>
+    <a:masterClrMapping/>
+  </p:clrMapOvr>
+</p:sld>
+</file>
+
+<file path=ppt/slides/slide15.xml><?xml version="1.0" encoding="utf-8"?>
+<p:sld xmlns:a="http://schemas.openxmlformats.org/drawingml/2006/main" xmlns:r="http://schemas.openxmlformats.org/officeDocument/2006/relationships" xmlns:p="http://schemas.openxmlformats.org/presentationml/2006/main">
+  <p:cSld>
+    <p:spTree>
+      <p:nvGrpSpPr>
+        <p:cNvPr id="1" name=""/>
+        <p:cNvGrpSpPr/>
+        <p:nvPr/>
+      </p:nvGrpSpPr>
+      <p:grpSpPr>
+        <a:xfrm>
+          <a:off x="0" y="0"/>
+          <a:ext cx="0" cy="0"/>
+          <a:chOff x="0" y="0"/>
+          <a:chExt cx="0" cy="0"/>
+        </a:xfrm>
+      </p:grpSpPr>
+      <p:sp>
+        <p:nvSpPr>
+          <p:cNvPr id="3" name="Content Placeholder 2">
+            <a:extLst>
+              <a:ext uri="{FF2B5EF4-FFF2-40B4-BE49-F238E27FC236}">
                 <a16:creationId xmlns:a16="http://schemas.microsoft.com/office/drawing/2014/main" id="{6EEA6167-AD1A-AA49-B2AE-834BA3CEE338}"/>
               </a:ext>
             </a:extLst>
@@ -8490,7 +10213,330 @@
 </p:sld>
 </file>
 
-<file path=ppt/slides/slide15.xml><?xml version="1.0" encoding="utf-8"?>
+<file path=ppt/slides/slide16.xml><?xml version="1.0" encoding="utf-8"?>
+<p:sld xmlns:a="http://schemas.openxmlformats.org/drawingml/2006/main" xmlns:r="http://schemas.openxmlformats.org/officeDocument/2006/relationships" xmlns:p="http://schemas.openxmlformats.org/presentationml/2006/main">
+  <p:cSld>
+    <p:spTree>
+      <p:nvGrpSpPr>
+        <p:cNvPr id="1" name=""/>
+        <p:cNvGrpSpPr/>
+        <p:nvPr/>
+      </p:nvGrpSpPr>
+      <p:grpSpPr>
+        <a:xfrm>
+          <a:off x="0" y="0"/>
+          <a:ext cx="0" cy="0"/>
+          <a:chOff x="0" y="0"/>
+          <a:chExt cx="0" cy="0"/>
+        </a:xfrm>
+      </p:grpSpPr>
+      <p:sp>
+        <p:nvSpPr>
+          <p:cNvPr id="5" name="TextBox 4">
+            <a:extLst>
+              <a:ext uri="{FF2B5EF4-FFF2-40B4-BE49-F238E27FC236}">
+                <a16:creationId xmlns:a16="http://schemas.microsoft.com/office/drawing/2014/main" id="{87EF3E01-047C-1B28-A08E-869F1E7E6498}"/>
+              </a:ext>
+            </a:extLst>
+          </p:cNvPr>
+          <p:cNvSpPr txBox="1"/>
+          <p:nvPr/>
+        </p:nvSpPr>
+        <p:spPr>
+          <a:xfrm>
+            <a:off x="345440" y="277614"/>
+            <a:ext cx="6096000" cy="461665"/>
+          </a:xfrm>
+          <a:prstGeom prst="rect">
+            <a:avLst/>
+          </a:prstGeom>
+          <a:noFill/>
+        </p:spPr>
+        <p:txBody>
+          <a:bodyPr wrap="square">
+            <a:spAutoFit/>
+          </a:bodyPr>
+          <a:lstStyle/>
+          <a:p>
+            <a:pPr marL="0" indent="0">
+              <a:buNone/>
+            </a:pPr>
+            <a:r>
+              <a:rPr lang="en-GB" sz="2400" dirty="0">
+                <a:latin typeface="Helvetica" panose="020B0604020202020204" pitchFamily="34" charset="0"/>
+                <a:cs typeface="Helvetica" panose="020B0604020202020204" pitchFamily="34" charset="0"/>
+              </a:rPr>
+              <a:t>Step 1. Go to: </a:t>
+            </a:r>
+            <a:r>
+              <a:rPr lang="LID4096" sz="2400" dirty="0">
+                <a:latin typeface="Helvetica" panose="020B0604020202020204" pitchFamily="34" charset="0"/>
+                <a:cs typeface="Helvetica" panose="020B0604020202020204" pitchFamily="34" charset="0"/>
+              </a:rPr>
+              <a:t>https://osf.io/8ecdz/</a:t>
+            </a:r>
+          </a:p>
+        </p:txBody>
+      </p:sp>
+      <p:pic>
+        <p:nvPicPr>
+          <p:cNvPr id="7" name="Picture 6">
+            <a:extLst>
+              <a:ext uri="{FF2B5EF4-FFF2-40B4-BE49-F238E27FC236}">
+                <a16:creationId xmlns:a16="http://schemas.microsoft.com/office/drawing/2014/main" id="{2B9D2059-FCC0-6C5C-1B13-83FFBD277055}"/>
+              </a:ext>
+            </a:extLst>
+          </p:cNvPr>
+          <p:cNvPicPr>
+            <a:picLocks noChangeAspect="1"/>
+          </p:cNvPicPr>
+          <p:nvPr/>
+        </p:nvPicPr>
+        <p:blipFill>
+          <a:blip r:embed="rId2"/>
+          <a:stretch>
+            <a:fillRect/>
+          </a:stretch>
+        </p:blipFill>
+        <p:spPr>
+          <a:xfrm>
+            <a:off x="1818640" y="1116964"/>
+            <a:ext cx="5504019" cy="3692472"/>
+          </a:xfrm>
+          <a:prstGeom prst="rect">
+            <a:avLst/>
+          </a:prstGeom>
+        </p:spPr>
+      </p:pic>
+      <p:sp>
+        <p:nvSpPr>
+          <p:cNvPr id="8" name="TextBox 7">
+            <a:extLst>
+              <a:ext uri="{FF2B5EF4-FFF2-40B4-BE49-F238E27FC236}">
+                <a16:creationId xmlns:a16="http://schemas.microsoft.com/office/drawing/2014/main" id="{57A02191-845B-09B3-5D0D-0F137CF66EEC}"/>
+              </a:ext>
+            </a:extLst>
+          </p:cNvPr>
+          <p:cNvSpPr txBox="1"/>
+          <p:nvPr/>
+        </p:nvSpPr>
+        <p:spPr>
+          <a:xfrm>
+            <a:off x="345440" y="1208404"/>
+            <a:ext cx="6096000" cy="461665"/>
+          </a:xfrm>
+          <a:prstGeom prst="rect">
+            <a:avLst/>
+          </a:prstGeom>
+          <a:noFill/>
+        </p:spPr>
+        <p:txBody>
+          <a:bodyPr wrap="square">
+            <a:spAutoFit/>
+          </a:bodyPr>
+          <a:lstStyle/>
+          <a:p>
+            <a:pPr marL="0" indent="0">
+              <a:buNone/>
+            </a:pPr>
+            <a:r>
+              <a:rPr lang="en-GB" sz="2400" dirty="0">
+                <a:latin typeface="Helvetica" panose="020B0604020202020204" pitchFamily="34" charset="0"/>
+                <a:cs typeface="Helvetica" panose="020B0604020202020204" pitchFamily="34" charset="0"/>
+              </a:rPr>
+              <a:t>Step 2.</a:t>
+            </a:r>
+            <a:endParaRPr lang="LID4096" sz="2400" dirty="0">
+              <a:latin typeface="Helvetica" panose="020B0604020202020204" pitchFamily="34" charset="0"/>
+              <a:cs typeface="Helvetica" panose="020B0604020202020204" pitchFamily="34" charset="0"/>
+            </a:endParaRPr>
+          </a:p>
+        </p:txBody>
+      </p:sp>
+      <p:sp>
+        <p:nvSpPr>
+          <p:cNvPr id="9" name="Oval 8">
+            <a:extLst>
+              <a:ext uri="{FF2B5EF4-FFF2-40B4-BE49-F238E27FC236}">
+                <a16:creationId xmlns:a16="http://schemas.microsoft.com/office/drawing/2014/main" id="{A0D18887-339A-9342-4398-C4A5269F11B2}"/>
+              </a:ext>
+            </a:extLst>
+          </p:cNvPr>
+          <p:cNvSpPr/>
+          <p:nvPr/>
+        </p:nvSpPr>
+        <p:spPr>
+          <a:xfrm>
+            <a:off x="2286000" y="4023360"/>
+            <a:ext cx="2164080" cy="325120"/>
+          </a:xfrm>
+          <a:prstGeom prst="ellipse">
+            <a:avLst/>
+          </a:prstGeom>
+          <a:noFill/>
+          <a:ln w="38100">
+            <a:solidFill>
+              <a:srgbClr val="FF0000"/>
+            </a:solidFill>
+          </a:ln>
+        </p:spPr>
+        <p:style>
+          <a:lnRef idx="2">
+            <a:schemeClr val="accent1">
+              <a:shade val="15000"/>
+            </a:schemeClr>
+          </a:lnRef>
+          <a:fillRef idx="1">
+            <a:schemeClr val="accent1"/>
+          </a:fillRef>
+          <a:effectRef idx="0">
+            <a:schemeClr val="accent1"/>
+          </a:effectRef>
+          <a:fontRef idx="minor">
+            <a:schemeClr val="lt1"/>
+          </a:fontRef>
+        </p:style>
+        <p:txBody>
+          <a:bodyPr rtlCol="0" anchor="ctr"/>
+          <a:lstStyle/>
+          <a:p>
+            <a:pPr algn="ctr"/>
+            <a:endParaRPr lang="LID4096"/>
+          </a:p>
+        </p:txBody>
+      </p:sp>
+      <p:sp>
+        <p:nvSpPr>
+          <p:cNvPr id="10" name="Oval 9">
+            <a:extLst>
+              <a:ext uri="{FF2B5EF4-FFF2-40B4-BE49-F238E27FC236}">
+                <a16:creationId xmlns:a16="http://schemas.microsoft.com/office/drawing/2014/main" id="{4C2BE378-206B-B0AF-A3D6-B42591F21B15}"/>
+              </a:ext>
+            </a:extLst>
+          </p:cNvPr>
+          <p:cNvSpPr/>
+          <p:nvPr/>
+        </p:nvSpPr>
+        <p:spPr>
+          <a:xfrm>
+            <a:off x="1940560" y="1885194"/>
+            <a:ext cx="1503680" cy="325120"/>
+          </a:xfrm>
+          <a:prstGeom prst="ellipse">
+            <a:avLst/>
+          </a:prstGeom>
+          <a:noFill/>
+          <a:ln w="38100">
+            <a:solidFill>
+              <a:srgbClr val="FF0000"/>
+            </a:solidFill>
+          </a:ln>
+        </p:spPr>
+        <p:style>
+          <a:lnRef idx="2">
+            <a:schemeClr val="accent1">
+              <a:shade val="15000"/>
+            </a:schemeClr>
+          </a:lnRef>
+          <a:fillRef idx="1">
+            <a:schemeClr val="accent1"/>
+          </a:fillRef>
+          <a:effectRef idx="0">
+            <a:schemeClr val="accent1"/>
+          </a:effectRef>
+          <a:fontRef idx="minor">
+            <a:schemeClr val="lt1"/>
+          </a:fontRef>
+        </p:style>
+        <p:txBody>
+          <a:bodyPr rtlCol="0" anchor="ctr"/>
+          <a:lstStyle/>
+          <a:p>
+            <a:pPr algn="ctr"/>
+            <a:endParaRPr lang="LID4096"/>
+          </a:p>
+        </p:txBody>
+      </p:sp>
+      <p:sp>
+        <p:nvSpPr>
+          <p:cNvPr id="11" name="TextBox 10">
+            <a:extLst>
+              <a:ext uri="{FF2B5EF4-FFF2-40B4-BE49-F238E27FC236}">
+                <a16:creationId xmlns:a16="http://schemas.microsoft.com/office/drawing/2014/main" id="{A978BE89-8A24-C73C-4BA7-A8206E501BD1}"/>
+              </a:ext>
+            </a:extLst>
+          </p:cNvPr>
+          <p:cNvSpPr txBox="1"/>
+          <p:nvPr/>
+        </p:nvSpPr>
+        <p:spPr>
+          <a:xfrm>
+            <a:off x="396240" y="5293584"/>
+            <a:ext cx="10749280" cy="461665"/>
+          </a:xfrm>
+          <a:prstGeom prst="rect">
+            <a:avLst/>
+          </a:prstGeom>
+          <a:noFill/>
+        </p:spPr>
+        <p:txBody>
+          <a:bodyPr wrap="square">
+            <a:spAutoFit/>
+          </a:bodyPr>
+          <a:lstStyle/>
+          <a:p>
+            <a:pPr marL="0" indent="0">
+              <a:buNone/>
+            </a:pPr>
+            <a:r>
+              <a:rPr lang="en-GB" sz="2400" dirty="0">
+                <a:latin typeface="Helvetica" panose="020B0604020202020204" pitchFamily="34" charset="0"/>
+                <a:cs typeface="Helvetica" panose="020B0604020202020204" pitchFamily="34" charset="0"/>
+              </a:rPr>
+              <a:t>Step 3. Unzip folder, then double-click </a:t>
+            </a:r>
+            <a:r>
+              <a:rPr lang="en-GB" sz="2400" b="1" dirty="0">
+                <a:latin typeface="Helvetica" panose="020B0604020202020204" pitchFamily="34" charset="0"/>
+                <a:cs typeface="Helvetica" panose="020B0604020202020204" pitchFamily="34" charset="0"/>
+              </a:rPr>
+              <a:t>multiverse-</a:t>
+            </a:r>
+            <a:r>
+              <a:rPr lang="en-GB" sz="2400" b="1" dirty="0" err="1">
+                <a:latin typeface="Helvetica" panose="020B0604020202020204" pitchFamily="34" charset="0"/>
+                <a:cs typeface="Helvetica" panose="020B0604020202020204" pitchFamily="34" charset="0"/>
+              </a:rPr>
+              <a:t>workshop.Rproj</a:t>
+            </a:r>
+            <a:r>
+              <a:rPr lang="en-GB" sz="2400" dirty="0">
+                <a:latin typeface="Helvetica" panose="020B0604020202020204" pitchFamily="34" charset="0"/>
+                <a:cs typeface="Helvetica" panose="020B0604020202020204" pitchFamily="34" charset="0"/>
+              </a:rPr>
+              <a:t> </a:t>
+            </a:r>
+            <a:endParaRPr lang="LID4096" sz="2400" dirty="0">
+              <a:latin typeface="Helvetica" panose="020B0604020202020204" pitchFamily="34" charset="0"/>
+              <a:cs typeface="Helvetica" panose="020B0604020202020204" pitchFamily="34" charset="0"/>
+            </a:endParaRPr>
+          </a:p>
+        </p:txBody>
+      </p:sp>
+    </p:spTree>
+    <p:extLst>
+      <p:ext uri="{BB962C8B-B14F-4D97-AF65-F5344CB8AC3E}">
+        <p14:creationId xmlns:p14="http://schemas.microsoft.com/office/powerpoint/2010/main" val="2632382382"/>
+      </p:ext>
+    </p:extLst>
+  </p:cSld>
+  <p:clrMapOvr>
+    <a:masterClrMapping/>
+  </p:clrMapOvr>
+</p:sld>
+</file>
+
+<file path=ppt/slides/slide17.xml><?xml version="1.0" encoding="utf-8"?>
 <p:sld xmlns:a="http://schemas.openxmlformats.org/drawingml/2006/main" xmlns:r="http://schemas.openxmlformats.org/officeDocument/2006/relationships" xmlns:p="http://schemas.openxmlformats.org/presentationml/2006/main">
   <p:cSld>
     <p:spTree>
@@ -8700,7 +10746,7 @@
 </p:sld>
 </file>
 
-<file path=ppt/slides/slide16.xml><?xml version="1.0" encoding="utf-8"?>
+<file path=ppt/slides/slide18.xml><?xml version="1.0" encoding="utf-8"?>
 <p:sld xmlns:a="http://schemas.openxmlformats.org/drawingml/2006/main" xmlns:r="http://schemas.openxmlformats.org/officeDocument/2006/relationships" xmlns:p="http://schemas.openxmlformats.org/presentationml/2006/main">
   <p:cSld>
     <p:spTree>
@@ -9417,7 +11463,7 @@
 </p:sld>
 </file>
 
-<file path=ppt/slides/slide17.xml><?xml version="1.0" encoding="utf-8"?>
+<file path=ppt/slides/slide19.xml><?xml version="1.0" encoding="utf-8"?>
 <p:sld xmlns:a="http://schemas.openxmlformats.org/drawingml/2006/main" xmlns:r="http://schemas.openxmlformats.org/officeDocument/2006/relationships" xmlns:p="http://schemas.openxmlformats.org/presentationml/2006/main">
   <p:cSld>
     <p:spTree>
@@ -9659,13 +11705,13 @@
   <p:clrMapOvr>
     <a:masterClrMapping/>
   </p:clrMapOvr>
-  <mc:AlternateContent xmlns:mc="http://schemas.openxmlformats.org/markup-compatibility/2006">
-    <mc:Choice xmlns:p14="http://schemas.microsoft.com/office/powerpoint/2010/main" Requires="p14">
+  <mc:AlternateContent xmlns:mc="http://schemas.openxmlformats.org/markup-compatibility/2006" xmlns:p14="http://schemas.microsoft.com/office/powerpoint/2010/main">
+    <mc:Choice Requires="p14">
       <p:transition spd="med" p14:dur="700">
         <p:fade/>
       </p:transition>
     </mc:Choice>
-    <mc:Fallback>
+    <mc:Fallback xmlns="">
       <p:transition spd="med">
         <p:fade/>
       </p:transition>
@@ -9674,7 +11720,7 @@
 </p:sld>
 </file>
 
-<file path=ppt/slides/slide18.xml><?xml version="1.0" encoding="utf-8"?>
+<file path=ppt/slides/slide2.xml><?xml version="1.0" encoding="utf-8"?>
 <p:sld xmlns:a="http://schemas.openxmlformats.org/drawingml/2006/main" xmlns:r="http://schemas.openxmlformats.org/officeDocument/2006/relationships" xmlns:p="http://schemas.openxmlformats.org/presentationml/2006/main">
   <p:cSld>
     <p:spTree>
@@ -9693,58 +11739,51 @@
       </p:grpSpPr>
       <p:sp>
         <p:nvSpPr>
-          <p:cNvPr id="2" name="Title 1">
+          <p:cNvPr id="3" name="TextBox 2">
             <a:extLst>
               <a:ext uri="{FF2B5EF4-FFF2-40B4-BE49-F238E27FC236}">
-                <a16:creationId xmlns:a16="http://schemas.microsoft.com/office/drawing/2014/main" id="{B4CA76E6-AEB9-9E78-C7AD-6AD921157E5B}"/>
+                <a16:creationId xmlns:a16="http://schemas.microsoft.com/office/drawing/2014/main" id="{BF323392-915D-410B-C360-466BDBF35FA6}"/>
               </a:ext>
             </a:extLst>
           </p:cNvPr>
-          <p:cNvSpPr>
-            <a:spLocks noGrp="1"/>
-          </p:cNvSpPr>
-          <p:nvPr>
-            <p:ph type="title"/>
-          </p:nvPr>
+          <p:cNvSpPr txBox="1"/>
+          <p:nvPr/>
         </p:nvSpPr>
-        <p:spPr/>
+        <p:spPr>
+          <a:xfrm>
+            <a:off x="1833880" y="2828835"/>
+            <a:ext cx="8524240" cy="1323439"/>
+          </a:xfrm>
+          <a:prstGeom prst="rect">
+            <a:avLst/>
+          </a:prstGeom>
+          <a:noFill/>
+        </p:spPr>
         <p:txBody>
-          <a:bodyPr/>
+          <a:bodyPr wrap="square">
+            <a:spAutoFit/>
+          </a:bodyPr>
           <a:lstStyle/>
           <a:p>
-            <a:endParaRPr lang="LID4096"/>
-          </a:p>
-        </p:txBody>
-      </p:sp>
-      <p:sp>
-        <p:nvSpPr>
-          <p:cNvPr id="3" name="Content Placeholder 2">
-            <a:extLst>
-              <a:ext uri="{FF2B5EF4-FFF2-40B4-BE49-F238E27FC236}">
-                <a16:creationId xmlns:a16="http://schemas.microsoft.com/office/drawing/2014/main" id="{456D6FC5-65D3-0A6A-0CB3-D3FBF0CC7891}"/>
-              </a:ext>
-            </a:extLst>
-          </p:cNvPr>
-          <p:cNvSpPr>
-            <a:spLocks noGrp="1"/>
-          </p:cNvSpPr>
-          <p:nvPr>
-            <p:ph idx="1"/>
-          </p:nvPr>
-        </p:nvSpPr>
-        <p:spPr/>
-        <p:txBody>
-          <a:bodyPr/>
-          <a:lstStyle/>
-          <a:p>
-            <a:endParaRPr lang="LID4096"/>
+            <a:pPr algn="ctr"/>
+            <a:r>
+              <a:rPr lang="en-GB" sz="4000" b="1" dirty="0"/>
+              <a:t>Install Quarto:</a:t>
+            </a:r>
+          </a:p>
+          <a:p>
+            <a:pPr algn="ctr"/>
+            <a:r>
+              <a:rPr lang="LID4096" sz="4000" dirty="0"/>
+              <a:t>https://quarto.org/docs/download/</a:t>
+            </a:r>
           </a:p>
         </p:txBody>
       </p:sp>
     </p:spTree>
     <p:extLst>
       <p:ext uri="{BB962C8B-B14F-4D97-AF65-F5344CB8AC3E}">
-        <p14:creationId xmlns:p14="http://schemas.microsoft.com/office/powerpoint/2010/main" val="1916585634"/>
+        <p14:creationId xmlns:p14="http://schemas.microsoft.com/office/powerpoint/2010/main" val="3887629403"/>
       </p:ext>
     </p:extLst>
   </p:cSld>
@@ -9754,7 +11793,7 @@
 </p:sld>
 </file>
 
-<file path=ppt/slides/slide2.xml><?xml version="1.0" encoding="utf-8"?>
+<file path=ppt/slides/slide3.xml><?xml version="1.0" encoding="utf-8"?>
 <p:sld xmlns:a="http://schemas.openxmlformats.org/drawingml/2006/main" xmlns:r="http://schemas.openxmlformats.org/officeDocument/2006/relationships" xmlns:p="http://schemas.openxmlformats.org/presentationml/2006/main">
   <p:cSld>
     <p:spTree>
@@ -9844,7 +11883,7 @@
           <p:nvPr>
             <p:extLst>
               <p:ext uri="{D42A27DB-BD31-4B8C-83A1-F6EECF244321}">
-                <p14:modId xmlns:p14="http://schemas.microsoft.com/office/powerpoint/2010/main" val="4008020791"/>
+                <p14:modId xmlns:p14="http://schemas.microsoft.com/office/powerpoint/2010/main" val="595378589"/>
               </p:ext>
             </p:extLst>
           </p:nvPr>
@@ -9926,7 +11965,7 @@
                     <a:p>
                       <a:r>
                         <a:rPr lang="en-GB" sz="3200" dirty="0"/>
-                        <a:t>1.00pm – 1.30pm</a:t>
+                        <a:t>1.00pm – 1.20pm</a:t>
                       </a:r>
                       <a:endParaRPr lang="LID4096" sz="3200" dirty="0">
                         <a:latin typeface="Helvetica" panose="020B0604020202020204" pitchFamily="34" charset="0"/>
@@ -9967,7 +12006,7 @@
                     <a:p>
                       <a:r>
                         <a:rPr lang="en-GB" sz="3200" dirty="0"/>
-                        <a:t>1.30pm – 2.00pm</a:t>
+                        <a:t>1.20pm – 2.00pm</a:t>
                       </a:r>
                       <a:endParaRPr lang="LID4096" sz="3200" dirty="0">
                         <a:latin typeface="Helvetica" panose="020B0604020202020204" pitchFamily="34" charset="0"/>
@@ -10099,7 +12138,7 @@
 </p:sld>
 </file>
 
-<file path=ppt/slides/slide3.xml><?xml version="1.0" encoding="utf-8"?>
+<file path=ppt/slides/slide4.xml><?xml version="1.0" encoding="utf-8"?>
 <p:sld xmlns:a="http://schemas.openxmlformats.org/drawingml/2006/main" xmlns:r="http://schemas.openxmlformats.org/officeDocument/2006/relationships" xmlns:p="http://schemas.openxmlformats.org/presentationml/2006/main">
   <p:cSld>
     <p:spTree>
@@ -10223,7 +12262,7 @@
 </p:sld>
 </file>
 
-<file path=ppt/slides/slide4.xml><?xml version="1.0" encoding="utf-8"?>
+<file path=ppt/slides/slide5.xml><?xml version="1.0" encoding="utf-8"?>
 <p:sld xmlns:a="http://schemas.openxmlformats.org/drawingml/2006/main" xmlns:r="http://schemas.openxmlformats.org/officeDocument/2006/relationships" xmlns:p="http://schemas.openxmlformats.org/presentationml/2006/main">
   <p:cSld>
     <p:spTree>
@@ -13848,7 +15887,7 @@
 </p:sld>
 </file>
 
-<file path=ppt/slides/slide5.xml><?xml version="1.0" encoding="utf-8"?>
+<file path=ppt/slides/slide6.xml><?xml version="1.0" encoding="utf-8"?>
 <p:sld xmlns:a="http://schemas.openxmlformats.org/drawingml/2006/main" xmlns:r="http://schemas.openxmlformats.org/officeDocument/2006/relationships" xmlns:p="http://schemas.openxmlformats.org/presentationml/2006/main">
   <p:cSld>
     <p:spTree>
@@ -14126,7 +16165,7 @@
 </p:sld>
 </file>
 
-<file path=ppt/slides/slide6.xml><?xml version="1.0" encoding="utf-8"?>
+<file path=ppt/slides/slide7.xml><?xml version="1.0" encoding="utf-8"?>
 <p:sld xmlns:a="http://schemas.openxmlformats.org/drawingml/2006/main" xmlns:r="http://schemas.openxmlformats.org/officeDocument/2006/relationships" xmlns:p="http://schemas.openxmlformats.org/presentationml/2006/main">
   <p:cSld>
     <p:spTree>
@@ -17441,7 +19480,7 @@
 </p:sld>
 </file>
 
-<file path=ppt/slides/slide7.xml><?xml version="1.0" encoding="utf-8"?>
+<file path=ppt/slides/slide8.xml><?xml version="1.0" encoding="utf-8"?>
 <p:sld xmlns:a="http://schemas.openxmlformats.org/drawingml/2006/main" xmlns:r="http://schemas.openxmlformats.org/officeDocument/2006/relationships" xmlns:p="http://schemas.openxmlformats.org/presentationml/2006/main">
   <p:cSld>
     <p:spTree>
@@ -19086,7 +21125,7 @@
 </p:sld>
 </file>
 
-<file path=ppt/slides/slide8.xml><?xml version="1.0" encoding="utf-8"?>
+<file path=ppt/slides/slide9.xml><?xml version="1.0" encoding="utf-8"?>
 <p:sld xmlns:a="http://schemas.openxmlformats.org/drawingml/2006/main" xmlns:r="http://schemas.openxmlformats.org/officeDocument/2006/relationships" xmlns:p="http://schemas.openxmlformats.org/presentationml/2006/main">
   <p:cSld>
     <p:spTree>
@@ -19624,68 +21663,6 @@
             <a:endParaRPr lang="en-US" sz="4000" dirty="0">
               <a:effectLst/>
               <a:latin typeface="Apple Color Emoji" pitchFamily="2" charset="0"/>
-            </a:endParaRPr>
-          </a:p>
-        </p:txBody>
-      </p:sp>
-      <p:sp>
-        <p:nvSpPr>
-          <p:cNvPr id="14" name="Cloud 13">
-            <a:extLst>
-              <a:ext uri="{FF2B5EF4-FFF2-40B4-BE49-F238E27FC236}">
-                <a16:creationId xmlns:a16="http://schemas.microsoft.com/office/drawing/2014/main" id="{19C1FB6E-6669-46A0-F976-C0235447C46B}"/>
-              </a:ext>
-            </a:extLst>
-          </p:cNvPr>
-          <p:cNvSpPr/>
-          <p:nvPr/>
-        </p:nvSpPr>
-        <p:spPr>
-          <a:xfrm>
-            <a:off x="9295961" y="4480269"/>
-            <a:ext cx="2683940" cy="2023788"/>
-          </a:xfrm>
-          <a:prstGeom prst="cloud">
-            <a:avLst/>
-          </a:prstGeom>
-        </p:spPr>
-        <p:style>
-          <a:lnRef idx="2">
-            <a:schemeClr val="accent1">
-              <a:shade val="15000"/>
-            </a:schemeClr>
-          </a:lnRef>
-          <a:fillRef idx="1">
-            <a:schemeClr val="accent1"/>
-          </a:fillRef>
-          <a:effectRef idx="0">
-            <a:schemeClr val="accent1"/>
-          </a:effectRef>
-          <a:fontRef idx="minor">
-            <a:schemeClr val="lt1"/>
-          </a:fontRef>
-        </p:style>
-        <p:txBody>
-          <a:bodyPr rtlCol="0" anchor="ctr"/>
-          <a:lstStyle/>
-          <a:p>
-            <a:pPr algn="ctr"/>
-            <a:r>
-              <a:rPr lang="en-GB" sz="2000" dirty="0">
-                <a:solidFill>
-                  <a:schemeClr val="tx1"/>
-                </a:solidFill>
-                <a:latin typeface="Helvetica" panose="020B0604020202020204" pitchFamily="34" charset="0"/>
-                <a:cs typeface="Helvetica" panose="020B0604020202020204" pitchFamily="34" charset="0"/>
-              </a:rPr>
-              <a:t>Is iterating over model specifications ever justified?</a:t>
-            </a:r>
-            <a:endParaRPr lang="LID4096" sz="2000" dirty="0">
-              <a:solidFill>
-                <a:schemeClr val="tx1"/>
-              </a:solidFill>
-              <a:latin typeface="Helvetica" panose="020B0604020202020204" pitchFamily="34" charset="0"/>
-              <a:cs typeface="Helvetica" panose="020B0604020202020204" pitchFamily="34" charset="0"/>
             </a:endParaRPr>
           </a:p>
         </p:txBody>
@@ -20156,59 +22133,6 @@
                       </p:childTnLst>
                     </p:cTn>
                   </p:par>
-                  <p:par>
-                    <p:cTn id="38" fill="hold">
-                      <p:stCondLst>
-                        <p:cond delay="indefinite"/>
-                      </p:stCondLst>
-                      <p:childTnLst>
-                        <p:par>
-                          <p:cTn id="39" fill="hold">
-                            <p:stCondLst>
-                              <p:cond delay="0"/>
-                            </p:stCondLst>
-                            <p:childTnLst>
-                              <p:par>
-                                <p:cTn id="40" presetID="10" presetClass="entr" presetSubtype="0" fill="hold" grpId="0" nodeType="clickEffect">
-                                  <p:stCondLst>
-                                    <p:cond delay="0"/>
-                                  </p:stCondLst>
-                                  <p:childTnLst>
-                                    <p:set>
-                                      <p:cBhvr>
-                                        <p:cTn id="41" dur="1" fill="hold">
-                                          <p:stCondLst>
-                                            <p:cond delay="0"/>
-                                          </p:stCondLst>
-                                        </p:cTn>
-                                        <p:tgtEl>
-                                          <p:spTgt spid="14"/>
-                                        </p:tgtEl>
-                                        <p:attrNameLst>
-                                          <p:attrName>style.visibility</p:attrName>
-                                        </p:attrNameLst>
-                                      </p:cBhvr>
-                                      <p:to>
-                                        <p:strVal val="visible"/>
-                                      </p:to>
-                                    </p:set>
-                                    <p:animEffect transition="in" filter="fade">
-                                      <p:cBhvr>
-                                        <p:cTn id="42" dur="500"/>
-                                        <p:tgtEl>
-                                          <p:spTgt spid="14"/>
-                                        </p:tgtEl>
-                                      </p:cBhvr>
-                                    </p:animEffect>
-                                  </p:childTnLst>
-                                </p:cTn>
-                              </p:par>
-                            </p:childTnLst>
-                          </p:cTn>
-                        </p:par>
-                      </p:childTnLst>
-                    </p:cTn>
-                  </p:par>
                 </p:childTnLst>
               </p:cTn>
               <p:prevCondLst>
@@ -20239,1574 +22163,7 @@
       <p:bldP spid="8" grpId="0"/>
       <p:bldP spid="12" grpId="0"/>
       <p:bldP spid="13" grpId="0"/>
-      <p:bldP spid="14" grpId="0" animBg="1"/>
     </p:bldLst>
-  </p:timing>
-</p:sld>
-</file>
-
-<file path=ppt/slides/slide9.xml><?xml version="1.0" encoding="utf-8"?>
-<p:sld xmlns:a="http://schemas.openxmlformats.org/drawingml/2006/main" xmlns:r="http://schemas.openxmlformats.org/officeDocument/2006/relationships" xmlns:p="http://schemas.openxmlformats.org/presentationml/2006/main">
-  <p:cSld>
-    <p:spTree>
-      <p:nvGrpSpPr>
-        <p:cNvPr id="1" name=""/>
-        <p:cNvGrpSpPr/>
-        <p:nvPr/>
-      </p:nvGrpSpPr>
-      <p:grpSpPr>
-        <a:xfrm>
-          <a:off x="0" y="0"/>
-          <a:ext cx="0" cy="0"/>
-          <a:chOff x="0" y="0"/>
-          <a:chExt cx="0" cy="0"/>
-        </a:xfrm>
-      </p:grpSpPr>
-      <p:grpSp>
-        <p:nvGrpSpPr>
-          <p:cNvPr id="3" name="Group 2">
-            <a:extLst>
-              <a:ext uri="{FF2B5EF4-FFF2-40B4-BE49-F238E27FC236}">
-                <a16:creationId xmlns:a16="http://schemas.microsoft.com/office/drawing/2014/main" id="{F038507F-DADB-B3B4-5CBA-76168E942EF7}"/>
-              </a:ext>
-            </a:extLst>
-          </p:cNvPr>
-          <p:cNvGrpSpPr/>
-          <p:nvPr/>
-        </p:nvGrpSpPr>
-        <p:grpSpPr>
-          <a:xfrm>
-            <a:off x="9595692" y="4020821"/>
-            <a:ext cx="2312837" cy="1518584"/>
-            <a:chOff x="9603217" y="4280569"/>
-            <a:chExt cx="2312837" cy="1518584"/>
-          </a:xfrm>
-        </p:grpSpPr>
-        <p:sp>
-          <p:nvSpPr>
-            <p:cNvPr id="4" name="Rectangle 3">
-              <a:extLst>
-                <a:ext uri="{FF2B5EF4-FFF2-40B4-BE49-F238E27FC236}">
-                  <a16:creationId xmlns:a16="http://schemas.microsoft.com/office/drawing/2014/main" id="{D53AA281-5D30-479D-18CE-14AEA5487427}"/>
-                </a:ext>
-              </a:extLst>
-            </p:cNvPr>
-            <p:cNvSpPr/>
-            <p:nvPr/>
-          </p:nvSpPr>
-          <p:spPr>
-            <a:xfrm>
-              <a:off x="9603217" y="4280569"/>
-              <a:ext cx="2312837" cy="584775"/>
-            </a:xfrm>
-            <a:prstGeom prst="rect">
-              <a:avLst/>
-            </a:prstGeom>
-          </p:spPr>
-          <p:txBody>
-            <a:bodyPr wrap="square">
-              <a:spAutoFit/>
-            </a:bodyPr>
-            <a:lstStyle/>
-            <a:p>
-              <a:pPr algn="ctr"/>
-              <a:r>
-                <a:rPr lang="en-US" sz="1600" dirty="0">
-                  <a:solidFill>
-                    <a:sysClr val="windowText" lastClr="000000"/>
-                  </a:solidFill>
-                  <a:latin typeface="Helvetica" pitchFamily="2" charset="0"/>
-                </a:rPr>
-                <a:t>4. Compile and display results</a:t>
-              </a:r>
-            </a:p>
-          </p:txBody>
-        </p:sp>
-        <p:pic>
-          <p:nvPicPr>
-            <p:cNvPr id="5" name="Graphic 4" descr="Database">
-              <a:extLst>
-                <a:ext uri="{FF2B5EF4-FFF2-40B4-BE49-F238E27FC236}">
-                  <a16:creationId xmlns:a16="http://schemas.microsoft.com/office/drawing/2014/main" id="{2D087439-6F74-6D0A-56B0-E5D6D2777A86}"/>
-                </a:ext>
-              </a:extLst>
-            </p:cNvPr>
-            <p:cNvPicPr>
-              <a:picLocks noChangeAspect="1"/>
-            </p:cNvPicPr>
-            <p:nvPr/>
-          </p:nvPicPr>
-          <p:blipFill>
-            <a:blip r:embed="rId3">
-              <a:extLst>
-                <a:ext uri="{96DAC541-7B7A-43D3-8B79-37D633B846F1}">
-                  <asvg:svgBlip xmlns:asvg="http://schemas.microsoft.com/office/drawing/2016/SVG/main" r:embed="rId4"/>
-                </a:ext>
-              </a:extLst>
-            </a:blip>
-            <a:stretch>
-              <a:fillRect/>
-            </a:stretch>
-          </p:blipFill>
-          <p:spPr>
-            <a:xfrm>
-              <a:off x="9853556" y="4884753"/>
-              <a:ext cx="914400" cy="914400"/>
-            </a:xfrm>
-            <a:prstGeom prst="rect">
-              <a:avLst/>
-            </a:prstGeom>
-          </p:spPr>
-        </p:pic>
-      </p:grpSp>
-      <p:grpSp>
-        <p:nvGrpSpPr>
-          <p:cNvPr id="6" name="Group 5">
-            <a:extLst>
-              <a:ext uri="{FF2B5EF4-FFF2-40B4-BE49-F238E27FC236}">
-                <a16:creationId xmlns:a16="http://schemas.microsoft.com/office/drawing/2014/main" id="{ACD80D4D-DA22-8F3F-3784-9AED57BBB9DC}"/>
-              </a:ext>
-            </a:extLst>
-          </p:cNvPr>
-          <p:cNvGrpSpPr/>
-          <p:nvPr/>
-        </p:nvGrpSpPr>
-        <p:grpSpPr>
-          <a:xfrm>
-            <a:off x="3300919" y="2765649"/>
-            <a:ext cx="2649702" cy="1898214"/>
-            <a:chOff x="3589562" y="4531919"/>
-            <a:chExt cx="2649702" cy="1898214"/>
-          </a:xfrm>
-        </p:grpSpPr>
-        <p:grpSp>
-          <p:nvGrpSpPr>
-            <p:cNvPr id="8" name="Group 7">
-              <a:extLst>
-                <a:ext uri="{FF2B5EF4-FFF2-40B4-BE49-F238E27FC236}">
-                  <a16:creationId xmlns:a16="http://schemas.microsoft.com/office/drawing/2014/main" id="{95567802-9E37-E8CC-E9BB-5D5BF8B4B20E}"/>
-                </a:ext>
-              </a:extLst>
-            </p:cNvPr>
-            <p:cNvGrpSpPr/>
-            <p:nvPr/>
-          </p:nvGrpSpPr>
-          <p:grpSpPr>
-            <a:xfrm>
-              <a:off x="3677875" y="4531919"/>
-              <a:ext cx="2561389" cy="1898214"/>
-              <a:chOff x="550887" y="4500412"/>
-              <a:chExt cx="2561389" cy="1898214"/>
-            </a:xfrm>
-          </p:grpSpPr>
-          <p:grpSp>
-            <p:nvGrpSpPr>
-              <p:cNvPr id="13" name="Group 12">
-                <a:extLst>
-                  <a:ext uri="{FF2B5EF4-FFF2-40B4-BE49-F238E27FC236}">
-                    <a16:creationId xmlns:a16="http://schemas.microsoft.com/office/drawing/2014/main" id="{6C3E7237-34C2-9285-C997-B4F86A52FA50}"/>
-                  </a:ext>
-                </a:extLst>
-              </p:cNvPr>
-              <p:cNvGrpSpPr/>
-              <p:nvPr/>
-            </p:nvGrpSpPr>
-            <p:grpSpPr>
-              <a:xfrm>
-                <a:off x="1131978" y="5144828"/>
-                <a:ext cx="1450582" cy="1253798"/>
-                <a:chOff x="1131978" y="5144828"/>
-                <a:chExt cx="1450582" cy="1253798"/>
-              </a:xfrm>
-            </p:grpSpPr>
-            <p:sp>
-              <p:nvSpPr>
-                <p:cNvPr id="17" name="TextBox 16">
-                  <a:extLst>
-                    <a:ext uri="{FF2B5EF4-FFF2-40B4-BE49-F238E27FC236}">
-                      <a16:creationId xmlns:a16="http://schemas.microsoft.com/office/drawing/2014/main" id="{C81C98CC-C78E-D5D4-A7AB-8720E29606D0}"/>
-                    </a:ext>
-                  </a:extLst>
-                </p:cNvPr>
-                <p:cNvSpPr txBox="1"/>
-                <p:nvPr/>
-              </p:nvSpPr>
-              <p:spPr>
-                <a:xfrm>
-                  <a:off x="1188896" y="6060072"/>
-                  <a:ext cx="325730" cy="338554"/>
-                </a:xfrm>
-                <a:prstGeom prst="rect">
-                  <a:avLst/>
-                </a:prstGeom>
-                <a:noFill/>
-              </p:spPr>
-              <p:txBody>
-                <a:bodyPr wrap="none" rtlCol="0">
-                  <a:spAutoFit/>
-                </a:bodyPr>
-                <a:lstStyle/>
-                <a:p>
-                  <a:r>
-                    <a:rPr lang="en-US" sz="1600" dirty="0"/>
-                    <a:t>…</a:t>
-                  </a:r>
-                </a:p>
-              </p:txBody>
-            </p:sp>
-            <p:grpSp>
-              <p:nvGrpSpPr>
-                <p:cNvPr id="19" name="Group 18">
-                  <a:extLst>
-                    <a:ext uri="{FF2B5EF4-FFF2-40B4-BE49-F238E27FC236}">
-                      <a16:creationId xmlns:a16="http://schemas.microsoft.com/office/drawing/2014/main" id="{26AB3F60-7724-8E3C-C04E-D999BE1172DD}"/>
-                    </a:ext>
-                  </a:extLst>
-                </p:cNvPr>
-                <p:cNvGrpSpPr/>
-                <p:nvPr/>
-              </p:nvGrpSpPr>
-              <p:grpSpPr>
-                <a:xfrm>
-                  <a:off x="1131978" y="5144828"/>
-                  <a:ext cx="1450582" cy="1151905"/>
-                  <a:chOff x="2828627" y="2200646"/>
-                  <a:chExt cx="1450582" cy="1151905"/>
-                </a:xfrm>
-              </p:grpSpPr>
-              <p:grpSp>
-                <p:nvGrpSpPr>
-                  <p:cNvPr id="21" name="Group 20">
-                    <a:extLst>
-                      <a:ext uri="{FF2B5EF4-FFF2-40B4-BE49-F238E27FC236}">
-                        <a16:creationId xmlns:a16="http://schemas.microsoft.com/office/drawing/2014/main" id="{DA247C65-57DB-F2CD-1DB1-CC4C2141DACA}"/>
-                      </a:ext>
-                    </a:extLst>
-                  </p:cNvPr>
-                  <p:cNvGrpSpPr/>
-                  <p:nvPr/>
-                </p:nvGrpSpPr>
-                <p:grpSpPr>
-                  <a:xfrm>
-                    <a:off x="2828627" y="2200646"/>
-                    <a:ext cx="457200" cy="1151904"/>
-                    <a:chOff x="1520890" y="2213624"/>
-                    <a:chExt cx="457200" cy="1151904"/>
-                  </a:xfrm>
-                </p:grpSpPr>
-                <p:pic>
-                  <p:nvPicPr>
-                    <p:cNvPr id="35" name="Graphic 34" descr="Table">
-                      <a:extLst>
-                        <a:ext uri="{FF2B5EF4-FFF2-40B4-BE49-F238E27FC236}">
-                          <a16:creationId xmlns:a16="http://schemas.microsoft.com/office/drawing/2014/main" id="{19AFABD3-B650-6C7F-151D-C2AD61D4DDD3}"/>
-                        </a:ext>
-                      </a:extLst>
-                    </p:cNvPr>
-                    <p:cNvPicPr>
-                      <a:picLocks noChangeAspect="1"/>
-                    </p:cNvPicPr>
-                    <p:nvPr/>
-                  </p:nvPicPr>
-                  <p:blipFill>
-                    <a:blip r:embed="rId5">
-                      <a:extLst>
-                        <a:ext uri="{96DAC541-7B7A-43D3-8B79-37D633B846F1}">
-                          <asvg:svgBlip xmlns:asvg="http://schemas.microsoft.com/office/drawing/2016/SVG/main" r:embed="rId6"/>
-                        </a:ext>
-                      </a:extLst>
-                    </a:blip>
-                    <a:stretch>
-                      <a:fillRect/>
-                    </a:stretch>
-                  </p:blipFill>
-                  <p:spPr>
-                    <a:xfrm>
-                      <a:off x="1520890" y="2213624"/>
-                      <a:ext cx="457200" cy="457200"/>
-                    </a:xfrm>
-                    <a:prstGeom prst="rect">
-                      <a:avLst/>
-                    </a:prstGeom>
-                  </p:spPr>
-                </p:pic>
-                <p:pic>
-                  <p:nvPicPr>
-                    <p:cNvPr id="38" name="Graphic 37" descr="Table">
-                      <a:extLst>
-                        <a:ext uri="{FF2B5EF4-FFF2-40B4-BE49-F238E27FC236}">
-                          <a16:creationId xmlns:a16="http://schemas.microsoft.com/office/drawing/2014/main" id="{365AAC66-918F-47E2-AA07-F64D055B867F}"/>
-                        </a:ext>
-                      </a:extLst>
-                    </p:cNvPr>
-                    <p:cNvPicPr>
-                      <a:picLocks noChangeAspect="1"/>
-                    </p:cNvPicPr>
-                    <p:nvPr/>
-                  </p:nvPicPr>
-                  <p:blipFill>
-                    <a:blip r:embed="rId5">
-                      <a:extLst>
-                        <a:ext uri="{96DAC541-7B7A-43D3-8B79-37D633B846F1}">
-                          <asvg:svgBlip xmlns:asvg="http://schemas.microsoft.com/office/drawing/2016/SVG/main" r:embed="rId6"/>
-                        </a:ext>
-                      </a:extLst>
-                    </a:blip>
-                    <a:stretch>
-                      <a:fillRect/>
-                    </a:stretch>
-                  </p:blipFill>
-                  <p:spPr>
-                    <a:xfrm>
-                      <a:off x="1520890" y="2560976"/>
-                      <a:ext cx="457200" cy="457200"/>
-                    </a:xfrm>
-                    <a:prstGeom prst="rect">
-                      <a:avLst/>
-                    </a:prstGeom>
-                  </p:spPr>
-                </p:pic>
-                <p:pic>
-                  <p:nvPicPr>
-                    <p:cNvPr id="39" name="Graphic 38" descr="Table">
-                      <a:extLst>
-                        <a:ext uri="{FF2B5EF4-FFF2-40B4-BE49-F238E27FC236}">
-                          <a16:creationId xmlns:a16="http://schemas.microsoft.com/office/drawing/2014/main" id="{3C68011B-C641-9D4D-98F0-B8BE322F2ED6}"/>
-                        </a:ext>
-                      </a:extLst>
-                    </p:cNvPr>
-                    <p:cNvPicPr>
-                      <a:picLocks noChangeAspect="1"/>
-                    </p:cNvPicPr>
-                    <p:nvPr/>
-                  </p:nvPicPr>
-                  <p:blipFill>
-                    <a:blip r:embed="rId5">
-                      <a:extLst>
-                        <a:ext uri="{96DAC541-7B7A-43D3-8B79-37D633B846F1}">
-                          <asvg:svgBlip xmlns:asvg="http://schemas.microsoft.com/office/drawing/2016/SVG/main" r:embed="rId6"/>
-                        </a:ext>
-                      </a:extLst>
-                    </a:blip>
-                    <a:stretch>
-                      <a:fillRect/>
-                    </a:stretch>
-                  </p:blipFill>
-                  <p:spPr>
-                    <a:xfrm>
-                      <a:off x="1520890" y="2908328"/>
-                      <a:ext cx="457200" cy="457200"/>
-                    </a:xfrm>
-                    <a:prstGeom prst="rect">
-                      <a:avLst/>
-                    </a:prstGeom>
-                  </p:spPr>
-                </p:pic>
-              </p:grpSp>
-              <p:grpSp>
-                <p:nvGrpSpPr>
-                  <p:cNvPr id="22" name="Group 21">
-                    <a:extLst>
-                      <a:ext uri="{FF2B5EF4-FFF2-40B4-BE49-F238E27FC236}">
-                        <a16:creationId xmlns:a16="http://schemas.microsoft.com/office/drawing/2014/main" id="{D0BED9A8-0C99-5D44-7D32-A7867DC21AA3}"/>
-                      </a:ext>
-                    </a:extLst>
-                  </p:cNvPr>
-                  <p:cNvGrpSpPr/>
-                  <p:nvPr/>
-                </p:nvGrpSpPr>
-                <p:grpSpPr>
-                  <a:xfrm>
-                    <a:off x="3325318" y="2200646"/>
-                    <a:ext cx="457200" cy="1151905"/>
-                    <a:chOff x="1520890" y="2213624"/>
-                    <a:chExt cx="457200" cy="1151905"/>
-                  </a:xfrm>
-                </p:grpSpPr>
-                <p:pic>
-                  <p:nvPicPr>
-                    <p:cNvPr id="30" name="Graphic 29" descr="Table">
-                      <a:extLst>
-                        <a:ext uri="{FF2B5EF4-FFF2-40B4-BE49-F238E27FC236}">
-                          <a16:creationId xmlns:a16="http://schemas.microsoft.com/office/drawing/2014/main" id="{59C5FEDE-5F76-1C51-1029-D0167300B20D}"/>
-                        </a:ext>
-                      </a:extLst>
-                    </p:cNvPr>
-                    <p:cNvPicPr>
-                      <a:picLocks noChangeAspect="1"/>
-                    </p:cNvPicPr>
-                    <p:nvPr/>
-                  </p:nvPicPr>
-                  <p:blipFill>
-                    <a:blip r:embed="rId5">
-                      <a:extLst>
-                        <a:ext uri="{96DAC541-7B7A-43D3-8B79-37D633B846F1}">
-                          <asvg:svgBlip xmlns:asvg="http://schemas.microsoft.com/office/drawing/2016/SVG/main" r:embed="rId6"/>
-                        </a:ext>
-                      </a:extLst>
-                    </a:blip>
-                    <a:stretch>
-                      <a:fillRect/>
-                    </a:stretch>
-                  </p:blipFill>
-                  <p:spPr>
-                    <a:xfrm>
-                      <a:off x="1520890" y="2213624"/>
-                      <a:ext cx="457200" cy="457200"/>
-                    </a:xfrm>
-                    <a:prstGeom prst="rect">
-                      <a:avLst/>
-                    </a:prstGeom>
-                  </p:spPr>
-                </p:pic>
-                <p:pic>
-                  <p:nvPicPr>
-                    <p:cNvPr id="32" name="Graphic 31" descr="Table">
-                      <a:extLst>
-                        <a:ext uri="{FF2B5EF4-FFF2-40B4-BE49-F238E27FC236}">
-                          <a16:creationId xmlns:a16="http://schemas.microsoft.com/office/drawing/2014/main" id="{D6F5269A-DFCD-3B32-D9FD-D7665EB42477}"/>
-                        </a:ext>
-                      </a:extLst>
-                    </p:cNvPr>
-                    <p:cNvPicPr>
-                      <a:picLocks noChangeAspect="1"/>
-                    </p:cNvPicPr>
-                    <p:nvPr/>
-                  </p:nvPicPr>
-                  <p:blipFill>
-                    <a:blip r:embed="rId5">
-                      <a:extLst>
-                        <a:ext uri="{96DAC541-7B7A-43D3-8B79-37D633B846F1}">
-                          <asvg:svgBlip xmlns:asvg="http://schemas.microsoft.com/office/drawing/2016/SVG/main" r:embed="rId6"/>
-                        </a:ext>
-                      </a:extLst>
-                    </a:blip>
-                    <a:stretch>
-                      <a:fillRect/>
-                    </a:stretch>
-                  </p:blipFill>
-                  <p:spPr>
-                    <a:xfrm>
-                      <a:off x="1520890" y="2560976"/>
-                      <a:ext cx="457200" cy="457200"/>
-                    </a:xfrm>
-                    <a:prstGeom prst="rect">
-                      <a:avLst/>
-                    </a:prstGeom>
-                  </p:spPr>
-                </p:pic>
-                <p:pic>
-                  <p:nvPicPr>
-                    <p:cNvPr id="34" name="Graphic 33" descr="Table">
-                      <a:extLst>
-                        <a:ext uri="{FF2B5EF4-FFF2-40B4-BE49-F238E27FC236}">
-                          <a16:creationId xmlns:a16="http://schemas.microsoft.com/office/drawing/2014/main" id="{6C3F9FAF-750C-43F2-1C0D-B7E59CC53D8E}"/>
-                        </a:ext>
-                      </a:extLst>
-                    </p:cNvPr>
-                    <p:cNvPicPr>
-                      <a:picLocks noChangeAspect="1"/>
-                    </p:cNvPicPr>
-                    <p:nvPr/>
-                  </p:nvPicPr>
-                  <p:blipFill>
-                    <a:blip r:embed="rId5">
-                      <a:extLst>
-                        <a:ext uri="{96DAC541-7B7A-43D3-8B79-37D633B846F1}">
-                          <asvg:svgBlip xmlns:asvg="http://schemas.microsoft.com/office/drawing/2016/SVG/main" r:embed="rId6"/>
-                        </a:ext>
-                      </a:extLst>
-                    </a:blip>
-                    <a:stretch>
-                      <a:fillRect/>
-                    </a:stretch>
-                  </p:blipFill>
-                  <p:spPr>
-                    <a:xfrm>
-                      <a:off x="1520890" y="2908329"/>
-                      <a:ext cx="457200" cy="457200"/>
-                    </a:xfrm>
-                    <a:prstGeom prst="rect">
-                      <a:avLst/>
-                    </a:prstGeom>
-                  </p:spPr>
-                </p:pic>
-              </p:grpSp>
-              <p:grpSp>
-                <p:nvGrpSpPr>
-                  <p:cNvPr id="23" name="Group 22">
-                    <a:extLst>
-                      <a:ext uri="{FF2B5EF4-FFF2-40B4-BE49-F238E27FC236}">
-                        <a16:creationId xmlns:a16="http://schemas.microsoft.com/office/drawing/2014/main" id="{1876225D-6B21-E673-EB7C-10712D995D34}"/>
-                      </a:ext>
-                    </a:extLst>
-                  </p:cNvPr>
-                  <p:cNvGrpSpPr/>
-                  <p:nvPr/>
-                </p:nvGrpSpPr>
-                <p:grpSpPr>
-                  <a:xfrm>
-                    <a:off x="3822009" y="2200646"/>
-                    <a:ext cx="457200" cy="1151905"/>
-                    <a:chOff x="1520890" y="2213624"/>
-                    <a:chExt cx="457200" cy="1151905"/>
-                  </a:xfrm>
-                </p:grpSpPr>
-                <p:pic>
-                  <p:nvPicPr>
-                    <p:cNvPr id="26" name="Graphic 25" descr="Table">
-                      <a:extLst>
-                        <a:ext uri="{FF2B5EF4-FFF2-40B4-BE49-F238E27FC236}">
-                          <a16:creationId xmlns:a16="http://schemas.microsoft.com/office/drawing/2014/main" id="{4BE226C2-42BB-6A64-2CF7-7D800FB928B1}"/>
-                        </a:ext>
-                      </a:extLst>
-                    </p:cNvPr>
-                    <p:cNvPicPr>
-                      <a:picLocks noChangeAspect="1"/>
-                    </p:cNvPicPr>
-                    <p:nvPr/>
-                  </p:nvPicPr>
-                  <p:blipFill>
-                    <a:blip r:embed="rId5">
-                      <a:extLst>
-                        <a:ext uri="{96DAC541-7B7A-43D3-8B79-37D633B846F1}">
-                          <asvg:svgBlip xmlns:asvg="http://schemas.microsoft.com/office/drawing/2016/SVG/main" r:embed="rId6"/>
-                        </a:ext>
-                      </a:extLst>
-                    </a:blip>
-                    <a:stretch>
-                      <a:fillRect/>
-                    </a:stretch>
-                  </p:blipFill>
-                  <p:spPr>
-                    <a:xfrm>
-                      <a:off x="1520890" y="2213624"/>
-                      <a:ext cx="457200" cy="457200"/>
-                    </a:xfrm>
-                    <a:prstGeom prst="rect">
-                      <a:avLst/>
-                    </a:prstGeom>
-                  </p:spPr>
-                </p:pic>
-                <p:pic>
-                  <p:nvPicPr>
-                    <p:cNvPr id="27" name="Graphic 26" descr="Table">
-                      <a:extLst>
-                        <a:ext uri="{FF2B5EF4-FFF2-40B4-BE49-F238E27FC236}">
-                          <a16:creationId xmlns:a16="http://schemas.microsoft.com/office/drawing/2014/main" id="{D67A2B02-106F-F605-055F-CED960F56E2F}"/>
-                        </a:ext>
-                      </a:extLst>
-                    </p:cNvPr>
-                    <p:cNvPicPr>
-                      <a:picLocks noChangeAspect="1"/>
-                    </p:cNvPicPr>
-                    <p:nvPr/>
-                  </p:nvPicPr>
-                  <p:blipFill>
-                    <a:blip r:embed="rId5">
-                      <a:extLst>
-                        <a:ext uri="{96DAC541-7B7A-43D3-8B79-37D633B846F1}">
-                          <asvg:svgBlip xmlns:asvg="http://schemas.microsoft.com/office/drawing/2016/SVG/main" r:embed="rId6"/>
-                        </a:ext>
-                      </a:extLst>
-                    </a:blip>
-                    <a:stretch>
-                      <a:fillRect/>
-                    </a:stretch>
-                  </p:blipFill>
-                  <p:spPr>
-                    <a:xfrm>
-                      <a:off x="1520890" y="2560976"/>
-                      <a:ext cx="457200" cy="457200"/>
-                    </a:xfrm>
-                    <a:prstGeom prst="rect">
-                      <a:avLst/>
-                    </a:prstGeom>
-                  </p:spPr>
-                </p:pic>
-                <p:pic>
-                  <p:nvPicPr>
-                    <p:cNvPr id="28" name="Graphic 27" descr="Table">
-                      <a:extLst>
-                        <a:ext uri="{FF2B5EF4-FFF2-40B4-BE49-F238E27FC236}">
-                          <a16:creationId xmlns:a16="http://schemas.microsoft.com/office/drawing/2014/main" id="{52A0D309-FDCA-92E2-0E65-B5372FFAF8FF}"/>
-                        </a:ext>
-                      </a:extLst>
-                    </p:cNvPr>
-                    <p:cNvPicPr>
-                      <a:picLocks noChangeAspect="1"/>
-                    </p:cNvPicPr>
-                    <p:nvPr/>
-                  </p:nvPicPr>
-                  <p:blipFill>
-                    <a:blip r:embed="rId5">
-                      <a:extLst>
-                        <a:ext uri="{96DAC541-7B7A-43D3-8B79-37D633B846F1}">
-                          <asvg:svgBlip xmlns:asvg="http://schemas.microsoft.com/office/drawing/2016/SVG/main" r:embed="rId6"/>
-                        </a:ext>
-                      </a:extLst>
-                    </a:blip>
-                    <a:stretch>
-                      <a:fillRect/>
-                    </a:stretch>
-                  </p:blipFill>
-                  <p:spPr>
-                    <a:xfrm>
-                      <a:off x="1520890" y="2908329"/>
-                      <a:ext cx="457200" cy="457200"/>
-                    </a:xfrm>
-                    <a:prstGeom prst="rect">
-                      <a:avLst/>
-                    </a:prstGeom>
-                  </p:spPr>
-                </p:pic>
-              </p:grpSp>
-            </p:grpSp>
-          </p:grpSp>
-          <p:sp>
-            <p:nvSpPr>
-              <p:cNvPr id="14" name="Rectangle 13">
-                <a:extLst>
-                  <a:ext uri="{FF2B5EF4-FFF2-40B4-BE49-F238E27FC236}">
-                    <a16:creationId xmlns:a16="http://schemas.microsoft.com/office/drawing/2014/main" id="{51C3E33F-2247-1550-156F-6435E00B7DD7}"/>
-                  </a:ext>
-                </a:extLst>
-              </p:cNvPr>
-              <p:cNvSpPr/>
-              <p:nvPr/>
-            </p:nvSpPr>
-            <p:spPr>
-              <a:xfrm>
-                <a:off x="550887" y="4500412"/>
-                <a:ext cx="2561389" cy="584775"/>
-              </a:xfrm>
-              <a:prstGeom prst="rect">
-                <a:avLst/>
-              </a:prstGeom>
-            </p:spPr>
-            <p:txBody>
-              <a:bodyPr wrap="square">
-                <a:spAutoFit/>
-              </a:bodyPr>
-              <a:lstStyle/>
-              <a:p>
-                <a:pPr algn="ctr"/>
-                <a:r>
-                  <a:rPr lang="en-US" sz="1600" dirty="0">
-                    <a:solidFill>
-                      <a:sysClr val="windowText" lastClr="000000"/>
-                    </a:solidFill>
-                    <a:latin typeface="Helvetica" pitchFamily="2" charset="0"/>
-                  </a:rPr>
-                  <a:t>2. Build multiverse datasets</a:t>
-                </a:r>
-              </a:p>
-            </p:txBody>
-          </p:sp>
-        </p:grpSp>
-        <p:pic>
-          <p:nvPicPr>
-            <p:cNvPr id="12" name="Graphic 11" descr="Hammer">
-              <a:extLst>
-                <a:ext uri="{FF2B5EF4-FFF2-40B4-BE49-F238E27FC236}">
-                  <a16:creationId xmlns:a16="http://schemas.microsoft.com/office/drawing/2014/main" id="{7B570BC6-FAB9-A32B-DE22-E515ACECBD61}"/>
-                </a:ext>
-              </a:extLst>
-            </p:cNvPr>
-            <p:cNvPicPr>
-              <a:picLocks noChangeAspect="1"/>
-            </p:cNvPicPr>
-            <p:nvPr/>
-          </p:nvPicPr>
-          <p:blipFill>
-            <a:blip r:embed="rId7">
-              <a:extLst>
-                <a:ext uri="{96DAC541-7B7A-43D3-8B79-37D633B846F1}">
-                  <asvg:svgBlip xmlns:asvg="http://schemas.microsoft.com/office/drawing/2016/SVG/main" r:embed="rId8"/>
-                </a:ext>
-              </a:extLst>
-            </a:blip>
-            <a:stretch>
-              <a:fillRect/>
-            </a:stretch>
-          </p:blipFill>
-          <p:spPr>
-            <a:xfrm rot="20783797">
-              <a:off x="3589562" y="5318866"/>
-              <a:ext cx="689227" cy="689227"/>
-            </a:xfrm>
-            <a:prstGeom prst="rect">
-              <a:avLst/>
-            </a:prstGeom>
-          </p:spPr>
-        </p:pic>
-      </p:grpSp>
-      <p:grpSp>
-        <p:nvGrpSpPr>
-          <p:cNvPr id="41" name="Group 40">
-            <a:extLst>
-              <a:ext uri="{FF2B5EF4-FFF2-40B4-BE49-F238E27FC236}">
-                <a16:creationId xmlns:a16="http://schemas.microsoft.com/office/drawing/2014/main" id="{E2D856E6-583D-EE9D-FE62-66467B219C09}"/>
-              </a:ext>
-            </a:extLst>
-          </p:cNvPr>
-          <p:cNvGrpSpPr/>
-          <p:nvPr/>
-        </p:nvGrpSpPr>
-        <p:grpSpPr>
-          <a:xfrm>
-            <a:off x="6518961" y="3410065"/>
-            <a:ext cx="2780095" cy="1459734"/>
-            <a:chOff x="6622768" y="4678601"/>
-            <a:chExt cx="2780095" cy="1459734"/>
-          </a:xfrm>
-        </p:grpSpPr>
-        <p:sp>
-          <p:nvSpPr>
-            <p:cNvPr id="43" name="Rectangle 42">
-              <a:extLst>
-                <a:ext uri="{FF2B5EF4-FFF2-40B4-BE49-F238E27FC236}">
-                  <a16:creationId xmlns:a16="http://schemas.microsoft.com/office/drawing/2014/main" id="{6A4FDAF2-EB06-D620-B7A5-AD7A7DA181BC}"/>
-                </a:ext>
-              </a:extLst>
-            </p:cNvPr>
-            <p:cNvSpPr/>
-            <p:nvPr/>
-          </p:nvSpPr>
-          <p:spPr>
-            <a:xfrm>
-              <a:off x="6622768" y="4678601"/>
-              <a:ext cx="2780095" cy="584775"/>
-            </a:xfrm>
-            <a:prstGeom prst="rect">
-              <a:avLst/>
-            </a:prstGeom>
-          </p:spPr>
-          <p:txBody>
-            <a:bodyPr wrap="square">
-              <a:spAutoFit/>
-            </a:bodyPr>
-            <a:lstStyle/>
-            <a:p>
-              <a:pPr algn="ctr"/>
-              <a:r>
-                <a:rPr lang="en-US" sz="1600" dirty="0">
-                  <a:solidFill>
-                    <a:sysClr val="windowText" lastClr="000000"/>
-                  </a:solidFill>
-                  <a:latin typeface="Helvetica" pitchFamily="2" charset="0"/>
-                </a:rPr>
-                <a:t>3. Analyze multiverse with the same model</a:t>
-              </a:r>
-            </a:p>
-          </p:txBody>
-        </p:sp>
-        <p:pic>
-          <p:nvPicPr>
-            <p:cNvPr id="45" name="Graphic 44" descr="Circles with arrows">
-              <a:extLst>
-                <a:ext uri="{FF2B5EF4-FFF2-40B4-BE49-F238E27FC236}">
-                  <a16:creationId xmlns:a16="http://schemas.microsoft.com/office/drawing/2014/main" id="{3362ACD8-9DB8-544D-56B2-7C9702D82256}"/>
-                </a:ext>
-              </a:extLst>
-            </p:cNvPr>
-            <p:cNvPicPr>
-              <a:picLocks noChangeAspect="1"/>
-            </p:cNvPicPr>
-            <p:nvPr/>
-          </p:nvPicPr>
-          <p:blipFill>
-            <a:blip r:embed="rId9">
-              <a:extLst>
-                <a:ext uri="{96DAC541-7B7A-43D3-8B79-37D633B846F1}">
-                  <asvg:svgBlip xmlns:asvg="http://schemas.microsoft.com/office/drawing/2016/SVG/main" r:embed="rId10"/>
-                </a:ext>
-              </a:extLst>
-            </a:blip>
-            <a:stretch>
-              <a:fillRect/>
-            </a:stretch>
-          </p:blipFill>
-          <p:spPr>
-            <a:xfrm>
-              <a:off x="7555615" y="5223935"/>
-              <a:ext cx="914400" cy="914400"/>
-            </a:xfrm>
-            <a:prstGeom prst="rect">
-              <a:avLst/>
-            </a:prstGeom>
-          </p:spPr>
-        </p:pic>
-      </p:grpSp>
-      <p:grpSp>
-        <p:nvGrpSpPr>
-          <p:cNvPr id="46" name="Group 45">
-            <a:extLst>
-              <a:ext uri="{FF2B5EF4-FFF2-40B4-BE49-F238E27FC236}">
-                <a16:creationId xmlns:a16="http://schemas.microsoft.com/office/drawing/2014/main" id="{6E0F6DCB-C483-0136-E6A9-5E08302EFA8C}"/>
-              </a:ext>
-            </a:extLst>
-          </p:cNvPr>
-          <p:cNvGrpSpPr/>
-          <p:nvPr/>
-        </p:nvGrpSpPr>
-        <p:grpSpPr>
-          <a:xfrm>
-            <a:off x="224060" y="2033313"/>
-            <a:ext cx="2516780" cy="2005085"/>
-            <a:chOff x="476153" y="3539942"/>
-            <a:chExt cx="2516780" cy="2005085"/>
-          </a:xfrm>
-        </p:grpSpPr>
-        <p:sp>
-          <p:nvSpPr>
-            <p:cNvPr id="48" name="Rectangle 47">
-              <a:extLst>
-                <a:ext uri="{FF2B5EF4-FFF2-40B4-BE49-F238E27FC236}">
-                  <a16:creationId xmlns:a16="http://schemas.microsoft.com/office/drawing/2014/main" id="{B37DE3A6-90C4-7060-AEB2-72CAF128A468}"/>
-                </a:ext>
-              </a:extLst>
-            </p:cNvPr>
-            <p:cNvSpPr/>
-            <p:nvPr/>
-          </p:nvSpPr>
-          <p:spPr>
-            <a:xfrm>
-              <a:off x="476153" y="3539942"/>
-              <a:ext cx="2516780" cy="584775"/>
-            </a:xfrm>
-            <a:prstGeom prst="rect">
-              <a:avLst/>
-            </a:prstGeom>
-          </p:spPr>
-          <p:txBody>
-            <a:bodyPr wrap="square">
-              <a:spAutoFit/>
-            </a:bodyPr>
-            <a:lstStyle/>
-            <a:p>
-              <a:pPr algn="ctr"/>
-              <a:r>
-                <a:rPr lang="en-US" sz="1600" dirty="0">
-                  <a:solidFill>
-                    <a:sysClr val="windowText" lastClr="000000"/>
-                  </a:solidFill>
-                  <a:latin typeface="Helvetica" pitchFamily="2" charset="0"/>
-                </a:rPr>
-                <a:t>1. Identify arbitrary decisions</a:t>
-              </a:r>
-            </a:p>
-          </p:txBody>
-        </p:sp>
-        <p:grpSp>
-          <p:nvGrpSpPr>
-            <p:cNvPr id="51" name="Group 50">
-              <a:extLst>
-                <a:ext uri="{FF2B5EF4-FFF2-40B4-BE49-F238E27FC236}">
-                  <a16:creationId xmlns:a16="http://schemas.microsoft.com/office/drawing/2014/main" id="{8474C59D-7357-68A0-C48B-25975FFB0FAC}"/>
-                </a:ext>
-              </a:extLst>
-            </p:cNvPr>
-            <p:cNvGrpSpPr/>
-            <p:nvPr/>
-          </p:nvGrpSpPr>
-          <p:grpSpPr>
-            <a:xfrm>
-              <a:off x="626883" y="4118947"/>
-              <a:ext cx="2308254" cy="1210319"/>
-              <a:chOff x="130146" y="5155976"/>
-              <a:chExt cx="2308254" cy="1210319"/>
-            </a:xfrm>
-          </p:grpSpPr>
-          <p:pic>
-            <p:nvPicPr>
-              <p:cNvPr id="56" name="Graphic 55" descr="Bug under magnifying glass">
-                <a:extLst>
-                  <a:ext uri="{FF2B5EF4-FFF2-40B4-BE49-F238E27FC236}">
-                    <a16:creationId xmlns:a16="http://schemas.microsoft.com/office/drawing/2014/main" id="{ABE4DB63-66F6-87B2-061C-7ECEECBE9911}"/>
-                  </a:ext>
-                </a:extLst>
-              </p:cNvPr>
-              <p:cNvPicPr>
-                <a:picLocks noChangeAspect="1"/>
-              </p:cNvPicPr>
-              <p:nvPr/>
-            </p:nvPicPr>
-            <p:blipFill>
-              <a:blip r:embed="rId11">
-                <a:extLst>
-                  <a:ext uri="{96DAC541-7B7A-43D3-8B79-37D633B846F1}">
-                    <asvg:svgBlip xmlns:asvg="http://schemas.microsoft.com/office/drawing/2016/SVG/main" r:embed="rId12"/>
-                  </a:ext>
-                </a:extLst>
-              </a:blip>
-              <a:stretch>
-                <a:fillRect/>
-              </a:stretch>
-            </p:blipFill>
-            <p:spPr>
-              <a:xfrm>
-                <a:off x="603741" y="5279087"/>
-                <a:ext cx="914400" cy="914400"/>
-              </a:xfrm>
-              <a:prstGeom prst="rect">
-                <a:avLst/>
-              </a:prstGeom>
-            </p:spPr>
-          </p:pic>
-          <p:pic>
-            <p:nvPicPr>
-              <p:cNvPr id="57" name="Graphic 56" descr="Bug">
-                <a:extLst>
-                  <a:ext uri="{FF2B5EF4-FFF2-40B4-BE49-F238E27FC236}">
-                    <a16:creationId xmlns:a16="http://schemas.microsoft.com/office/drawing/2014/main" id="{DF9F4C50-5D0E-8A0D-2AF9-E672160A0A00}"/>
-                  </a:ext>
-                </a:extLst>
-              </p:cNvPr>
-              <p:cNvPicPr>
-                <a:picLocks noChangeAspect="1"/>
-              </p:cNvPicPr>
-              <p:nvPr/>
-            </p:nvPicPr>
-            <p:blipFill>
-              <a:blip r:embed="rId13">
-                <a:extLst>
-                  <a:ext uri="{96DAC541-7B7A-43D3-8B79-37D633B846F1}">
-                    <asvg:svgBlip xmlns:asvg="http://schemas.microsoft.com/office/drawing/2016/SVG/main" r:embed="rId14"/>
-                  </a:ext>
-                </a:extLst>
-              </a:blip>
-              <a:stretch>
-                <a:fillRect/>
-              </a:stretch>
-            </p:blipFill>
-            <p:spPr>
-              <a:xfrm>
-                <a:off x="1490229" y="5847870"/>
-                <a:ext cx="345617" cy="345617"/>
-              </a:xfrm>
-              <a:prstGeom prst="rect">
-                <a:avLst/>
-              </a:prstGeom>
-            </p:spPr>
-          </p:pic>
-          <p:pic>
-            <p:nvPicPr>
-              <p:cNvPr id="58" name="Graphic 57" descr="Bug">
-                <a:extLst>
-                  <a:ext uri="{FF2B5EF4-FFF2-40B4-BE49-F238E27FC236}">
-                    <a16:creationId xmlns:a16="http://schemas.microsoft.com/office/drawing/2014/main" id="{A5C990DB-7125-24BE-DD51-3D4EAFF35AA8}"/>
-                  </a:ext>
-                </a:extLst>
-              </p:cNvPr>
-              <p:cNvPicPr>
-                <a:picLocks noChangeAspect="1"/>
-              </p:cNvPicPr>
-              <p:nvPr/>
-            </p:nvPicPr>
-            <p:blipFill>
-              <a:blip r:embed="rId13">
-                <a:extLst>
-                  <a:ext uri="{96DAC541-7B7A-43D3-8B79-37D633B846F1}">
-                    <asvg:svgBlip xmlns:asvg="http://schemas.microsoft.com/office/drawing/2016/SVG/main" r:embed="rId14"/>
-                  </a:ext>
-                </a:extLst>
-              </a:blip>
-              <a:stretch>
-                <a:fillRect/>
-              </a:stretch>
-            </p:blipFill>
-            <p:spPr>
-              <a:xfrm>
-                <a:off x="1557632" y="5351389"/>
-                <a:ext cx="345617" cy="345617"/>
-              </a:xfrm>
-              <a:prstGeom prst="rect">
-                <a:avLst/>
-              </a:prstGeom>
-            </p:spPr>
-          </p:pic>
-          <p:pic>
-            <p:nvPicPr>
-              <p:cNvPr id="68" name="Graphic 67" descr="Bug">
-                <a:extLst>
-                  <a:ext uri="{FF2B5EF4-FFF2-40B4-BE49-F238E27FC236}">
-                    <a16:creationId xmlns:a16="http://schemas.microsoft.com/office/drawing/2014/main" id="{68E2AA7A-0EED-7174-8A31-94765687B1C7}"/>
-                  </a:ext>
-                </a:extLst>
-              </p:cNvPr>
-              <p:cNvPicPr>
-                <a:picLocks noChangeAspect="1"/>
-              </p:cNvPicPr>
-              <p:nvPr/>
-            </p:nvPicPr>
-            <p:blipFill>
-              <a:blip r:embed="rId13">
-                <a:extLst>
-                  <a:ext uri="{96DAC541-7B7A-43D3-8B79-37D633B846F1}">
-                    <asvg:svgBlip xmlns:asvg="http://schemas.microsoft.com/office/drawing/2016/SVG/main" r:embed="rId14"/>
-                  </a:ext>
-                </a:extLst>
-              </a:blip>
-              <a:stretch>
-                <a:fillRect/>
-              </a:stretch>
-            </p:blipFill>
-            <p:spPr>
-              <a:xfrm>
-                <a:off x="950470" y="6020678"/>
-                <a:ext cx="345617" cy="345617"/>
-              </a:xfrm>
-              <a:prstGeom prst="rect">
-                <a:avLst/>
-              </a:prstGeom>
-            </p:spPr>
-          </p:pic>
-          <p:sp>
-            <p:nvSpPr>
-              <p:cNvPr id="69" name="Rectangle 68">
-                <a:extLst>
-                  <a:ext uri="{FF2B5EF4-FFF2-40B4-BE49-F238E27FC236}">
-                    <a16:creationId xmlns:a16="http://schemas.microsoft.com/office/drawing/2014/main" id="{9A437272-F3BE-DAE9-E93C-7543F14BDFE3}"/>
-                  </a:ext>
-                </a:extLst>
-              </p:cNvPr>
-              <p:cNvSpPr/>
-              <p:nvPr/>
-            </p:nvSpPr>
-            <p:spPr>
-              <a:xfrm>
-                <a:off x="1386187" y="5155976"/>
-                <a:ext cx="1052213" cy="246221"/>
-              </a:xfrm>
-              <a:prstGeom prst="rect">
-                <a:avLst/>
-              </a:prstGeom>
-            </p:spPr>
-            <p:txBody>
-              <a:bodyPr wrap="square">
-                <a:spAutoFit/>
-              </a:bodyPr>
-              <a:lstStyle/>
-              <a:p>
-                <a:r>
-                  <a:rPr lang="en-US" sz="1000" dirty="0">
-                    <a:solidFill>
-                      <a:sysClr val="windowText" lastClr="000000"/>
-                    </a:solidFill>
-                    <a:latin typeface="Helvetica" pitchFamily="2" charset="0"/>
-                  </a:rPr>
-                  <a:t>Non-Arbitrary</a:t>
-                </a:r>
-                <a:endParaRPr lang="en-US" sz="1000" dirty="0"/>
-              </a:p>
-            </p:txBody>
-          </p:sp>
-          <p:sp>
-            <p:nvSpPr>
-              <p:cNvPr id="70" name="Rectangle 69">
-                <a:extLst>
-                  <a:ext uri="{FF2B5EF4-FFF2-40B4-BE49-F238E27FC236}">
-                    <a16:creationId xmlns:a16="http://schemas.microsoft.com/office/drawing/2014/main" id="{20169939-BD65-2C80-F620-D7167DE44F93}"/>
-                  </a:ext>
-                </a:extLst>
-              </p:cNvPr>
-              <p:cNvSpPr/>
-              <p:nvPr/>
-            </p:nvSpPr>
-            <p:spPr>
-              <a:xfrm>
-                <a:off x="130146" y="5165388"/>
-                <a:ext cx="1054551" cy="307777"/>
-              </a:xfrm>
-              <a:prstGeom prst="rect">
-                <a:avLst/>
-              </a:prstGeom>
-            </p:spPr>
-            <p:txBody>
-              <a:bodyPr wrap="square">
-                <a:spAutoFit/>
-              </a:bodyPr>
-              <a:lstStyle/>
-              <a:p>
-                <a:r>
-                  <a:rPr lang="en-US" sz="1400" b="1" dirty="0">
-                    <a:solidFill>
-                      <a:sysClr val="windowText" lastClr="000000"/>
-                    </a:solidFill>
-                    <a:latin typeface="Helvetica" pitchFamily="2" charset="0"/>
-                  </a:rPr>
-                  <a:t>Arbitrary!</a:t>
-                </a:r>
-                <a:endParaRPr lang="en-US" sz="1400" dirty="0"/>
-              </a:p>
-            </p:txBody>
-          </p:sp>
-        </p:grpSp>
-        <p:sp>
-          <p:nvSpPr>
-            <p:cNvPr id="52" name="Rectangle 51">
-              <a:extLst>
-                <a:ext uri="{FF2B5EF4-FFF2-40B4-BE49-F238E27FC236}">
-                  <a16:creationId xmlns:a16="http://schemas.microsoft.com/office/drawing/2014/main" id="{64A77D23-EE47-AA2B-1D7B-BAF3F23DDC9C}"/>
-                </a:ext>
-              </a:extLst>
-            </p:cNvPr>
-            <p:cNvSpPr/>
-            <p:nvPr/>
-          </p:nvSpPr>
-          <p:spPr>
-            <a:xfrm>
-              <a:off x="1940720" y="5140265"/>
-              <a:ext cx="1052213" cy="246221"/>
-            </a:xfrm>
-            <a:prstGeom prst="rect">
-              <a:avLst/>
-            </a:prstGeom>
-          </p:spPr>
-          <p:txBody>
-            <a:bodyPr wrap="square">
-              <a:spAutoFit/>
-            </a:bodyPr>
-            <a:lstStyle/>
-            <a:p>
-              <a:r>
-                <a:rPr lang="en-US" sz="1000" dirty="0">
-                  <a:solidFill>
-                    <a:sysClr val="windowText" lastClr="000000"/>
-                  </a:solidFill>
-                  <a:latin typeface="Helvetica" pitchFamily="2" charset="0"/>
-                </a:rPr>
-                <a:t>Non-Arbitrary</a:t>
-              </a:r>
-              <a:endParaRPr lang="en-US" sz="1000" dirty="0"/>
-            </a:p>
-          </p:txBody>
-        </p:sp>
-        <p:sp>
-          <p:nvSpPr>
-            <p:cNvPr id="55" name="Rectangle 54">
-              <a:extLst>
-                <a:ext uri="{FF2B5EF4-FFF2-40B4-BE49-F238E27FC236}">
-                  <a16:creationId xmlns:a16="http://schemas.microsoft.com/office/drawing/2014/main" id="{01A0702B-5F54-7125-9993-F69C636B66A8}"/>
-                </a:ext>
-              </a:extLst>
-            </p:cNvPr>
-            <p:cNvSpPr/>
-            <p:nvPr/>
-          </p:nvSpPr>
-          <p:spPr>
-            <a:xfrm>
-              <a:off x="728797" y="5298806"/>
-              <a:ext cx="1052213" cy="246221"/>
-            </a:xfrm>
-            <a:prstGeom prst="rect">
-              <a:avLst/>
-            </a:prstGeom>
-          </p:spPr>
-          <p:txBody>
-            <a:bodyPr wrap="square">
-              <a:spAutoFit/>
-            </a:bodyPr>
-            <a:lstStyle/>
-            <a:p>
-              <a:r>
-                <a:rPr lang="en-US" sz="1000" dirty="0">
-                  <a:solidFill>
-                    <a:sysClr val="windowText" lastClr="000000"/>
-                  </a:solidFill>
-                  <a:latin typeface="Helvetica" pitchFamily="2" charset="0"/>
-                </a:rPr>
-                <a:t>Non-Arbitrary</a:t>
-              </a:r>
-              <a:endParaRPr lang="en-US" sz="1000" dirty="0"/>
-            </a:p>
-          </p:txBody>
-        </p:sp>
-      </p:grpSp>
-      <p:pic>
-        <p:nvPicPr>
-          <p:cNvPr id="71" name="Graphic 70" descr="Bar chart">
-            <a:extLst>
-              <a:ext uri="{FF2B5EF4-FFF2-40B4-BE49-F238E27FC236}">
-                <a16:creationId xmlns:a16="http://schemas.microsoft.com/office/drawing/2014/main" id="{D0112CEB-F560-2264-8439-31FCA07F5148}"/>
-              </a:ext>
-            </a:extLst>
-          </p:cNvPr>
-          <p:cNvPicPr>
-            <a:picLocks noChangeAspect="1"/>
-          </p:cNvPicPr>
-          <p:nvPr/>
-        </p:nvPicPr>
-        <p:blipFill>
-          <a:blip r:embed="rId15">
-            <a:extLst>
-              <a:ext uri="{96DAC541-7B7A-43D3-8B79-37D633B846F1}">
-                <asvg:svgBlip xmlns:asvg="http://schemas.microsoft.com/office/drawing/2016/SVG/main" r:embed="rId16"/>
-              </a:ext>
-            </a:extLst>
-          </a:blip>
-          <a:stretch>
-            <a:fillRect/>
-          </a:stretch>
-        </p:blipFill>
-        <p:spPr>
-          <a:xfrm>
-            <a:off x="10995923" y="4625005"/>
-            <a:ext cx="914400" cy="914400"/>
-          </a:xfrm>
-          <a:prstGeom prst="rect">
-            <a:avLst/>
-          </a:prstGeom>
-        </p:spPr>
-      </p:pic>
-      <p:pic>
-        <p:nvPicPr>
-          <p:cNvPr id="74" name="Graphic 73" descr="Line arrow Straight">
-            <a:extLst>
-              <a:ext uri="{FF2B5EF4-FFF2-40B4-BE49-F238E27FC236}">
-                <a16:creationId xmlns:a16="http://schemas.microsoft.com/office/drawing/2014/main" id="{C9B71293-0719-6478-280C-ECFBBEDE74B9}"/>
-              </a:ext>
-            </a:extLst>
-          </p:cNvPr>
-          <p:cNvPicPr>
-            <a:picLocks noChangeAspect="1"/>
-          </p:cNvPicPr>
-          <p:nvPr/>
-        </p:nvPicPr>
-        <p:blipFill>
-          <a:blip r:embed="rId17">
-            <a:extLst>
-              <a:ext uri="{96DAC541-7B7A-43D3-8B79-37D633B846F1}">
-                <asvg:svgBlip xmlns:asvg="http://schemas.microsoft.com/office/drawing/2016/SVG/main" r:embed="rId18"/>
-              </a:ext>
-            </a:extLst>
-          </a:blip>
-          <a:stretch>
-            <a:fillRect/>
-          </a:stretch>
-        </p:blipFill>
-        <p:spPr>
-          <a:xfrm flipH="1">
-            <a:off x="10713201" y="4918126"/>
-            <a:ext cx="328158" cy="328158"/>
-          </a:xfrm>
-          <a:prstGeom prst="rect">
-            <a:avLst/>
-          </a:prstGeom>
-        </p:spPr>
-      </p:pic>
-      <p:sp>
-        <p:nvSpPr>
-          <p:cNvPr id="10" name="Title 1">
-            <a:extLst>
-              <a:ext uri="{FF2B5EF4-FFF2-40B4-BE49-F238E27FC236}">
-                <a16:creationId xmlns:a16="http://schemas.microsoft.com/office/drawing/2014/main" id="{74FD4108-6E96-974A-F3DB-1C38A82839EB}"/>
-              </a:ext>
-            </a:extLst>
-          </p:cNvPr>
-          <p:cNvSpPr>
-            <a:spLocks noGrp="1"/>
-          </p:cNvSpPr>
-          <p:nvPr>
-            <p:ph type="title"/>
-          </p:nvPr>
-        </p:nvSpPr>
-        <p:spPr>
-          <a:xfrm>
-            <a:off x="838200" y="365125"/>
-            <a:ext cx="10515600" cy="1325563"/>
-          </a:xfrm>
-        </p:spPr>
-        <p:txBody>
-          <a:bodyPr>
-            <a:normAutofit/>
-          </a:bodyPr>
-          <a:lstStyle/>
-          <a:p>
-            <a:r>
-              <a:rPr lang="en-US" sz="4000" b="1" dirty="0">
-                <a:latin typeface="Helvetica" panose="020B0604020202020204" pitchFamily="34" charset="0"/>
-                <a:cs typeface="Helvetica" panose="020B0604020202020204" pitchFamily="34" charset="0"/>
-              </a:rPr>
-              <a:t>Multiverse Analysis</a:t>
-            </a:r>
-          </a:p>
-        </p:txBody>
-      </p:sp>
-    </p:spTree>
-    <p:extLst>
-      <p:ext uri="{BB962C8B-B14F-4D97-AF65-F5344CB8AC3E}">
-        <p14:creationId xmlns:p14="http://schemas.microsoft.com/office/powerpoint/2010/main" val="2095315129"/>
-      </p:ext>
-    </p:extLst>
-  </p:cSld>
-  <p:clrMapOvr>
-    <a:masterClrMapping/>
-  </p:clrMapOvr>
-  <p:timing>
-    <p:tnLst>
-      <p:par>
-        <p:cTn id="1" dur="indefinite" restart="never" nodeType="tmRoot">
-          <p:childTnLst>
-            <p:seq concurrent="1" nextAc="seek">
-              <p:cTn id="2" dur="indefinite" nodeType="mainSeq">
-                <p:childTnLst>
-                  <p:par>
-                    <p:cTn id="3" fill="hold">
-                      <p:stCondLst>
-                        <p:cond delay="indefinite"/>
-                      </p:stCondLst>
-                      <p:childTnLst>
-                        <p:par>
-                          <p:cTn id="4" fill="hold">
-                            <p:stCondLst>
-                              <p:cond delay="0"/>
-                            </p:stCondLst>
-                            <p:childTnLst>
-                              <p:par>
-                                <p:cTn id="5" presetID="1" presetClass="entr" presetSubtype="0" fill="hold" nodeType="clickEffect">
-                                  <p:stCondLst>
-                                    <p:cond delay="0"/>
-                                  </p:stCondLst>
-                                  <p:childTnLst>
-                                    <p:set>
-                                      <p:cBhvr>
-                                        <p:cTn id="6" dur="1" fill="hold">
-                                          <p:stCondLst>
-                                            <p:cond delay="0"/>
-                                          </p:stCondLst>
-                                        </p:cTn>
-                                        <p:tgtEl>
-                                          <p:spTgt spid="46"/>
-                                        </p:tgtEl>
-                                        <p:attrNameLst>
-                                          <p:attrName>style.visibility</p:attrName>
-                                        </p:attrNameLst>
-                                      </p:cBhvr>
-                                      <p:to>
-                                        <p:strVal val="visible"/>
-                                      </p:to>
-                                    </p:set>
-                                  </p:childTnLst>
-                                </p:cTn>
-                              </p:par>
-                            </p:childTnLst>
-                          </p:cTn>
-                        </p:par>
-                      </p:childTnLst>
-                    </p:cTn>
-                  </p:par>
-                  <p:par>
-                    <p:cTn id="7" fill="hold">
-                      <p:stCondLst>
-                        <p:cond delay="indefinite"/>
-                      </p:stCondLst>
-                      <p:childTnLst>
-                        <p:par>
-                          <p:cTn id="8" fill="hold">
-                            <p:stCondLst>
-                              <p:cond delay="0"/>
-                            </p:stCondLst>
-                            <p:childTnLst>
-                              <p:par>
-                                <p:cTn id="9" presetID="1" presetClass="entr" presetSubtype="0" fill="hold" nodeType="clickEffect">
-                                  <p:stCondLst>
-                                    <p:cond delay="0"/>
-                                  </p:stCondLst>
-                                  <p:childTnLst>
-                                    <p:set>
-                                      <p:cBhvr>
-                                        <p:cTn id="10" dur="1" fill="hold">
-                                          <p:stCondLst>
-                                            <p:cond delay="0"/>
-                                          </p:stCondLst>
-                                        </p:cTn>
-                                        <p:tgtEl>
-                                          <p:spTgt spid="6"/>
-                                        </p:tgtEl>
-                                        <p:attrNameLst>
-                                          <p:attrName>style.visibility</p:attrName>
-                                        </p:attrNameLst>
-                                      </p:cBhvr>
-                                      <p:to>
-                                        <p:strVal val="visible"/>
-                                      </p:to>
-                                    </p:set>
-                                  </p:childTnLst>
-                                </p:cTn>
-                              </p:par>
-                            </p:childTnLst>
-                          </p:cTn>
-                        </p:par>
-                      </p:childTnLst>
-                    </p:cTn>
-                  </p:par>
-                  <p:par>
-                    <p:cTn id="11" fill="hold">
-                      <p:stCondLst>
-                        <p:cond delay="indefinite"/>
-                      </p:stCondLst>
-                      <p:childTnLst>
-                        <p:par>
-                          <p:cTn id="12" fill="hold">
-                            <p:stCondLst>
-                              <p:cond delay="0"/>
-                            </p:stCondLst>
-                            <p:childTnLst>
-                              <p:par>
-                                <p:cTn id="13" presetID="1" presetClass="entr" presetSubtype="0" fill="hold" nodeType="clickEffect">
-                                  <p:stCondLst>
-                                    <p:cond delay="0"/>
-                                  </p:stCondLst>
-                                  <p:childTnLst>
-                                    <p:set>
-                                      <p:cBhvr>
-                                        <p:cTn id="14" dur="1" fill="hold">
-                                          <p:stCondLst>
-                                            <p:cond delay="0"/>
-                                          </p:stCondLst>
-                                        </p:cTn>
-                                        <p:tgtEl>
-                                          <p:spTgt spid="41"/>
-                                        </p:tgtEl>
-                                        <p:attrNameLst>
-                                          <p:attrName>style.visibility</p:attrName>
-                                        </p:attrNameLst>
-                                      </p:cBhvr>
-                                      <p:to>
-                                        <p:strVal val="visible"/>
-                                      </p:to>
-                                    </p:set>
-                                  </p:childTnLst>
-                                </p:cTn>
-                              </p:par>
-                            </p:childTnLst>
-                          </p:cTn>
-                        </p:par>
-                      </p:childTnLst>
-                    </p:cTn>
-                  </p:par>
-                  <p:par>
-                    <p:cTn id="15" fill="hold">
-                      <p:stCondLst>
-                        <p:cond delay="indefinite"/>
-                      </p:stCondLst>
-                      <p:childTnLst>
-                        <p:par>
-                          <p:cTn id="16" fill="hold">
-                            <p:stCondLst>
-                              <p:cond delay="0"/>
-                            </p:stCondLst>
-                            <p:childTnLst>
-                              <p:par>
-                                <p:cTn id="17" presetID="1" presetClass="entr" presetSubtype="0" fill="hold" nodeType="clickEffect">
-                                  <p:stCondLst>
-                                    <p:cond delay="0"/>
-                                  </p:stCondLst>
-                                  <p:childTnLst>
-                                    <p:set>
-                                      <p:cBhvr>
-                                        <p:cTn id="18" dur="1" fill="hold">
-                                          <p:stCondLst>
-                                            <p:cond delay="0"/>
-                                          </p:stCondLst>
-                                        </p:cTn>
-                                        <p:tgtEl>
-                                          <p:spTgt spid="71"/>
-                                        </p:tgtEl>
-                                        <p:attrNameLst>
-                                          <p:attrName>style.visibility</p:attrName>
-                                        </p:attrNameLst>
-                                      </p:cBhvr>
-                                      <p:to>
-                                        <p:strVal val="visible"/>
-                                      </p:to>
-                                    </p:set>
-                                  </p:childTnLst>
-                                </p:cTn>
-                              </p:par>
-                              <p:par>
-                                <p:cTn id="19" presetID="1" presetClass="entr" presetSubtype="0" fill="hold" nodeType="withEffect">
-                                  <p:stCondLst>
-                                    <p:cond delay="0"/>
-                                  </p:stCondLst>
-                                  <p:childTnLst>
-                                    <p:set>
-                                      <p:cBhvr>
-                                        <p:cTn id="20" dur="1" fill="hold">
-                                          <p:stCondLst>
-                                            <p:cond delay="0"/>
-                                          </p:stCondLst>
-                                        </p:cTn>
-                                        <p:tgtEl>
-                                          <p:spTgt spid="74"/>
-                                        </p:tgtEl>
-                                        <p:attrNameLst>
-                                          <p:attrName>style.visibility</p:attrName>
-                                        </p:attrNameLst>
-                                      </p:cBhvr>
-                                      <p:to>
-                                        <p:strVal val="visible"/>
-                                      </p:to>
-                                    </p:set>
-                                  </p:childTnLst>
-                                </p:cTn>
-                              </p:par>
-                              <p:par>
-                                <p:cTn id="21" presetID="1" presetClass="entr" presetSubtype="0" fill="hold" nodeType="withEffect">
-                                  <p:stCondLst>
-                                    <p:cond delay="0"/>
-                                  </p:stCondLst>
-                                  <p:childTnLst>
-                                    <p:set>
-                                      <p:cBhvr>
-                                        <p:cTn id="22" dur="1" fill="hold">
-                                          <p:stCondLst>
-                                            <p:cond delay="0"/>
-                                          </p:stCondLst>
-                                        </p:cTn>
-                                        <p:tgtEl>
-                                          <p:spTgt spid="3"/>
-                                        </p:tgtEl>
-                                        <p:attrNameLst>
-                                          <p:attrName>style.visibility</p:attrName>
-                                        </p:attrNameLst>
-                                      </p:cBhvr>
-                                      <p:to>
-                                        <p:strVal val="visible"/>
-                                      </p:to>
-                                    </p:set>
-                                  </p:childTnLst>
-                                </p:cTn>
-                              </p:par>
-                            </p:childTnLst>
-                          </p:cTn>
-                        </p:par>
-                      </p:childTnLst>
-                    </p:cTn>
-                  </p:par>
-                </p:childTnLst>
-              </p:cTn>
-              <p:prevCondLst>
-                <p:cond evt="onPrev" delay="0">
-                  <p:tgtEl>
-                    <p:sldTgt/>
-                  </p:tgtEl>
-                </p:cond>
-              </p:prevCondLst>
-              <p:nextCondLst>
-                <p:cond evt="onNext" delay="0">
-                  <p:tgtEl>
-                    <p:sldTgt/>
-                  </p:tgtEl>
-                </p:cond>
-              </p:nextCondLst>
-            </p:seq>
-          </p:childTnLst>
-        </p:cTn>
-      </p:par>
-    </p:tnLst>
   </p:timing>
 </p:sld>
 </file>
